--- a/Exploratory_Analysis.pptx
+++ b/Exploratory_Analysis.pptx
@@ -5,7 +5,7 @@
     <p:sldMasterId id="2147483660" r:id="rId1"/>
   </p:sldMasterIdLst>
   <p:notesMasterIdLst>
-    <p:notesMasterId r:id="rId10"/>
+    <p:notesMasterId r:id="rId11"/>
   </p:notesMasterIdLst>
   <p:sldIdLst>
     <p:sldId id="257" r:id="rId2"/>
@@ -16,6 +16,7 @@
     <p:sldId id="261" r:id="rId7"/>
     <p:sldId id="262" r:id="rId8"/>
     <p:sldId id="263" r:id="rId9"/>
+    <p:sldId id="264" r:id="rId10"/>
   </p:sldIdLst>
   <p:sldSz cx="9144000" cy="6858000" type="screen4x3"/>
   <p:notesSz cx="6858000" cy="9144000"/>
@@ -230,7 +231,7 @@
           <a:p>
             <a:fld id="{CD863C69-6AC4-4515-84BB-C614EE551B82}" type="datetimeFigureOut">
               <a:rPr lang="ru-RU" smtClean="0"/>
-              <a:t>03.06.2019</a:t>
+              <a:t>04.06.2019</a:t>
             </a:fld>
             <a:endParaRPr lang="ru-RU"/>
           </a:p>
@@ -629,7 +630,7 @@
           <a:p>
             <a:fld id="{BF38C05E-219E-4729-9909-5B693F1E4DB2}" type="datetime1">
               <a:rPr lang="ru-RU" smtClean="0"/>
-              <a:t>03.06.2019</a:t>
+              <a:t>04.06.2019</a:t>
             </a:fld>
             <a:endParaRPr lang="ru-RU"/>
           </a:p>
@@ -799,7 +800,7 @@
           <a:p>
             <a:fld id="{E587BD1D-74D3-449F-A3CA-F47BBACDADC1}" type="datetime1">
               <a:rPr lang="ru-RU" smtClean="0"/>
-              <a:t>03.06.2019</a:t>
+              <a:t>04.06.2019</a:t>
             </a:fld>
             <a:endParaRPr lang="ru-RU"/>
           </a:p>
@@ -979,7 +980,7 @@
           <a:p>
             <a:fld id="{F156E365-3C59-403F-A598-8903968D44C1}" type="datetime1">
               <a:rPr lang="ru-RU" smtClean="0"/>
-              <a:t>03.06.2019</a:t>
+              <a:t>04.06.2019</a:t>
             </a:fld>
             <a:endParaRPr lang="ru-RU"/>
           </a:p>
@@ -1149,7 +1150,7 @@
           <a:p>
             <a:fld id="{D71D973D-7295-497C-A5AE-B81A0C1EA542}" type="datetime1">
               <a:rPr lang="ru-RU" smtClean="0"/>
-              <a:t>03.06.2019</a:t>
+              <a:t>04.06.2019</a:t>
             </a:fld>
             <a:endParaRPr lang="ru-RU"/>
           </a:p>
@@ -1393,7 +1394,7 @@
           <a:p>
             <a:fld id="{D43ACA65-1DF0-4542-9513-2573006F2B09}" type="datetime1">
               <a:rPr lang="ru-RU" smtClean="0"/>
-              <a:t>03.06.2019</a:t>
+              <a:t>04.06.2019</a:t>
             </a:fld>
             <a:endParaRPr lang="ru-RU"/>
           </a:p>
@@ -1625,7 +1626,7 @@
           <a:p>
             <a:fld id="{CE5D4F0D-BE92-42E2-AC19-D4AE919B8EEA}" type="datetime1">
               <a:rPr lang="ru-RU" smtClean="0"/>
-              <a:t>03.06.2019</a:t>
+              <a:t>04.06.2019</a:t>
             </a:fld>
             <a:endParaRPr lang="ru-RU"/>
           </a:p>
@@ -1992,7 +1993,7 @@
           <a:p>
             <a:fld id="{31712A4F-404C-4E2A-B048-29FEE1F56BCC}" type="datetime1">
               <a:rPr lang="ru-RU" smtClean="0"/>
-              <a:t>03.06.2019</a:t>
+              <a:t>04.06.2019</a:t>
             </a:fld>
             <a:endParaRPr lang="ru-RU"/>
           </a:p>
@@ -2110,7 +2111,7 @@
           <a:p>
             <a:fld id="{A591E32F-21C9-4A73-9D8C-CB8422C8AD99}" type="datetime1">
               <a:rPr lang="ru-RU" smtClean="0"/>
-              <a:t>03.06.2019</a:t>
+              <a:t>04.06.2019</a:t>
             </a:fld>
             <a:endParaRPr lang="ru-RU"/>
           </a:p>
@@ -2205,7 +2206,7 @@
           <a:p>
             <a:fld id="{E8BE7035-4758-4463-AF71-B436150BF40F}" type="datetime1">
               <a:rPr lang="ru-RU" smtClean="0"/>
-              <a:t>03.06.2019</a:t>
+              <a:t>04.06.2019</a:t>
             </a:fld>
             <a:endParaRPr lang="ru-RU"/>
           </a:p>
@@ -2482,7 +2483,7 @@
           <a:p>
             <a:fld id="{8BF22BB4-229E-48DC-A891-0BD3792CC568}" type="datetime1">
               <a:rPr lang="ru-RU" smtClean="0"/>
-              <a:t>03.06.2019</a:t>
+              <a:t>04.06.2019</a:t>
             </a:fld>
             <a:endParaRPr lang="ru-RU"/>
           </a:p>
@@ -2739,7 +2740,7 @@
           <a:p>
             <a:fld id="{B32F65DE-1A63-4DFF-816D-2C4DB2F0AABF}" type="datetime1">
               <a:rPr lang="ru-RU" smtClean="0"/>
-              <a:t>03.06.2019</a:t>
+              <a:t>04.06.2019</a:t>
             </a:fld>
             <a:endParaRPr lang="ru-RU"/>
           </a:p>
@@ -2952,7 +2953,7 @@
           <a:p>
             <a:fld id="{58F37F58-E97F-4EAB-9CA9-C9A7312871A5}" type="datetime1">
               <a:rPr lang="ru-RU" smtClean="0"/>
-              <a:t>03.06.2019</a:t>
+              <a:t>04.06.2019</a:t>
             </a:fld>
             <a:endParaRPr lang="ru-RU"/>
           </a:p>
@@ -5044,7 +5045,19 @@
             </a:r>
             <a:r>
               <a:rPr lang="en-US" dirty="0" smtClean="0"/>
-              <a:t> preliminary homogeneity of the data set -&gt; AMT_ANNUITY and AMT_GOODS_PRICE are the most homogenous.</a:t>
+              <a:t> </a:t>
+            </a:r>
+            <a:r>
+              <a:rPr lang="en-US" dirty="0" smtClean="0"/>
+              <a:t>initial</a:t>
+            </a:r>
+            <a:r>
+              <a:rPr lang="en-US" dirty="0" smtClean="0"/>
+              <a:t> </a:t>
+            </a:r>
+            <a:r>
+              <a:rPr lang="en-US" dirty="0" smtClean="0"/>
+              <a:t>homogeneity of the data set -&gt; AMT_ANNUITY and AMT_GOODS_PRICE are the most homogenous.</a:t>
             </a:r>
           </a:p>
           <a:p>
@@ -5072,12 +5085,12 @@
               <a:t>  preprocessing steps have to be taken to compile the </a:t>
             </a:r>
             <a:r>
-              <a:rPr lang="en-US" dirty="0" err="1" smtClean="0"/>
-              <a:t>homogeneus</a:t>
-            </a:r>
-            <a:r>
               <a:rPr lang="en-US" dirty="0" smtClean="0"/>
-              <a:t> data set.</a:t>
+              <a:t>homogeneous </a:t>
+            </a:r>
+            <a:r>
+              <a:rPr lang="en-US" dirty="0" smtClean="0"/>
+              <a:t>data set.</a:t>
             </a:r>
           </a:p>
           <a:p>
@@ -5138,12 +5151,32 @@
             <p:ph type="title"/>
           </p:nvPr>
         </p:nvSpPr>
-        <p:spPr/>
-        <p:txBody>
-          <a:bodyPr/>
-          <a:lstStyle/>
-          <a:p>
-            <a:endParaRPr lang="ru-RU"/>
+        <p:spPr>
+          <a:xfrm>
+            <a:off x="628650" y="365126"/>
+            <a:ext cx="7886700" cy="422525"/>
+          </a:xfrm>
+        </p:spPr>
+        <p:txBody>
+          <a:bodyPr vert="horz" lIns="91440" tIns="45720" rIns="91440" bIns="45720" rtlCol="0" anchor="b">
+            <a:noAutofit/>
+          </a:bodyPr>
+          <a:lstStyle/>
+          <a:p>
+            <a:pPr algn="ctr"/>
+            <a:r>
+              <a:rPr lang="en-US" sz="2400" b="1" dirty="0">
+                <a:solidFill>
+                  <a:srgbClr val="00B0F0"/>
+                </a:solidFill>
+              </a:rPr>
+              <a:t>Outliers</a:t>
+            </a:r>
+            <a:endParaRPr lang="ru-RU" sz="2400" b="1" dirty="0">
+              <a:solidFill>
+                <a:srgbClr val="00B0F0"/>
+              </a:solidFill>
+            </a:endParaRPr>
           </a:p>
         </p:txBody>
       </p:sp>
@@ -5167,6 +5200,152 @@
               <a:t>8</a:t>
             </a:fld>
             <a:endParaRPr lang="ru-RU"/>
+          </a:p>
+        </p:txBody>
+      </p:sp>
+      <p:sp>
+        <p:nvSpPr>
+          <p:cNvPr id="5" name="TextBox 4"/>
+          <p:cNvSpPr txBox="1"/>
+          <p:nvPr/>
+        </p:nvSpPr>
+        <p:spPr>
+          <a:xfrm>
+            <a:off x="202779" y="787651"/>
+            <a:ext cx="8705831" cy="2308324"/>
+          </a:xfrm>
+          <a:prstGeom prst="rect">
+            <a:avLst/>
+          </a:prstGeom>
+          <a:noFill/>
+        </p:spPr>
+        <p:txBody>
+          <a:bodyPr wrap="square" rtlCol="0">
+            <a:spAutoFit/>
+          </a:bodyPr>
+          <a:lstStyle/>
+          <a:p>
+            <a:r>
+              <a:rPr lang="en-US" b="1" dirty="0" smtClean="0"/>
+              <a:t>Outliers</a:t>
+            </a:r>
+            <a:r>
+              <a:rPr lang="en-US" dirty="0" smtClean="0"/>
+              <a:t> are extreme values which are limited in quantity but have a material effect to calculated values.</a:t>
+            </a:r>
+          </a:p>
+          <a:p>
+            <a:endParaRPr lang="en-US" dirty="0"/>
+          </a:p>
+          <a:p>
+            <a:r>
+              <a:rPr lang="en-US" dirty="0" smtClean="0"/>
+              <a:t>From practical point of view outliers can be defined in different ways but main approaches are </a:t>
+            </a:r>
+            <a:r>
+              <a:rPr lang="en-US" i="1" u="sng" dirty="0" smtClean="0"/>
+              <a:t>expert and analytical</a:t>
+            </a:r>
+            <a:r>
+              <a:rPr lang="en-US" dirty="0" smtClean="0"/>
+              <a:t>.</a:t>
+            </a:r>
+          </a:p>
+          <a:p>
+            <a:endParaRPr lang="en-US" dirty="0"/>
+          </a:p>
+          <a:p>
+            <a:r>
+              <a:rPr lang="en-US" dirty="0" smtClean="0"/>
+              <a:t>In  a small example we have excluded TOP 12 (expert approach) of 48,745 records -&gt; AM is impacted immaterially.</a:t>
+            </a:r>
+          </a:p>
+        </p:txBody>
+      </p:sp>
+      <p:pic>
+        <p:nvPicPr>
+          <p:cNvPr id="7" name="Рисунок 6"/>
+          <p:cNvPicPr>
+            <a:picLocks noChangeAspect="1"/>
+          </p:cNvPicPr>
+          <p:nvPr/>
+        </p:nvPicPr>
+        <p:blipFill>
+          <a:blip r:embed="rId2"/>
+          <a:stretch>
+            <a:fillRect/>
+          </a:stretch>
+        </p:blipFill>
+        <p:spPr>
+          <a:xfrm>
+            <a:off x="202779" y="3113137"/>
+            <a:ext cx="4296794" cy="1884399"/>
+          </a:xfrm>
+          <a:prstGeom prst="rect">
+            <a:avLst/>
+          </a:prstGeom>
+        </p:spPr>
+      </p:pic>
+      <p:pic>
+        <p:nvPicPr>
+          <p:cNvPr id="9" name="Рисунок 8"/>
+          <p:cNvPicPr>
+            <a:picLocks noChangeAspect="1"/>
+          </p:cNvPicPr>
+          <p:nvPr/>
+        </p:nvPicPr>
+        <p:blipFill>
+          <a:blip r:embed="rId3"/>
+          <a:stretch>
+            <a:fillRect/>
+          </a:stretch>
+        </p:blipFill>
+        <p:spPr>
+          <a:xfrm>
+            <a:off x="4572000" y="2952006"/>
+            <a:ext cx="4248000" cy="2043000"/>
+          </a:xfrm>
+          <a:prstGeom prst="rect">
+            <a:avLst/>
+          </a:prstGeom>
+        </p:spPr>
+      </p:pic>
+      <p:sp>
+        <p:nvSpPr>
+          <p:cNvPr id="10" name="TextBox 9"/>
+          <p:cNvSpPr txBox="1"/>
+          <p:nvPr/>
+        </p:nvSpPr>
+        <p:spPr>
+          <a:xfrm>
+            <a:off x="202779" y="5341545"/>
+            <a:ext cx="8617221" cy="1200329"/>
+          </a:xfrm>
+          <a:prstGeom prst="rect">
+            <a:avLst/>
+          </a:prstGeom>
+          <a:noFill/>
+        </p:spPr>
+        <p:txBody>
+          <a:bodyPr wrap="square" rtlCol="0">
+            <a:spAutoFit/>
+          </a:bodyPr>
+          <a:lstStyle/>
+          <a:p>
+            <a:r>
+              <a:rPr lang="en-US" dirty="0" smtClean="0"/>
+              <a:t>Analytical approach means application of any reasonable calculated indicators. For instance, AM/mode ratio.</a:t>
+            </a:r>
+          </a:p>
+          <a:p>
+            <a:endParaRPr lang="en-US" dirty="0"/>
+          </a:p>
+          <a:p>
+            <a:r>
+              <a:rPr lang="en-US" dirty="0" smtClean="0"/>
+              <a:t>Outliers themselves could make a separate sample to look into.</a:t>
+            </a:r>
+            <a:endParaRPr lang="ru-RU" dirty="0"/>
           </a:p>
         </p:txBody>
       </p:sp>
@@ -5174,6 +5353,78 @@
     <p:extLst>
       <p:ext uri="{BB962C8B-B14F-4D97-AF65-F5344CB8AC3E}">
         <p14:creationId xmlns:p14="http://schemas.microsoft.com/office/powerpoint/2010/main" val="918789839"/>
+      </p:ext>
+    </p:extLst>
+  </p:cSld>
+  <p:clrMapOvr>
+    <a:masterClrMapping/>
+  </p:clrMapOvr>
+</p:sld>
+</file>
+
+<file path=ppt/slides/slide9.xml><?xml version="1.0" encoding="utf-8"?>
+<p:sld xmlns:a="http://schemas.openxmlformats.org/drawingml/2006/main" xmlns:r="http://schemas.openxmlformats.org/officeDocument/2006/relationships" xmlns:p="http://schemas.openxmlformats.org/presentationml/2006/main">
+  <p:cSld>
+    <p:spTree>
+      <p:nvGrpSpPr>
+        <p:cNvPr id="1" name=""/>
+        <p:cNvGrpSpPr/>
+        <p:nvPr/>
+      </p:nvGrpSpPr>
+      <p:grpSpPr>
+        <a:xfrm>
+          <a:off x="0" y="0"/>
+          <a:ext cx="0" cy="0"/>
+          <a:chOff x="0" y="0"/>
+          <a:chExt cx="0" cy="0"/>
+        </a:xfrm>
+      </p:grpSpPr>
+      <p:sp>
+        <p:nvSpPr>
+          <p:cNvPr id="2" name="Заголовок 1"/>
+          <p:cNvSpPr>
+            <a:spLocks noGrp="1"/>
+          </p:cNvSpPr>
+          <p:nvPr>
+            <p:ph type="title"/>
+          </p:nvPr>
+        </p:nvSpPr>
+        <p:spPr/>
+        <p:txBody>
+          <a:bodyPr/>
+          <a:lstStyle/>
+          <a:p>
+            <a:endParaRPr lang="ru-RU" dirty="0"/>
+          </a:p>
+        </p:txBody>
+      </p:sp>
+      <p:sp>
+        <p:nvSpPr>
+          <p:cNvPr id="4" name="Номер слайда 3"/>
+          <p:cNvSpPr>
+            <a:spLocks noGrp="1"/>
+          </p:cNvSpPr>
+          <p:nvPr>
+            <p:ph type="sldNum" sz="quarter" idx="12"/>
+          </p:nvPr>
+        </p:nvSpPr>
+        <p:spPr/>
+        <p:txBody>
+          <a:bodyPr/>
+          <a:lstStyle/>
+          <a:p>
+            <a:fld id="{C936BD1D-689F-4FB2-8C94-2D2423F07E62}" type="slidenum">
+              <a:rPr lang="ru-RU" smtClean="0"/>
+              <a:t>9</a:t>
+            </a:fld>
+            <a:endParaRPr lang="ru-RU"/>
+          </a:p>
+        </p:txBody>
+      </p:sp>
+    </p:spTree>
+    <p:extLst>
+      <p:ext uri="{BB962C8B-B14F-4D97-AF65-F5344CB8AC3E}">
+        <p14:creationId xmlns:p14="http://schemas.microsoft.com/office/powerpoint/2010/main" val="436948135"/>
       </p:ext>
     </p:extLst>
   </p:cSld>

--- a/Exploratory_Analysis.pptx
+++ b/Exploratory_Analysis.pptx
@@ -5,7 +5,7 @@
     <p:sldMasterId id="2147483660" r:id="rId1"/>
   </p:sldMasterIdLst>
   <p:notesMasterIdLst>
-    <p:notesMasterId r:id="rId11"/>
+    <p:notesMasterId r:id="rId12"/>
   </p:notesMasterIdLst>
   <p:sldIdLst>
     <p:sldId id="257" r:id="rId2"/>
@@ -17,6 +17,7 @@
     <p:sldId id="262" r:id="rId8"/>
     <p:sldId id="263" r:id="rId9"/>
     <p:sldId id="264" r:id="rId10"/>
+    <p:sldId id="265" r:id="rId11"/>
   </p:sldIdLst>
   <p:sldSz cx="9144000" cy="6858000" type="screen4x3"/>
   <p:notesSz cx="6858000" cy="9144000"/>
@@ -231,7 +232,7 @@
           <a:p>
             <a:fld id="{CD863C69-6AC4-4515-84BB-C614EE551B82}" type="datetimeFigureOut">
               <a:rPr lang="ru-RU" smtClean="0"/>
-              <a:t>04.06.2019</a:t>
+              <a:t>05.06.2019</a:t>
             </a:fld>
             <a:endParaRPr lang="ru-RU"/>
           </a:p>
@@ -630,7 +631,7 @@
           <a:p>
             <a:fld id="{BF38C05E-219E-4729-9909-5B693F1E4DB2}" type="datetime1">
               <a:rPr lang="ru-RU" smtClean="0"/>
-              <a:t>04.06.2019</a:t>
+              <a:t>05.06.2019</a:t>
             </a:fld>
             <a:endParaRPr lang="ru-RU"/>
           </a:p>
@@ -800,7 +801,7 @@
           <a:p>
             <a:fld id="{E587BD1D-74D3-449F-A3CA-F47BBACDADC1}" type="datetime1">
               <a:rPr lang="ru-RU" smtClean="0"/>
-              <a:t>04.06.2019</a:t>
+              <a:t>05.06.2019</a:t>
             </a:fld>
             <a:endParaRPr lang="ru-RU"/>
           </a:p>
@@ -980,7 +981,7 @@
           <a:p>
             <a:fld id="{F156E365-3C59-403F-A598-8903968D44C1}" type="datetime1">
               <a:rPr lang="ru-RU" smtClean="0"/>
-              <a:t>04.06.2019</a:t>
+              <a:t>05.06.2019</a:t>
             </a:fld>
             <a:endParaRPr lang="ru-RU"/>
           </a:p>
@@ -1150,7 +1151,7 @@
           <a:p>
             <a:fld id="{D71D973D-7295-497C-A5AE-B81A0C1EA542}" type="datetime1">
               <a:rPr lang="ru-RU" smtClean="0"/>
-              <a:t>04.06.2019</a:t>
+              <a:t>05.06.2019</a:t>
             </a:fld>
             <a:endParaRPr lang="ru-RU"/>
           </a:p>
@@ -1394,7 +1395,7 @@
           <a:p>
             <a:fld id="{D43ACA65-1DF0-4542-9513-2573006F2B09}" type="datetime1">
               <a:rPr lang="ru-RU" smtClean="0"/>
-              <a:t>04.06.2019</a:t>
+              <a:t>05.06.2019</a:t>
             </a:fld>
             <a:endParaRPr lang="ru-RU"/>
           </a:p>
@@ -1626,7 +1627,7 @@
           <a:p>
             <a:fld id="{CE5D4F0D-BE92-42E2-AC19-D4AE919B8EEA}" type="datetime1">
               <a:rPr lang="ru-RU" smtClean="0"/>
-              <a:t>04.06.2019</a:t>
+              <a:t>05.06.2019</a:t>
             </a:fld>
             <a:endParaRPr lang="ru-RU"/>
           </a:p>
@@ -1993,7 +1994,7 @@
           <a:p>
             <a:fld id="{31712A4F-404C-4E2A-B048-29FEE1F56BCC}" type="datetime1">
               <a:rPr lang="ru-RU" smtClean="0"/>
-              <a:t>04.06.2019</a:t>
+              <a:t>05.06.2019</a:t>
             </a:fld>
             <a:endParaRPr lang="ru-RU"/>
           </a:p>
@@ -2111,7 +2112,7 @@
           <a:p>
             <a:fld id="{A591E32F-21C9-4A73-9D8C-CB8422C8AD99}" type="datetime1">
               <a:rPr lang="ru-RU" smtClean="0"/>
-              <a:t>04.06.2019</a:t>
+              <a:t>05.06.2019</a:t>
             </a:fld>
             <a:endParaRPr lang="ru-RU"/>
           </a:p>
@@ -2206,7 +2207,7 @@
           <a:p>
             <a:fld id="{E8BE7035-4758-4463-AF71-B436150BF40F}" type="datetime1">
               <a:rPr lang="ru-RU" smtClean="0"/>
-              <a:t>04.06.2019</a:t>
+              <a:t>05.06.2019</a:t>
             </a:fld>
             <a:endParaRPr lang="ru-RU"/>
           </a:p>
@@ -2483,7 +2484,7 @@
           <a:p>
             <a:fld id="{8BF22BB4-229E-48DC-A891-0BD3792CC568}" type="datetime1">
               <a:rPr lang="ru-RU" smtClean="0"/>
-              <a:t>04.06.2019</a:t>
+              <a:t>05.06.2019</a:t>
             </a:fld>
             <a:endParaRPr lang="ru-RU"/>
           </a:p>
@@ -2740,7 +2741,7 @@
           <a:p>
             <a:fld id="{B32F65DE-1A63-4DFF-816D-2C4DB2F0AABF}" type="datetime1">
               <a:rPr lang="ru-RU" smtClean="0"/>
-              <a:t>04.06.2019</a:t>
+              <a:t>05.06.2019</a:t>
             </a:fld>
             <a:endParaRPr lang="ru-RU"/>
           </a:p>
@@ -2953,7 +2954,7 @@
           <a:p>
             <a:fld id="{58F37F58-E97F-4EAB-9CA9-C9A7312871A5}" type="datetime1">
               <a:rPr lang="ru-RU" smtClean="0"/>
-              <a:t>04.06.2019</a:t>
+              <a:t>05.06.2019</a:t>
             </a:fld>
             <a:endParaRPr lang="ru-RU"/>
           </a:p>
@@ -3482,6 +3483,153 @@
 </p:sld>
 </file>
 
+<file path=ppt/slides/slide10.xml><?xml version="1.0" encoding="utf-8"?>
+<p:sld xmlns:a="http://schemas.openxmlformats.org/drawingml/2006/main" xmlns:r="http://schemas.openxmlformats.org/officeDocument/2006/relationships" xmlns:p="http://schemas.openxmlformats.org/presentationml/2006/main">
+  <p:cSld>
+    <p:spTree>
+      <p:nvGrpSpPr>
+        <p:cNvPr id="1" name=""/>
+        <p:cNvGrpSpPr/>
+        <p:nvPr/>
+      </p:nvGrpSpPr>
+      <p:grpSpPr>
+        <a:xfrm>
+          <a:off x="0" y="0"/>
+          <a:ext cx="0" cy="0"/>
+          <a:chOff x="0" y="0"/>
+          <a:chExt cx="0" cy="0"/>
+        </a:xfrm>
+      </p:grpSpPr>
+      <p:sp>
+        <p:nvSpPr>
+          <p:cNvPr id="4" name="Номер слайда 3"/>
+          <p:cNvSpPr>
+            <a:spLocks noGrp="1"/>
+          </p:cNvSpPr>
+          <p:nvPr>
+            <p:ph type="sldNum" sz="quarter" idx="12"/>
+          </p:nvPr>
+        </p:nvSpPr>
+        <p:spPr/>
+        <p:txBody>
+          <a:bodyPr/>
+          <a:lstStyle/>
+          <a:p>
+            <a:fld id="{C936BD1D-689F-4FB2-8C94-2D2423F07E62}" type="slidenum">
+              <a:rPr lang="ru-RU" smtClean="0"/>
+              <a:t>10</a:t>
+            </a:fld>
+            <a:endParaRPr lang="ru-RU"/>
+          </a:p>
+        </p:txBody>
+      </p:sp>
+      <p:sp>
+        <p:nvSpPr>
+          <p:cNvPr id="5" name="Заголовок 1"/>
+          <p:cNvSpPr>
+            <a:spLocks noGrp="1"/>
+          </p:cNvSpPr>
+          <p:nvPr>
+            <p:ph type="title"/>
+          </p:nvPr>
+        </p:nvSpPr>
+        <p:spPr>
+          <a:xfrm>
+            <a:off x="628650" y="365126"/>
+            <a:ext cx="7886700" cy="422525"/>
+          </a:xfrm>
+        </p:spPr>
+        <p:txBody>
+          <a:bodyPr vert="horz" lIns="91440" tIns="45720" rIns="91440" bIns="45720" rtlCol="0" anchor="b">
+            <a:noAutofit/>
+          </a:bodyPr>
+          <a:lstStyle/>
+          <a:p>
+            <a:pPr algn="ctr"/>
+            <a:r>
+              <a:rPr lang="en-US" sz="2400" b="1" dirty="0" smtClean="0">
+                <a:solidFill>
+                  <a:srgbClr val="00B0F0"/>
+                </a:solidFill>
+              </a:rPr>
+              <a:t>Box-and-whisky plot</a:t>
+            </a:r>
+            <a:endParaRPr lang="ru-RU" sz="2400" b="1" dirty="0">
+              <a:solidFill>
+                <a:srgbClr val="00B0F0"/>
+              </a:solidFill>
+            </a:endParaRPr>
+          </a:p>
+        </p:txBody>
+      </p:sp>
+      <p:pic>
+        <p:nvPicPr>
+          <p:cNvPr id="6" name="Рисунок 5"/>
+          <p:cNvPicPr>
+            <a:picLocks noChangeAspect="1"/>
+          </p:cNvPicPr>
+          <p:nvPr/>
+        </p:nvPicPr>
+        <p:blipFill>
+          <a:blip r:embed="rId2"/>
+          <a:stretch>
+            <a:fillRect/>
+          </a:stretch>
+        </p:blipFill>
+        <p:spPr>
+          <a:xfrm>
+            <a:off x="2720707" y="787651"/>
+            <a:ext cx="3286125" cy="3486150"/>
+          </a:xfrm>
+          <a:prstGeom prst="rect">
+            <a:avLst/>
+          </a:prstGeom>
+        </p:spPr>
+      </p:pic>
+      <p:sp>
+        <p:nvSpPr>
+          <p:cNvPr id="7" name="Прямоугольник 6"/>
+          <p:cNvSpPr/>
+          <p:nvPr/>
+        </p:nvSpPr>
+        <p:spPr>
+          <a:xfrm>
+            <a:off x="1923860" y="4326994"/>
+            <a:ext cx="5853065" cy="369332"/>
+          </a:xfrm>
+          <a:prstGeom prst="rect">
+            <a:avLst/>
+          </a:prstGeom>
+        </p:spPr>
+        <p:txBody>
+          <a:bodyPr wrap="square">
+            <a:spAutoFit/>
+          </a:bodyPr>
+          <a:lstStyle/>
+          <a:p>
+            <a:r>
+              <a:rPr lang="en-US" dirty="0">
+                <a:hlinkClick r:id="rId3"/>
+              </a:rPr>
+              <a:t>https://datavizcatalogue.com/methods/box_plot.html</a:t>
+            </a:r>
+            <a:endParaRPr lang="ru-RU" dirty="0"/>
+          </a:p>
+        </p:txBody>
+      </p:sp>
+    </p:spTree>
+    <p:extLst>
+      <p:ext uri="{BB962C8B-B14F-4D97-AF65-F5344CB8AC3E}">
+        <p14:creationId xmlns:p14="http://schemas.microsoft.com/office/powerpoint/2010/main" val="1071414632"/>
+      </p:ext>
+    </p:extLst>
+  </p:cSld>
+  <p:clrMapOvr>
+    <a:masterClrMapping/>
+  </p:clrMapOvr>
+</p:sld>
+</file>
+
 <file path=ppt/slides/slide2.xml><?xml version="1.0" encoding="utf-8"?>
 <p:sld xmlns:a="http://schemas.openxmlformats.org/drawingml/2006/main" xmlns:r="http://schemas.openxmlformats.org/officeDocument/2006/relationships" xmlns:p="http://schemas.openxmlformats.org/presentationml/2006/main">
   <p:cSld>
@@ -5045,19 +5193,7 @@
             </a:r>
             <a:r>
               <a:rPr lang="en-US" dirty="0" smtClean="0"/>
-              <a:t> </a:t>
-            </a:r>
-            <a:r>
-              <a:rPr lang="en-US" dirty="0" smtClean="0"/>
-              <a:t>initial</a:t>
-            </a:r>
-            <a:r>
-              <a:rPr lang="en-US" dirty="0" smtClean="0"/>
-              <a:t> </a:t>
-            </a:r>
-            <a:r>
-              <a:rPr lang="en-US" dirty="0" smtClean="0"/>
-              <a:t>homogeneity of the data set -&gt; AMT_ANNUITY and AMT_GOODS_PRICE are the most homogenous.</a:t>
+              <a:t> initial homogeneity of the data set -&gt; AMT_ANNUITY and AMT_GOODS_PRICE are the most homogenous.</a:t>
             </a:r>
           </a:p>
           <a:p>
@@ -5082,15 +5218,7 @@
             </a:r>
             <a:r>
               <a:rPr lang="en-US" dirty="0" smtClean="0"/>
-              <a:t>  preprocessing steps have to be taken to compile the </a:t>
-            </a:r>
-            <a:r>
-              <a:rPr lang="en-US" dirty="0" smtClean="0"/>
-              <a:t>homogeneous </a:t>
-            </a:r>
-            <a:r>
-              <a:rPr lang="en-US" dirty="0" smtClean="0"/>
-              <a:t>data set.</a:t>
+              <a:t>  preprocessing steps have to be taken to compile the homogeneous data set.</a:t>
             </a:r>
           </a:p>
           <a:p>
@@ -5381,25 +5509,6 @@
       </p:grpSpPr>
       <p:sp>
         <p:nvSpPr>
-          <p:cNvPr id="2" name="Заголовок 1"/>
-          <p:cNvSpPr>
-            <a:spLocks noGrp="1"/>
-          </p:cNvSpPr>
-          <p:nvPr>
-            <p:ph type="title"/>
-          </p:nvPr>
-        </p:nvSpPr>
-        <p:spPr/>
-        <p:txBody>
-          <a:bodyPr/>
-          <a:lstStyle/>
-          <a:p>
-            <a:endParaRPr lang="ru-RU" dirty="0"/>
-          </a:p>
-        </p:txBody>
-      </p:sp>
-      <p:sp>
-        <p:nvSpPr>
           <p:cNvPr id="4" name="Номер слайда 3"/>
           <p:cNvSpPr>
             <a:spLocks noGrp="1"/>
@@ -5418,6 +5527,159 @@
               <a:t>9</a:t>
             </a:fld>
             <a:endParaRPr lang="ru-RU"/>
+          </a:p>
+        </p:txBody>
+      </p:sp>
+      <p:pic>
+        <p:nvPicPr>
+          <p:cNvPr id="10" name="Рисунок 9"/>
+          <p:cNvPicPr>
+            <a:picLocks noChangeAspect="1"/>
+          </p:cNvPicPr>
+          <p:nvPr/>
+        </p:nvPicPr>
+        <p:blipFill>
+          <a:blip r:embed="rId3"/>
+          <a:stretch>
+            <a:fillRect/>
+          </a:stretch>
+        </p:blipFill>
+        <p:spPr>
+          <a:xfrm>
+            <a:off x="421049" y="1224104"/>
+            <a:ext cx="3069000" cy="4041000"/>
+          </a:xfrm>
+          <a:prstGeom prst="rect">
+            <a:avLst/>
+          </a:prstGeom>
+        </p:spPr>
+      </p:pic>
+      <p:sp>
+        <p:nvSpPr>
+          <p:cNvPr id="11" name="Заголовок 1"/>
+          <p:cNvSpPr>
+            <a:spLocks noGrp="1"/>
+          </p:cNvSpPr>
+          <p:nvPr>
+            <p:ph type="title"/>
+          </p:nvPr>
+        </p:nvSpPr>
+        <p:spPr>
+          <a:xfrm>
+            <a:off x="628650" y="365126"/>
+            <a:ext cx="7886700" cy="422525"/>
+          </a:xfrm>
+        </p:spPr>
+        <p:txBody>
+          <a:bodyPr vert="horz" lIns="91440" tIns="45720" rIns="91440" bIns="45720" rtlCol="0" anchor="b">
+            <a:noAutofit/>
+          </a:bodyPr>
+          <a:lstStyle/>
+          <a:p>
+            <a:pPr algn="ctr"/>
+            <a:r>
+              <a:rPr lang="en-US" sz="2400" b="1" dirty="0" smtClean="0">
+                <a:solidFill>
+                  <a:srgbClr val="00B0F0"/>
+                </a:solidFill>
+              </a:rPr>
+              <a:t>Quantiles</a:t>
+            </a:r>
+            <a:endParaRPr lang="ru-RU" sz="2400" b="1" dirty="0">
+              <a:solidFill>
+                <a:srgbClr val="00B0F0"/>
+              </a:solidFill>
+            </a:endParaRPr>
+          </a:p>
+        </p:txBody>
+      </p:sp>
+      <p:pic>
+        <p:nvPicPr>
+          <p:cNvPr id="12" name="Рисунок 11"/>
+          <p:cNvPicPr>
+            <a:picLocks noChangeAspect="1"/>
+          </p:cNvPicPr>
+          <p:nvPr/>
+        </p:nvPicPr>
+        <p:blipFill>
+          <a:blip r:embed="rId4"/>
+          <a:stretch>
+            <a:fillRect/>
+          </a:stretch>
+        </p:blipFill>
+        <p:spPr>
+          <a:xfrm>
+            <a:off x="3673444" y="1224104"/>
+            <a:ext cx="5298542" cy="3060426"/>
+          </a:xfrm>
+          <a:prstGeom prst="rect">
+            <a:avLst/>
+          </a:prstGeom>
+        </p:spPr>
+      </p:pic>
+      <p:sp>
+        <p:nvSpPr>
+          <p:cNvPr id="13" name="TextBox 12"/>
+          <p:cNvSpPr txBox="1"/>
+          <p:nvPr/>
+        </p:nvSpPr>
+        <p:spPr>
+          <a:xfrm>
+            <a:off x="421049" y="869133"/>
+            <a:ext cx="3069000" cy="369332"/>
+          </a:xfrm>
+          <a:prstGeom prst="rect">
+            <a:avLst/>
+          </a:prstGeom>
+          <a:noFill/>
+        </p:spPr>
+        <p:txBody>
+          <a:bodyPr wrap="square" rtlCol="0">
+            <a:spAutoFit/>
+          </a:bodyPr>
+          <a:lstStyle/>
+          <a:p>
+            <a:r>
+              <a:rPr lang="en-US" dirty="0" smtClean="0">
+                <a:solidFill>
+                  <a:srgbClr val="92D050"/>
+                </a:solidFill>
+              </a:rPr>
+              <a:t>Statistics</a:t>
+            </a:r>
+          </a:p>
+        </p:txBody>
+      </p:sp>
+      <p:sp>
+        <p:nvSpPr>
+          <p:cNvPr id="14" name="TextBox 13"/>
+          <p:cNvSpPr txBox="1"/>
+          <p:nvPr/>
+        </p:nvSpPr>
+        <p:spPr>
+          <a:xfrm>
+            <a:off x="3672973" y="821211"/>
+            <a:ext cx="3069000" cy="369332"/>
+          </a:xfrm>
+          <a:prstGeom prst="rect">
+            <a:avLst/>
+          </a:prstGeom>
+          <a:noFill/>
+        </p:spPr>
+        <p:txBody>
+          <a:bodyPr wrap="square" rtlCol="0">
+            <a:spAutoFit/>
+          </a:bodyPr>
+          <a:lstStyle/>
+          <a:p>
+            <a:r>
+              <a:rPr lang="en-US" dirty="0" smtClean="0">
+                <a:solidFill>
+                  <a:srgbClr val="92D050"/>
+                </a:solidFill>
+              </a:rPr>
+              <a:t>Probability Distribution</a:t>
+            </a:r>
           </a:p>
         </p:txBody>
       </p:sp>

--- a/Exploratory_Analysis.pptx
+++ b/Exploratory_Analysis.pptx
@@ -5,7 +5,7 @@
     <p:sldMasterId id="2147483660" r:id="rId1"/>
   </p:sldMasterIdLst>
   <p:notesMasterIdLst>
-    <p:notesMasterId r:id="rId12"/>
+    <p:notesMasterId r:id="rId15"/>
   </p:notesMasterIdLst>
   <p:sldIdLst>
     <p:sldId id="257" r:id="rId2"/>
@@ -18,6 +18,9 @@
     <p:sldId id="263" r:id="rId9"/>
     <p:sldId id="264" r:id="rId10"/>
     <p:sldId id="265" r:id="rId11"/>
+    <p:sldId id="266" r:id="rId12"/>
+    <p:sldId id="267" r:id="rId13"/>
+    <p:sldId id="268" r:id="rId14"/>
   </p:sldIdLst>
   <p:sldSz cx="9144000" cy="6858000" type="screen4x3"/>
   <p:notesSz cx="6858000" cy="9144000"/>
@@ -3630,6 +3633,731 @@
 </p:sld>
 </file>
 
+<file path=ppt/slides/slide11.xml><?xml version="1.0" encoding="utf-8"?>
+<p:sld xmlns:a="http://schemas.openxmlformats.org/drawingml/2006/main" xmlns:r="http://schemas.openxmlformats.org/officeDocument/2006/relationships" xmlns:p="http://schemas.openxmlformats.org/presentationml/2006/main">
+  <p:cSld>
+    <p:spTree>
+      <p:nvGrpSpPr>
+        <p:cNvPr id="1" name=""/>
+        <p:cNvGrpSpPr/>
+        <p:nvPr/>
+      </p:nvGrpSpPr>
+      <p:grpSpPr>
+        <a:xfrm>
+          <a:off x="0" y="0"/>
+          <a:ext cx="0" cy="0"/>
+          <a:chOff x="0" y="0"/>
+          <a:chExt cx="0" cy="0"/>
+        </a:xfrm>
+      </p:grpSpPr>
+      <p:sp>
+        <p:nvSpPr>
+          <p:cNvPr id="4" name="Номер слайда 3"/>
+          <p:cNvSpPr>
+            <a:spLocks noGrp="1"/>
+          </p:cNvSpPr>
+          <p:nvPr>
+            <p:ph type="sldNum" sz="quarter" idx="12"/>
+          </p:nvPr>
+        </p:nvSpPr>
+        <p:spPr/>
+        <p:txBody>
+          <a:bodyPr/>
+          <a:lstStyle/>
+          <a:p>
+            <a:fld id="{C936BD1D-689F-4FB2-8C94-2D2423F07E62}" type="slidenum">
+              <a:rPr lang="ru-RU" smtClean="0"/>
+              <a:t>11</a:t>
+            </a:fld>
+            <a:endParaRPr lang="ru-RU"/>
+          </a:p>
+        </p:txBody>
+      </p:sp>
+      <p:sp>
+        <p:nvSpPr>
+          <p:cNvPr id="5" name="Заголовок 1"/>
+          <p:cNvSpPr>
+            <a:spLocks noGrp="1"/>
+          </p:cNvSpPr>
+          <p:nvPr>
+            <p:ph type="title"/>
+          </p:nvPr>
+        </p:nvSpPr>
+        <p:spPr>
+          <a:xfrm>
+            <a:off x="628650" y="365126"/>
+            <a:ext cx="7886700" cy="422525"/>
+          </a:xfrm>
+        </p:spPr>
+        <p:txBody>
+          <a:bodyPr vert="horz" lIns="91440" tIns="45720" rIns="91440" bIns="45720" rtlCol="0" anchor="b">
+            <a:noAutofit/>
+          </a:bodyPr>
+          <a:lstStyle/>
+          <a:p>
+            <a:pPr algn="ctr"/>
+            <a:r>
+              <a:rPr lang="en-US" sz="2400" b="1" dirty="0">
+                <a:solidFill>
+                  <a:srgbClr val="00B0F0"/>
+                </a:solidFill>
+              </a:rPr>
+              <a:t>Impact of Grouping Towards Mean and Variance</a:t>
+            </a:r>
+            <a:endParaRPr lang="ru-RU" sz="2400" b="1" dirty="0">
+              <a:solidFill>
+                <a:srgbClr val="00B0F0"/>
+              </a:solidFill>
+            </a:endParaRPr>
+          </a:p>
+        </p:txBody>
+      </p:sp>
+      <p:pic>
+        <p:nvPicPr>
+          <p:cNvPr id="6" name="Рисунок 5"/>
+          <p:cNvPicPr>
+            <a:picLocks noChangeAspect="1"/>
+          </p:cNvPicPr>
+          <p:nvPr/>
+        </p:nvPicPr>
+        <p:blipFill>
+          <a:blip r:embed="rId2"/>
+          <a:stretch>
+            <a:fillRect/>
+          </a:stretch>
+        </p:blipFill>
+        <p:spPr>
+          <a:xfrm>
+            <a:off x="1975500" y="1122870"/>
+            <a:ext cx="5193000" cy="2367000"/>
+          </a:xfrm>
+          <a:prstGeom prst="rect">
+            <a:avLst/>
+          </a:prstGeom>
+        </p:spPr>
+      </p:pic>
+      <p:sp>
+        <p:nvSpPr>
+          <p:cNvPr id="7" name="TextBox 6"/>
+          <p:cNvSpPr txBox="1"/>
+          <p:nvPr/>
+        </p:nvSpPr>
+        <p:spPr>
+          <a:xfrm>
+            <a:off x="506994" y="3802455"/>
+            <a:ext cx="8130012" cy="1754326"/>
+          </a:xfrm>
+          <a:prstGeom prst="rect">
+            <a:avLst/>
+          </a:prstGeom>
+          <a:noFill/>
+        </p:spPr>
+        <p:txBody>
+          <a:bodyPr wrap="square" rtlCol="0">
+            <a:spAutoFit/>
+          </a:bodyPr>
+          <a:lstStyle/>
+          <a:p>
+            <a:pPr algn="just"/>
+            <a:r>
+              <a:rPr lang="en-US" dirty="0" smtClean="0"/>
+              <a:t>It </a:t>
+            </a:r>
+            <a:r>
+              <a:rPr lang="en-US" b="1" dirty="0" smtClean="0"/>
+              <a:t>is strongly </a:t>
+            </a:r>
+            <a:r>
+              <a:rPr lang="en-US" dirty="0" smtClean="0"/>
+              <a:t>recommended to investigate subgrouping in the entire data set.</a:t>
+            </a:r>
+          </a:p>
+          <a:p>
+            <a:pPr algn="just"/>
+            <a:endParaRPr lang="en-US" dirty="0"/>
+          </a:p>
+          <a:p>
+            <a:pPr algn="just"/>
+            <a:r>
+              <a:rPr lang="en-US" dirty="0" smtClean="0"/>
+              <a:t>The example above proves the variable “AMT_CREDIT_USD” could comprise two different sub samples because of </a:t>
+            </a:r>
+            <a:r>
+              <a:rPr lang="en-US" b="1" dirty="0" smtClean="0"/>
+              <a:t>material </a:t>
+            </a:r>
+            <a:r>
+              <a:rPr lang="en-US" dirty="0" smtClean="0"/>
+              <a:t>difference of Mean.</a:t>
+            </a:r>
+          </a:p>
+          <a:p>
+            <a:pPr algn="just"/>
+            <a:endParaRPr lang="en-US" dirty="0"/>
+          </a:p>
+          <a:p>
+            <a:pPr algn="just"/>
+            <a:r>
+              <a:rPr lang="en-US" dirty="0" smtClean="0"/>
+              <a:t>The same approach is recommended to use about Variance analysis for subgroups.</a:t>
+            </a:r>
+            <a:endParaRPr lang="ru-RU" dirty="0"/>
+          </a:p>
+        </p:txBody>
+      </p:sp>
+    </p:spTree>
+    <p:extLst>
+      <p:ext uri="{BB962C8B-B14F-4D97-AF65-F5344CB8AC3E}">
+        <p14:creationId xmlns:p14="http://schemas.microsoft.com/office/powerpoint/2010/main" val="787667936"/>
+      </p:ext>
+    </p:extLst>
+  </p:cSld>
+  <p:clrMapOvr>
+    <a:masterClrMapping/>
+  </p:clrMapOvr>
+</p:sld>
+</file>
+
+<file path=ppt/slides/slide12.xml><?xml version="1.0" encoding="utf-8"?>
+<p:sld xmlns:a="http://schemas.openxmlformats.org/drawingml/2006/main" xmlns:r="http://schemas.openxmlformats.org/officeDocument/2006/relationships" xmlns:p="http://schemas.openxmlformats.org/presentationml/2006/main">
+  <p:cSld>
+    <p:spTree>
+      <p:nvGrpSpPr>
+        <p:cNvPr id="1" name=""/>
+        <p:cNvGrpSpPr/>
+        <p:nvPr/>
+      </p:nvGrpSpPr>
+      <p:grpSpPr>
+        <a:xfrm>
+          <a:off x="0" y="0"/>
+          <a:ext cx="0" cy="0"/>
+          <a:chOff x="0" y="0"/>
+          <a:chExt cx="0" cy="0"/>
+        </a:xfrm>
+      </p:grpSpPr>
+      <p:sp>
+        <p:nvSpPr>
+          <p:cNvPr id="2" name="Заголовок 1"/>
+          <p:cNvSpPr>
+            <a:spLocks noGrp="1"/>
+          </p:cNvSpPr>
+          <p:nvPr>
+            <p:ph type="title"/>
+          </p:nvPr>
+        </p:nvSpPr>
+        <p:spPr>
+          <a:xfrm>
+            <a:off x="628650" y="365127"/>
+            <a:ext cx="7886700" cy="476846"/>
+          </a:xfrm>
+        </p:spPr>
+        <p:txBody>
+          <a:bodyPr vert="horz" lIns="91440" tIns="45720" rIns="91440" bIns="45720" rtlCol="0" anchor="b">
+            <a:noAutofit/>
+          </a:bodyPr>
+          <a:lstStyle/>
+          <a:p>
+            <a:pPr algn="ctr"/>
+            <a:r>
+              <a:rPr lang="en-US" sz="2400" b="1" dirty="0">
+                <a:solidFill>
+                  <a:srgbClr val="00B0F0"/>
+                </a:solidFill>
+              </a:rPr>
+              <a:t>Variance (Measures of deviation)</a:t>
+            </a:r>
+            <a:endParaRPr lang="ru-RU" sz="2400" b="1" dirty="0">
+              <a:solidFill>
+                <a:srgbClr val="00B0F0"/>
+              </a:solidFill>
+            </a:endParaRPr>
+          </a:p>
+        </p:txBody>
+      </p:sp>
+      <p:sp>
+        <p:nvSpPr>
+          <p:cNvPr id="4" name="Номер слайда 3"/>
+          <p:cNvSpPr>
+            <a:spLocks noGrp="1"/>
+          </p:cNvSpPr>
+          <p:nvPr>
+            <p:ph type="sldNum" sz="quarter" idx="12"/>
+          </p:nvPr>
+        </p:nvSpPr>
+        <p:spPr/>
+        <p:txBody>
+          <a:bodyPr/>
+          <a:lstStyle/>
+          <a:p>
+            <a:fld id="{C936BD1D-689F-4FB2-8C94-2D2423F07E62}" type="slidenum">
+              <a:rPr lang="ru-RU" smtClean="0"/>
+              <a:t>12</a:t>
+            </a:fld>
+            <a:endParaRPr lang="ru-RU"/>
+          </a:p>
+        </p:txBody>
+      </p:sp>
+      <p:sp>
+        <p:nvSpPr>
+          <p:cNvPr id="7" name="Прямоугольник 6"/>
+          <p:cNvSpPr/>
+          <p:nvPr/>
+        </p:nvSpPr>
+        <p:spPr>
+          <a:xfrm>
+            <a:off x="3074012" y="2737369"/>
+            <a:ext cx="5690103" cy="369332"/>
+          </a:xfrm>
+          <a:prstGeom prst="rect">
+            <a:avLst/>
+          </a:prstGeom>
+        </p:spPr>
+        <p:txBody>
+          <a:bodyPr wrap="square">
+            <a:spAutoFit/>
+          </a:bodyPr>
+          <a:lstStyle/>
+          <a:p>
+            <a:r>
+              <a:rPr lang="en-US" dirty="0">
+                <a:hlinkClick r:id="rId2"/>
+              </a:rPr>
+              <a:t>https://en.wikipedia.org/wiki/Average_absolute_deviation</a:t>
+            </a:r>
+            <a:endParaRPr lang="ru-RU" dirty="0"/>
+          </a:p>
+        </p:txBody>
+      </p:sp>
+      <p:pic>
+        <p:nvPicPr>
+          <p:cNvPr id="8" name="Рисунок 7"/>
+          <p:cNvPicPr>
+            <a:picLocks noChangeAspect="1"/>
+          </p:cNvPicPr>
+          <p:nvPr/>
+        </p:nvPicPr>
+        <p:blipFill>
+          <a:blip r:embed="rId3"/>
+          <a:stretch>
+            <a:fillRect/>
+          </a:stretch>
+        </p:blipFill>
+        <p:spPr>
+          <a:xfrm>
+            <a:off x="968428" y="2598907"/>
+            <a:ext cx="1890085" cy="657421"/>
+          </a:xfrm>
+          <a:prstGeom prst="rect">
+            <a:avLst/>
+          </a:prstGeom>
+        </p:spPr>
+      </p:pic>
+      <p:sp>
+        <p:nvSpPr>
+          <p:cNvPr id="10" name="Прямоугольник 9"/>
+          <p:cNvSpPr/>
+          <p:nvPr/>
+        </p:nvSpPr>
+        <p:spPr>
+          <a:xfrm>
+            <a:off x="374760" y="1135165"/>
+            <a:ext cx="5075426" cy="369332"/>
+          </a:xfrm>
+          <a:prstGeom prst="rect">
+            <a:avLst/>
+          </a:prstGeom>
+        </p:spPr>
+        <p:txBody>
+          <a:bodyPr wrap="square">
+            <a:spAutoFit/>
+          </a:bodyPr>
+          <a:lstStyle/>
+          <a:p>
+            <a:r>
+              <a:rPr lang="en-US" dirty="0" smtClean="0">
+                <a:latin typeface="Minion Pro"/>
+              </a:rPr>
+              <a:t>Range (R) </a:t>
+            </a:r>
+            <a:r>
+              <a:rPr lang="en-US" dirty="0">
+                <a:latin typeface="Minion Pro"/>
+              </a:rPr>
+              <a:t>= Maximum value – Minimum value</a:t>
+            </a:r>
+            <a:endParaRPr lang="ru-RU" dirty="0"/>
+          </a:p>
+        </p:txBody>
+      </p:sp>
+      <p:sp>
+        <p:nvSpPr>
+          <p:cNvPr id="11" name="Прямоугольник 10"/>
+          <p:cNvSpPr/>
+          <p:nvPr/>
+        </p:nvSpPr>
+        <p:spPr>
+          <a:xfrm>
+            <a:off x="374760" y="1437427"/>
+            <a:ext cx="7496269" cy="369332"/>
+          </a:xfrm>
+          <a:prstGeom prst="rect">
+            <a:avLst/>
+          </a:prstGeom>
+        </p:spPr>
+        <p:txBody>
+          <a:bodyPr wrap="square">
+            <a:spAutoFit/>
+          </a:bodyPr>
+          <a:lstStyle/>
+          <a:p>
+            <a:r>
+              <a:rPr lang="en-US" dirty="0">
+                <a:hlinkClick r:id="rId4"/>
+              </a:rPr>
+              <a:t>https://www.toppr.com/guides/maths/statistics/range-and-mean-deviation/</a:t>
+            </a:r>
+            <a:endParaRPr lang="ru-RU" dirty="0"/>
+          </a:p>
+        </p:txBody>
+      </p:sp>
+      <p:sp>
+        <p:nvSpPr>
+          <p:cNvPr id="13" name="Прямоугольник 12"/>
+          <p:cNvSpPr/>
+          <p:nvPr/>
+        </p:nvSpPr>
+        <p:spPr>
+          <a:xfrm>
+            <a:off x="389281" y="2737369"/>
+            <a:ext cx="622630" cy="369332"/>
+          </a:xfrm>
+          <a:prstGeom prst="rect">
+            <a:avLst/>
+          </a:prstGeom>
+        </p:spPr>
+        <p:txBody>
+          <a:bodyPr wrap="square">
+            <a:spAutoFit/>
+          </a:bodyPr>
+          <a:lstStyle/>
+          <a:p>
+            <a:r>
+              <a:rPr lang="en-US" dirty="0">
+                <a:latin typeface="Minion Pro"/>
+              </a:rPr>
+              <a:t>d</a:t>
+            </a:r>
+            <a:r>
+              <a:rPr lang="en-US" dirty="0" smtClean="0">
+                <a:latin typeface="Minion Pro"/>
+              </a:rPr>
+              <a:t> = </a:t>
+            </a:r>
+            <a:endParaRPr lang="ru-RU" dirty="0"/>
+          </a:p>
+        </p:txBody>
+      </p:sp>
+      <p:sp>
+        <p:nvSpPr>
+          <p:cNvPr id="14" name="TextBox 13"/>
+          <p:cNvSpPr txBox="1"/>
+          <p:nvPr/>
+        </p:nvSpPr>
+        <p:spPr>
+          <a:xfrm>
+            <a:off x="293640" y="2250441"/>
+            <a:ext cx="3956364" cy="369332"/>
+          </a:xfrm>
+          <a:prstGeom prst="rect">
+            <a:avLst/>
+          </a:prstGeom>
+          <a:noFill/>
+        </p:spPr>
+        <p:txBody>
+          <a:bodyPr wrap="square" rtlCol="0">
+            <a:spAutoFit/>
+          </a:bodyPr>
+          <a:lstStyle/>
+          <a:p>
+            <a:r>
+              <a:rPr lang="en-US" b="1" dirty="0"/>
+              <a:t>Average absolute </a:t>
+            </a:r>
+            <a:r>
+              <a:rPr lang="en-US" b="1" dirty="0" smtClean="0"/>
+              <a:t>deviation (d)</a:t>
+            </a:r>
+            <a:endParaRPr lang="en-US" b="1" dirty="0"/>
+          </a:p>
+        </p:txBody>
+      </p:sp>
+      <p:sp>
+        <p:nvSpPr>
+          <p:cNvPr id="15" name="TextBox 14"/>
+          <p:cNvSpPr txBox="1"/>
+          <p:nvPr/>
+        </p:nvSpPr>
+        <p:spPr>
+          <a:xfrm>
+            <a:off x="374759" y="795362"/>
+            <a:ext cx="1100955" cy="369332"/>
+          </a:xfrm>
+          <a:prstGeom prst="rect">
+            <a:avLst/>
+          </a:prstGeom>
+          <a:noFill/>
+        </p:spPr>
+        <p:txBody>
+          <a:bodyPr wrap="square" rtlCol="0">
+            <a:spAutoFit/>
+          </a:bodyPr>
+          <a:lstStyle/>
+          <a:p>
+            <a:r>
+              <a:rPr lang="en-US" b="1" dirty="0" smtClean="0"/>
+              <a:t>Range (R)</a:t>
+            </a:r>
+            <a:endParaRPr lang="ru-RU" b="1" dirty="0"/>
+          </a:p>
+        </p:txBody>
+      </p:sp>
+      <p:pic>
+        <p:nvPicPr>
+          <p:cNvPr id="19" name="Рисунок 18"/>
+          <p:cNvPicPr>
+            <a:picLocks noChangeAspect="1"/>
+          </p:cNvPicPr>
+          <p:nvPr/>
+        </p:nvPicPr>
+        <p:blipFill>
+          <a:blip r:embed="rId5"/>
+          <a:stretch>
+            <a:fillRect/>
+          </a:stretch>
+        </p:blipFill>
+        <p:spPr>
+          <a:xfrm>
+            <a:off x="293640" y="4027021"/>
+            <a:ext cx="3276600" cy="590550"/>
+          </a:xfrm>
+          <a:prstGeom prst="rect">
+            <a:avLst/>
+          </a:prstGeom>
+        </p:spPr>
+      </p:pic>
+      <p:sp>
+        <p:nvSpPr>
+          <p:cNvPr id="20" name="TextBox 19"/>
+          <p:cNvSpPr txBox="1"/>
+          <p:nvPr/>
+        </p:nvSpPr>
+        <p:spPr>
+          <a:xfrm>
+            <a:off x="293640" y="3644565"/>
+            <a:ext cx="3956364" cy="369332"/>
+          </a:xfrm>
+          <a:prstGeom prst="rect">
+            <a:avLst/>
+          </a:prstGeom>
+          <a:noFill/>
+        </p:spPr>
+        <p:txBody>
+          <a:bodyPr wrap="square" rtlCol="0">
+            <a:spAutoFit/>
+          </a:bodyPr>
+          <a:lstStyle/>
+          <a:p>
+            <a:r>
+              <a:rPr lang="en-US" b="1" dirty="0" smtClean="0"/>
+              <a:t>Standard deviation (</a:t>
+            </a:r>
+            <a:r>
+              <a:rPr lang="el-GR" b="1" dirty="0" smtClean="0"/>
+              <a:t>σ</a:t>
+            </a:r>
+            <a:r>
+              <a:rPr lang="en-US" b="1" dirty="0" smtClean="0"/>
+              <a:t>)</a:t>
+            </a:r>
+            <a:endParaRPr lang="en-US" b="1" dirty="0"/>
+          </a:p>
+        </p:txBody>
+      </p:sp>
+      <p:sp>
+        <p:nvSpPr>
+          <p:cNvPr id="21" name="Прямоугольник 20"/>
+          <p:cNvSpPr/>
+          <p:nvPr/>
+        </p:nvSpPr>
+        <p:spPr>
+          <a:xfrm>
+            <a:off x="3570240" y="4063573"/>
+            <a:ext cx="4945110" cy="369332"/>
+          </a:xfrm>
+          <a:prstGeom prst="rect">
+            <a:avLst/>
+          </a:prstGeom>
+        </p:spPr>
+        <p:txBody>
+          <a:bodyPr wrap="square">
+            <a:spAutoFit/>
+          </a:bodyPr>
+          <a:lstStyle/>
+          <a:p>
+            <a:r>
+              <a:rPr lang="en-US" dirty="0">
+                <a:hlinkClick r:id="rId6"/>
+              </a:rPr>
+              <a:t>https://en.wikipedia.org/wiki/Standard_deviation</a:t>
+            </a:r>
+            <a:endParaRPr lang="ru-RU" dirty="0"/>
+          </a:p>
+        </p:txBody>
+      </p:sp>
+    </p:spTree>
+    <p:extLst>
+      <p:ext uri="{BB962C8B-B14F-4D97-AF65-F5344CB8AC3E}">
+        <p14:creationId xmlns:p14="http://schemas.microsoft.com/office/powerpoint/2010/main" val="2562255982"/>
+      </p:ext>
+    </p:extLst>
+  </p:cSld>
+  <p:clrMapOvr>
+    <a:masterClrMapping/>
+  </p:clrMapOvr>
+  <p:timing>
+    <p:tnLst>
+      <p:par>
+        <p:cTn id="1" dur="indefinite" restart="never" nodeType="tmRoot"/>
+      </p:par>
+    </p:tnLst>
+  </p:timing>
+</p:sld>
+</file>
+
+<file path=ppt/slides/slide13.xml><?xml version="1.0" encoding="utf-8"?>
+<p:sld xmlns:a="http://schemas.openxmlformats.org/drawingml/2006/main" xmlns:r="http://schemas.openxmlformats.org/officeDocument/2006/relationships" xmlns:p="http://schemas.openxmlformats.org/presentationml/2006/main">
+  <p:cSld>
+    <p:spTree>
+      <p:nvGrpSpPr>
+        <p:cNvPr id="1" name=""/>
+        <p:cNvGrpSpPr/>
+        <p:nvPr/>
+      </p:nvGrpSpPr>
+      <p:grpSpPr>
+        <a:xfrm>
+          <a:off x="0" y="0"/>
+          <a:ext cx="0" cy="0"/>
+          <a:chOff x="0" y="0"/>
+          <a:chExt cx="0" cy="0"/>
+        </a:xfrm>
+      </p:grpSpPr>
+      <p:sp>
+        <p:nvSpPr>
+          <p:cNvPr id="4" name="Номер слайда 3"/>
+          <p:cNvSpPr>
+            <a:spLocks noGrp="1"/>
+          </p:cNvSpPr>
+          <p:nvPr>
+            <p:ph type="sldNum" sz="quarter" idx="12"/>
+          </p:nvPr>
+        </p:nvSpPr>
+        <p:spPr/>
+        <p:txBody>
+          <a:bodyPr/>
+          <a:lstStyle/>
+          <a:p>
+            <a:fld id="{C936BD1D-689F-4FB2-8C94-2D2423F07E62}" type="slidenum">
+              <a:rPr lang="ru-RU" smtClean="0"/>
+              <a:t>13</a:t>
+            </a:fld>
+            <a:endParaRPr lang="ru-RU"/>
+          </a:p>
+        </p:txBody>
+      </p:sp>
+      <p:sp>
+        <p:nvSpPr>
+          <p:cNvPr id="5" name="Заголовок 1"/>
+          <p:cNvSpPr>
+            <a:spLocks noGrp="1"/>
+          </p:cNvSpPr>
+          <p:nvPr>
+            <p:ph type="title"/>
+          </p:nvPr>
+        </p:nvSpPr>
+        <p:spPr>
+          <a:xfrm>
+            <a:off x="628650" y="365127"/>
+            <a:ext cx="7886700" cy="476846"/>
+          </a:xfrm>
+        </p:spPr>
+        <p:txBody>
+          <a:bodyPr vert="horz" lIns="91440" tIns="45720" rIns="91440" bIns="45720" rtlCol="0" anchor="b">
+            <a:noAutofit/>
+          </a:bodyPr>
+          <a:lstStyle/>
+          <a:p>
+            <a:pPr algn="ctr"/>
+            <a:r>
+              <a:rPr lang="en-US" sz="2400" b="1" dirty="0">
+                <a:solidFill>
+                  <a:srgbClr val="00B0F0"/>
+                </a:solidFill>
+              </a:rPr>
+              <a:t>Variance (Measures of deviation</a:t>
+            </a:r>
+            <a:r>
+              <a:rPr lang="en-US" sz="2400" b="1" dirty="0" smtClean="0">
+                <a:solidFill>
+                  <a:srgbClr val="00B0F0"/>
+                </a:solidFill>
+              </a:rPr>
+              <a:t>) – Part 2</a:t>
+            </a:r>
+            <a:endParaRPr lang="ru-RU" sz="2400" b="1" dirty="0">
+              <a:solidFill>
+                <a:srgbClr val="00B0F0"/>
+              </a:solidFill>
+            </a:endParaRPr>
+          </a:p>
+        </p:txBody>
+      </p:sp>
+      <p:pic>
+        <p:nvPicPr>
+          <p:cNvPr id="7" name="Рисунок 6"/>
+          <p:cNvPicPr>
+            <a:picLocks noChangeAspect="1"/>
+          </p:cNvPicPr>
+          <p:nvPr/>
+        </p:nvPicPr>
+        <p:blipFill>
+          <a:blip r:embed="rId2"/>
+          <a:stretch>
+            <a:fillRect/>
+          </a:stretch>
+        </p:blipFill>
+        <p:spPr>
+          <a:xfrm>
+            <a:off x="1072742" y="1146706"/>
+            <a:ext cx="6441752" cy="3687843"/>
+          </a:xfrm>
+          <a:prstGeom prst="rect">
+            <a:avLst/>
+          </a:prstGeom>
+        </p:spPr>
+      </p:pic>
+    </p:spTree>
+    <p:extLst>
+      <p:ext uri="{BB962C8B-B14F-4D97-AF65-F5344CB8AC3E}">
+        <p14:creationId xmlns:p14="http://schemas.microsoft.com/office/powerpoint/2010/main" val="584171230"/>
+      </p:ext>
+    </p:extLst>
+  </p:cSld>
+  <p:clrMapOvr>
+    <a:masterClrMapping/>
+  </p:clrMapOvr>
+</p:sld>
+</file>
+
 <file path=ppt/slides/slide2.xml><?xml version="1.0" encoding="utf-8"?>
 <p:sld xmlns:a="http://schemas.openxmlformats.org/drawingml/2006/main" xmlns:r="http://schemas.openxmlformats.org/officeDocument/2006/relationships" xmlns:p="http://schemas.openxmlformats.org/presentationml/2006/main">
   <p:cSld>
@@ -5530,9 +6258,138 @@
           </a:p>
         </p:txBody>
       </p:sp>
+      <p:sp>
+        <p:nvSpPr>
+          <p:cNvPr id="11" name="Заголовок 1"/>
+          <p:cNvSpPr>
+            <a:spLocks noGrp="1"/>
+          </p:cNvSpPr>
+          <p:nvPr>
+            <p:ph type="title"/>
+          </p:nvPr>
+        </p:nvSpPr>
+        <p:spPr>
+          <a:xfrm>
+            <a:off x="628650" y="365126"/>
+            <a:ext cx="7886700" cy="422525"/>
+          </a:xfrm>
+        </p:spPr>
+        <p:txBody>
+          <a:bodyPr vert="horz" lIns="91440" tIns="45720" rIns="91440" bIns="45720" rtlCol="0" anchor="b">
+            <a:noAutofit/>
+          </a:bodyPr>
+          <a:lstStyle/>
+          <a:p>
+            <a:pPr algn="ctr"/>
+            <a:r>
+              <a:rPr lang="en-US" sz="2400" b="1" dirty="0" smtClean="0">
+                <a:solidFill>
+                  <a:srgbClr val="00B0F0"/>
+                </a:solidFill>
+              </a:rPr>
+              <a:t>Quantiles</a:t>
+            </a:r>
+            <a:endParaRPr lang="ru-RU" sz="2400" b="1" dirty="0">
+              <a:solidFill>
+                <a:srgbClr val="00B0F0"/>
+              </a:solidFill>
+            </a:endParaRPr>
+          </a:p>
+        </p:txBody>
+      </p:sp>
       <p:pic>
         <p:nvPicPr>
-          <p:cNvPr id="10" name="Рисунок 9"/>
+          <p:cNvPr id="12" name="Рисунок 11"/>
+          <p:cNvPicPr>
+            <a:picLocks noChangeAspect="1"/>
+          </p:cNvPicPr>
+          <p:nvPr/>
+        </p:nvPicPr>
+        <p:blipFill>
+          <a:blip r:embed="rId2"/>
+          <a:stretch>
+            <a:fillRect/>
+          </a:stretch>
+        </p:blipFill>
+        <p:spPr>
+          <a:xfrm>
+            <a:off x="3673444" y="1224104"/>
+            <a:ext cx="5298542" cy="3060426"/>
+          </a:xfrm>
+          <a:prstGeom prst="rect">
+            <a:avLst/>
+          </a:prstGeom>
+        </p:spPr>
+      </p:pic>
+      <p:sp>
+        <p:nvSpPr>
+          <p:cNvPr id="13" name="TextBox 12"/>
+          <p:cNvSpPr txBox="1"/>
+          <p:nvPr/>
+        </p:nvSpPr>
+        <p:spPr>
+          <a:xfrm>
+            <a:off x="421049" y="869133"/>
+            <a:ext cx="3069000" cy="369332"/>
+          </a:xfrm>
+          <a:prstGeom prst="rect">
+            <a:avLst/>
+          </a:prstGeom>
+          <a:noFill/>
+        </p:spPr>
+        <p:txBody>
+          <a:bodyPr wrap="square" rtlCol="0">
+            <a:spAutoFit/>
+          </a:bodyPr>
+          <a:lstStyle/>
+          <a:p>
+            <a:r>
+              <a:rPr lang="en-US" dirty="0" smtClean="0">
+                <a:solidFill>
+                  <a:srgbClr val="92D050"/>
+                </a:solidFill>
+              </a:rPr>
+              <a:t>Statistics</a:t>
+            </a:r>
+          </a:p>
+        </p:txBody>
+      </p:sp>
+      <p:sp>
+        <p:nvSpPr>
+          <p:cNvPr id="14" name="TextBox 13"/>
+          <p:cNvSpPr txBox="1"/>
+          <p:nvPr/>
+        </p:nvSpPr>
+        <p:spPr>
+          <a:xfrm>
+            <a:off x="3672973" y="821211"/>
+            <a:ext cx="3069000" cy="369332"/>
+          </a:xfrm>
+          <a:prstGeom prst="rect">
+            <a:avLst/>
+          </a:prstGeom>
+          <a:noFill/>
+        </p:spPr>
+        <p:txBody>
+          <a:bodyPr wrap="square" rtlCol="0">
+            <a:spAutoFit/>
+          </a:bodyPr>
+          <a:lstStyle/>
+          <a:p>
+            <a:r>
+              <a:rPr lang="en-US" dirty="0" smtClean="0">
+                <a:solidFill>
+                  <a:srgbClr val="92D050"/>
+                </a:solidFill>
+              </a:rPr>
+              <a:t>Probability Distribution</a:t>
+            </a:r>
+          </a:p>
+        </p:txBody>
+      </p:sp>
+      <p:pic>
+        <p:nvPicPr>
+          <p:cNvPr id="2" name="Рисунок 1"/>
           <p:cNvPicPr>
             <a:picLocks noChangeAspect="1"/>
           </p:cNvPicPr>
@@ -5546,7 +6403,7 @@
         </p:blipFill>
         <p:spPr>
           <a:xfrm>
-            <a:off x="421049" y="1224104"/>
+            <a:off x="330514" y="1224104"/>
             <a:ext cx="3069000" cy="4041000"/>
           </a:xfrm>
           <a:prstGeom prst="rect">
@@ -5554,135 +6411,6 @@
           </a:prstGeom>
         </p:spPr>
       </p:pic>
-      <p:sp>
-        <p:nvSpPr>
-          <p:cNvPr id="11" name="Заголовок 1"/>
-          <p:cNvSpPr>
-            <a:spLocks noGrp="1"/>
-          </p:cNvSpPr>
-          <p:nvPr>
-            <p:ph type="title"/>
-          </p:nvPr>
-        </p:nvSpPr>
-        <p:spPr>
-          <a:xfrm>
-            <a:off x="628650" y="365126"/>
-            <a:ext cx="7886700" cy="422525"/>
-          </a:xfrm>
-        </p:spPr>
-        <p:txBody>
-          <a:bodyPr vert="horz" lIns="91440" tIns="45720" rIns="91440" bIns="45720" rtlCol="0" anchor="b">
-            <a:noAutofit/>
-          </a:bodyPr>
-          <a:lstStyle/>
-          <a:p>
-            <a:pPr algn="ctr"/>
-            <a:r>
-              <a:rPr lang="en-US" sz="2400" b="1" dirty="0" smtClean="0">
-                <a:solidFill>
-                  <a:srgbClr val="00B0F0"/>
-                </a:solidFill>
-              </a:rPr>
-              <a:t>Quantiles</a:t>
-            </a:r>
-            <a:endParaRPr lang="ru-RU" sz="2400" b="1" dirty="0">
-              <a:solidFill>
-                <a:srgbClr val="00B0F0"/>
-              </a:solidFill>
-            </a:endParaRPr>
-          </a:p>
-        </p:txBody>
-      </p:sp>
-      <p:pic>
-        <p:nvPicPr>
-          <p:cNvPr id="12" name="Рисунок 11"/>
-          <p:cNvPicPr>
-            <a:picLocks noChangeAspect="1"/>
-          </p:cNvPicPr>
-          <p:nvPr/>
-        </p:nvPicPr>
-        <p:blipFill>
-          <a:blip r:embed="rId4"/>
-          <a:stretch>
-            <a:fillRect/>
-          </a:stretch>
-        </p:blipFill>
-        <p:spPr>
-          <a:xfrm>
-            <a:off x="3673444" y="1224104"/>
-            <a:ext cx="5298542" cy="3060426"/>
-          </a:xfrm>
-          <a:prstGeom prst="rect">
-            <a:avLst/>
-          </a:prstGeom>
-        </p:spPr>
-      </p:pic>
-      <p:sp>
-        <p:nvSpPr>
-          <p:cNvPr id="13" name="TextBox 12"/>
-          <p:cNvSpPr txBox="1"/>
-          <p:nvPr/>
-        </p:nvSpPr>
-        <p:spPr>
-          <a:xfrm>
-            <a:off x="421049" y="869133"/>
-            <a:ext cx="3069000" cy="369332"/>
-          </a:xfrm>
-          <a:prstGeom prst="rect">
-            <a:avLst/>
-          </a:prstGeom>
-          <a:noFill/>
-        </p:spPr>
-        <p:txBody>
-          <a:bodyPr wrap="square" rtlCol="0">
-            <a:spAutoFit/>
-          </a:bodyPr>
-          <a:lstStyle/>
-          <a:p>
-            <a:r>
-              <a:rPr lang="en-US" dirty="0" smtClean="0">
-                <a:solidFill>
-                  <a:srgbClr val="92D050"/>
-                </a:solidFill>
-              </a:rPr>
-              <a:t>Statistics</a:t>
-            </a:r>
-          </a:p>
-        </p:txBody>
-      </p:sp>
-      <p:sp>
-        <p:nvSpPr>
-          <p:cNvPr id="14" name="TextBox 13"/>
-          <p:cNvSpPr txBox="1"/>
-          <p:nvPr/>
-        </p:nvSpPr>
-        <p:spPr>
-          <a:xfrm>
-            <a:off x="3672973" y="821211"/>
-            <a:ext cx="3069000" cy="369332"/>
-          </a:xfrm>
-          <a:prstGeom prst="rect">
-            <a:avLst/>
-          </a:prstGeom>
-          <a:noFill/>
-        </p:spPr>
-        <p:txBody>
-          <a:bodyPr wrap="square" rtlCol="0">
-            <a:spAutoFit/>
-          </a:bodyPr>
-          <a:lstStyle/>
-          <a:p>
-            <a:r>
-              <a:rPr lang="en-US" dirty="0" smtClean="0">
-                <a:solidFill>
-                  <a:srgbClr val="92D050"/>
-                </a:solidFill>
-              </a:rPr>
-              <a:t>Probability Distribution</a:t>
-            </a:r>
-          </a:p>
-        </p:txBody>
-      </p:sp>
     </p:spTree>
     <p:extLst>
       <p:ext uri="{BB962C8B-B14F-4D97-AF65-F5344CB8AC3E}">

--- a/Exploratory_Analysis.pptx
+++ b/Exploratory_Analysis.pptx
@@ -5,7 +5,7 @@
     <p:sldMasterId id="2147483660" r:id="rId1"/>
   </p:sldMasterIdLst>
   <p:notesMasterIdLst>
-    <p:notesMasterId r:id="rId15"/>
+    <p:notesMasterId r:id="rId18"/>
   </p:notesMasterIdLst>
   <p:sldIdLst>
     <p:sldId id="257" r:id="rId2"/>
@@ -21,6 +21,9 @@
     <p:sldId id="266" r:id="rId12"/>
     <p:sldId id="267" r:id="rId13"/>
     <p:sldId id="268" r:id="rId14"/>
+    <p:sldId id="269" r:id="rId15"/>
+    <p:sldId id="270" r:id="rId16"/>
+    <p:sldId id="271" r:id="rId17"/>
   </p:sldIdLst>
   <p:sldSz cx="9144000" cy="6858000" type="screen4x3"/>
   <p:notesSz cx="6858000" cy="9144000"/>
@@ -235,7 +238,7 @@
           <a:p>
             <a:fld id="{CD863C69-6AC4-4515-84BB-C614EE551B82}" type="datetimeFigureOut">
               <a:rPr lang="ru-RU" smtClean="0"/>
-              <a:t>05.06.2019</a:t>
+              <a:t>06.06.2019</a:t>
             </a:fld>
             <a:endParaRPr lang="ru-RU"/>
           </a:p>
@@ -634,7 +637,7 @@
           <a:p>
             <a:fld id="{BF38C05E-219E-4729-9909-5B693F1E4DB2}" type="datetime1">
               <a:rPr lang="ru-RU" smtClean="0"/>
-              <a:t>05.06.2019</a:t>
+              <a:t>06.06.2019</a:t>
             </a:fld>
             <a:endParaRPr lang="ru-RU"/>
           </a:p>
@@ -804,7 +807,7 @@
           <a:p>
             <a:fld id="{E587BD1D-74D3-449F-A3CA-F47BBACDADC1}" type="datetime1">
               <a:rPr lang="ru-RU" smtClean="0"/>
-              <a:t>05.06.2019</a:t>
+              <a:t>06.06.2019</a:t>
             </a:fld>
             <a:endParaRPr lang="ru-RU"/>
           </a:p>
@@ -984,7 +987,7 @@
           <a:p>
             <a:fld id="{F156E365-3C59-403F-A598-8903968D44C1}" type="datetime1">
               <a:rPr lang="ru-RU" smtClean="0"/>
-              <a:t>05.06.2019</a:t>
+              <a:t>06.06.2019</a:t>
             </a:fld>
             <a:endParaRPr lang="ru-RU"/>
           </a:p>
@@ -1154,7 +1157,7 @@
           <a:p>
             <a:fld id="{D71D973D-7295-497C-A5AE-B81A0C1EA542}" type="datetime1">
               <a:rPr lang="ru-RU" smtClean="0"/>
-              <a:t>05.06.2019</a:t>
+              <a:t>06.06.2019</a:t>
             </a:fld>
             <a:endParaRPr lang="ru-RU"/>
           </a:p>
@@ -1398,7 +1401,7 @@
           <a:p>
             <a:fld id="{D43ACA65-1DF0-4542-9513-2573006F2B09}" type="datetime1">
               <a:rPr lang="ru-RU" smtClean="0"/>
-              <a:t>05.06.2019</a:t>
+              <a:t>06.06.2019</a:t>
             </a:fld>
             <a:endParaRPr lang="ru-RU"/>
           </a:p>
@@ -1630,7 +1633,7 @@
           <a:p>
             <a:fld id="{CE5D4F0D-BE92-42E2-AC19-D4AE919B8EEA}" type="datetime1">
               <a:rPr lang="ru-RU" smtClean="0"/>
-              <a:t>05.06.2019</a:t>
+              <a:t>06.06.2019</a:t>
             </a:fld>
             <a:endParaRPr lang="ru-RU"/>
           </a:p>
@@ -1997,7 +2000,7 @@
           <a:p>
             <a:fld id="{31712A4F-404C-4E2A-B048-29FEE1F56BCC}" type="datetime1">
               <a:rPr lang="ru-RU" smtClean="0"/>
-              <a:t>05.06.2019</a:t>
+              <a:t>06.06.2019</a:t>
             </a:fld>
             <a:endParaRPr lang="ru-RU"/>
           </a:p>
@@ -2115,7 +2118,7 @@
           <a:p>
             <a:fld id="{A591E32F-21C9-4A73-9D8C-CB8422C8AD99}" type="datetime1">
               <a:rPr lang="ru-RU" smtClean="0"/>
-              <a:t>05.06.2019</a:t>
+              <a:t>06.06.2019</a:t>
             </a:fld>
             <a:endParaRPr lang="ru-RU"/>
           </a:p>
@@ -2210,7 +2213,7 @@
           <a:p>
             <a:fld id="{E8BE7035-4758-4463-AF71-B436150BF40F}" type="datetime1">
               <a:rPr lang="ru-RU" smtClean="0"/>
-              <a:t>05.06.2019</a:t>
+              <a:t>06.06.2019</a:t>
             </a:fld>
             <a:endParaRPr lang="ru-RU"/>
           </a:p>
@@ -2487,7 +2490,7 @@
           <a:p>
             <a:fld id="{8BF22BB4-229E-48DC-A891-0BD3792CC568}" type="datetime1">
               <a:rPr lang="ru-RU" smtClean="0"/>
-              <a:t>05.06.2019</a:t>
+              <a:t>06.06.2019</a:t>
             </a:fld>
             <a:endParaRPr lang="ru-RU"/>
           </a:p>
@@ -2744,7 +2747,7 @@
           <a:p>
             <a:fld id="{B32F65DE-1A63-4DFF-816D-2C4DB2F0AABF}" type="datetime1">
               <a:rPr lang="ru-RU" smtClean="0"/>
-              <a:t>05.06.2019</a:t>
+              <a:t>06.06.2019</a:t>
             </a:fld>
             <a:endParaRPr lang="ru-RU"/>
           </a:p>
@@ -2957,7 +2960,7 @@
           <a:p>
             <a:fld id="{58F37F58-E97F-4EAB-9CA9-C9A7312871A5}" type="datetime1">
               <a:rPr lang="ru-RU" smtClean="0"/>
-              <a:t>05.06.2019</a:t>
+              <a:t>06.06.2019</a:t>
             </a:fld>
             <a:endParaRPr lang="ru-RU"/>
           </a:p>
@@ -4349,6 +4352,950 @@
     <p:extLst>
       <p:ext uri="{BB962C8B-B14F-4D97-AF65-F5344CB8AC3E}">
         <p14:creationId xmlns:p14="http://schemas.microsoft.com/office/powerpoint/2010/main" val="584171230"/>
+      </p:ext>
+    </p:extLst>
+  </p:cSld>
+  <p:clrMapOvr>
+    <a:masterClrMapping/>
+  </p:clrMapOvr>
+</p:sld>
+</file>
+
+<file path=ppt/slides/slide14.xml><?xml version="1.0" encoding="utf-8"?>
+<p:sld xmlns:a="http://schemas.openxmlformats.org/drawingml/2006/main" xmlns:r="http://schemas.openxmlformats.org/officeDocument/2006/relationships" xmlns:p="http://schemas.openxmlformats.org/presentationml/2006/main">
+  <p:cSld>
+    <p:spTree>
+      <p:nvGrpSpPr>
+        <p:cNvPr id="1" name=""/>
+        <p:cNvGrpSpPr/>
+        <p:nvPr/>
+      </p:nvGrpSpPr>
+      <p:grpSpPr>
+        <a:xfrm>
+          <a:off x="0" y="0"/>
+          <a:ext cx="0" cy="0"/>
+          <a:chOff x="0" y="0"/>
+          <a:chExt cx="0" cy="0"/>
+        </a:xfrm>
+      </p:grpSpPr>
+      <p:sp>
+        <p:nvSpPr>
+          <p:cNvPr id="4" name="Номер слайда 3"/>
+          <p:cNvSpPr>
+            <a:spLocks noGrp="1"/>
+          </p:cNvSpPr>
+          <p:nvPr>
+            <p:ph type="sldNum" sz="quarter" idx="12"/>
+          </p:nvPr>
+        </p:nvSpPr>
+        <p:spPr/>
+        <p:txBody>
+          <a:bodyPr/>
+          <a:lstStyle/>
+          <a:p>
+            <a:fld id="{C936BD1D-689F-4FB2-8C94-2D2423F07E62}" type="slidenum">
+              <a:rPr lang="ru-RU" smtClean="0"/>
+              <a:t>14</a:t>
+            </a:fld>
+            <a:endParaRPr lang="ru-RU"/>
+          </a:p>
+        </p:txBody>
+      </p:sp>
+      <p:sp>
+        <p:nvSpPr>
+          <p:cNvPr id="5" name="Заголовок 1"/>
+          <p:cNvSpPr>
+            <a:spLocks noGrp="1"/>
+          </p:cNvSpPr>
+          <p:nvPr>
+            <p:ph type="title"/>
+          </p:nvPr>
+        </p:nvSpPr>
+        <p:spPr>
+          <a:xfrm>
+            <a:off x="628650" y="365127"/>
+            <a:ext cx="7886700" cy="476846"/>
+          </a:xfrm>
+        </p:spPr>
+        <p:txBody>
+          <a:bodyPr vert="horz" lIns="91440" tIns="45720" rIns="91440" bIns="45720" rtlCol="0" anchor="b">
+            <a:noAutofit/>
+          </a:bodyPr>
+          <a:lstStyle/>
+          <a:p>
+            <a:pPr algn="ctr"/>
+            <a:r>
+              <a:rPr lang="en-US" sz="2400" b="1" dirty="0" smtClean="0">
+                <a:solidFill>
+                  <a:srgbClr val="00B0F0"/>
+                </a:solidFill>
+              </a:rPr>
+              <a:t>Covariance</a:t>
+            </a:r>
+            <a:endParaRPr lang="ru-RU" sz="2400" b="1" dirty="0">
+              <a:solidFill>
+                <a:srgbClr val="00B0F0"/>
+              </a:solidFill>
+            </a:endParaRPr>
+          </a:p>
+        </p:txBody>
+      </p:sp>
+      <p:pic>
+        <p:nvPicPr>
+          <p:cNvPr id="6" name="Рисунок 5"/>
+          <p:cNvPicPr>
+            <a:picLocks noChangeAspect="1"/>
+          </p:cNvPicPr>
+          <p:nvPr/>
+        </p:nvPicPr>
+        <p:blipFill>
+          <a:blip r:embed="rId2"/>
+          <a:stretch>
+            <a:fillRect/>
+          </a:stretch>
+        </p:blipFill>
+        <p:spPr>
+          <a:xfrm>
+            <a:off x="295746" y="923454"/>
+            <a:ext cx="3815079" cy="584184"/>
+          </a:xfrm>
+          <a:prstGeom prst="rect">
+            <a:avLst/>
+          </a:prstGeom>
+        </p:spPr>
+      </p:pic>
+      <p:sp>
+        <p:nvSpPr>
+          <p:cNvPr id="7" name="Прямоугольник 6"/>
+          <p:cNvSpPr/>
+          <p:nvPr/>
+        </p:nvSpPr>
+        <p:spPr>
+          <a:xfrm>
+            <a:off x="4357202" y="1030880"/>
+            <a:ext cx="4050981" cy="369332"/>
+          </a:xfrm>
+          <a:prstGeom prst="rect">
+            <a:avLst/>
+          </a:prstGeom>
+        </p:spPr>
+        <p:txBody>
+          <a:bodyPr wrap="none">
+            <a:spAutoFit/>
+          </a:bodyPr>
+          <a:lstStyle/>
+          <a:p>
+            <a:r>
+              <a:rPr lang="en-US" dirty="0">
+                <a:hlinkClick r:id="rId3"/>
+              </a:rPr>
+              <a:t>https://en.wikipedia.org/wiki/Covariance</a:t>
+            </a:r>
+            <a:endParaRPr lang="ru-RU" dirty="0"/>
+          </a:p>
+        </p:txBody>
+      </p:sp>
+      <p:sp>
+        <p:nvSpPr>
+          <p:cNvPr id="8" name="TextBox 7"/>
+          <p:cNvSpPr txBox="1"/>
+          <p:nvPr/>
+        </p:nvSpPr>
+        <p:spPr>
+          <a:xfrm>
+            <a:off x="295746" y="1809126"/>
+            <a:ext cx="8514845" cy="830997"/>
+          </a:xfrm>
+          <a:prstGeom prst="rect">
+            <a:avLst/>
+          </a:prstGeom>
+          <a:noFill/>
+        </p:spPr>
+        <p:txBody>
+          <a:bodyPr wrap="square" rtlCol="0">
+            <a:spAutoFit/>
+          </a:bodyPr>
+          <a:lstStyle/>
+          <a:p>
+            <a:r>
+              <a:rPr lang="en-US" sz="1600" dirty="0"/>
+              <a:t>w</a:t>
+            </a:r>
+            <a:r>
+              <a:rPr lang="en-US" sz="1600" dirty="0" smtClean="0"/>
+              <a:t>here </a:t>
+            </a:r>
+            <a:r>
+              <a:rPr lang="en-US" sz="1600" dirty="0" smtClean="0">
+                <a:solidFill>
+                  <a:srgbClr val="00B0F0"/>
+                </a:solidFill>
+              </a:rPr>
+              <a:t>n</a:t>
+            </a:r>
+            <a:r>
+              <a:rPr lang="en-US" sz="1600" dirty="0" smtClean="0"/>
+              <a:t> – quantity of observations, </a:t>
+            </a:r>
+          </a:p>
+          <a:p>
+            <a:r>
+              <a:rPr lang="en-US" sz="1600" dirty="0" smtClean="0">
+                <a:solidFill>
+                  <a:srgbClr val="00B0F0"/>
+                </a:solidFill>
+              </a:rPr>
+              <a:t>x</a:t>
+            </a:r>
+            <a:r>
+              <a:rPr lang="en-US" sz="1600" dirty="0" smtClean="0">
+                <a:solidFill>
+                  <a:srgbClr val="FF0000"/>
+                </a:solidFill>
+              </a:rPr>
+              <a:t> </a:t>
+            </a:r>
+            <a:r>
+              <a:rPr lang="en-US" sz="1600" dirty="0" smtClean="0"/>
+              <a:t>and </a:t>
+            </a:r>
+            <a:r>
+              <a:rPr lang="en-US" sz="1600" dirty="0" smtClean="0">
+                <a:solidFill>
+                  <a:srgbClr val="00B0F0"/>
+                </a:solidFill>
+              </a:rPr>
+              <a:t>y</a:t>
+            </a:r>
+            <a:r>
+              <a:rPr lang="en-US" sz="1600" dirty="0" smtClean="0"/>
+              <a:t> are random variables</a:t>
+            </a:r>
+          </a:p>
+          <a:p>
+            <a:r>
+              <a:rPr lang="en-US" sz="1600" dirty="0" smtClean="0">
+                <a:solidFill>
+                  <a:srgbClr val="00B0F0"/>
+                </a:solidFill>
+              </a:rPr>
+              <a:t>E(x)</a:t>
+            </a:r>
+            <a:r>
+              <a:rPr lang="en-US" sz="1600" dirty="0" smtClean="0"/>
+              <a:t>, </a:t>
+            </a:r>
+            <a:r>
+              <a:rPr lang="en-US" sz="1600" dirty="0" smtClean="0">
+                <a:solidFill>
+                  <a:srgbClr val="00B0F0"/>
+                </a:solidFill>
+              </a:rPr>
+              <a:t>E(y)</a:t>
+            </a:r>
+            <a:r>
+              <a:rPr lang="en-US" sz="1600" dirty="0" smtClean="0"/>
+              <a:t> – expected value / mean</a:t>
+            </a:r>
+          </a:p>
+        </p:txBody>
+      </p:sp>
+      <p:sp>
+        <p:nvSpPr>
+          <p:cNvPr id="9" name="TextBox 8"/>
+          <p:cNvSpPr txBox="1"/>
+          <p:nvPr/>
+        </p:nvSpPr>
+        <p:spPr>
+          <a:xfrm>
+            <a:off x="357550" y="3190937"/>
+            <a:ext cx="8514845" cy="707886"/>
+          </a:xfrm>
+          <a:prstGeom prst="rect">
+            <a:avLst/>
+          </a:prstGeom>
+          <a:noFill/>
+        </p:spPr>
+        <p:txBody>
+          <a:bodyPr wrap="square" rtlCol="0">
+            <a:spAutoFit/>
+          </a:bodyPr>
+          <a:lstStyle/>
+          <a:p>
+            <a:pPr algn="just"/>
+            <a:r>
+              <a:rPr lang="en-US" sz="2000" dirty="0" smtClean="0"/>
+              <a:t>The </a:t>
+            </a:r>
+            <a:r>
+              <a:rPr lang="en-US" sz="2000" b="1" dirty="0" smtClean="0"/>
+              <a:t>major disadvantage </a:t>
+            </a:r>
+            <a:r>
+              <a:rPr lang="en-US" sz="2000" dirty="0" smtClean="0"/>
+              <a:t>of covariance is </a:t>
+            </a:r>
+            <a:r>
+              <a:rPr lang="en-US" sz="2000" i="1" u="sng" dirty="0" smtClean="0"/>
+              <a:t>no limit </a:t>
+            </a:r>
+            <a:r>
+              <a:rPr lang="en-US" sz="2000" dirty="0" smtClean="0"/>
+              <a:t>to estimate the covariance value.</a:t>
+            </a:r>
+          </a:p>
+        </p:txBody>
+      </p:sp>
+      <p:sp>
+        <p:nvSpPr>
+          <p:cNvPr id="10" name="TextBox 9"/>
+          <p:cNvSpPr txBox="1"/>
+          <p:nvPr/>
+        </p:nvSpPr>
+        <p:spPr>
+          <a:xfrm>
+            <a:off x="295745" y="4727477"/>
+            <a:ext cx="8514845" cy="400110"/>
+          </a:xfrm>
+          <a:prstGeom prst="rect">
+            <a:avLst/>
+          </a:prstGeom>
+          <a:noFill/>
+        </p:spPr>
+        <p:txBody>
+          <a:bodyPr wrap="square" rtlCol="0">
+            <a:spAutoFit/>
+          </a:bodyPr>
+          <a:lstStyle/>
+          <a:p>
+            <a:pPr algn="just"/>
+            <a:r>
+              <a:rPr lang="en-US" sz="2000" dirty="0" smtClean="0"/>
+              <a:t>The correlation is use to remove the drawback of covariance.</a:t>
+            </a:r>
+          </a:p>
+        </p:txBody>
+      </p:sp>
+    </p:spTree>
+    <p:extLst>
+      <p:ext uri="{BB962C8B-B14F-4D97-AF65-F5344CB8AC3E}">
+        <p14:creationId xmlns:p14="http://schemas.microsoft.com/office/powerpoint/2010/main" val="199623148"/>
+      </p:ext>
+    </p:extLst>
+  </p:cSld>
+  <p:clrMapOvr>
+    <a:masterClrMapping/>
+  </p:clrMapOvr>
+</p:sld>
+</file>
+
+<file path=ppt/slides/slide15.xml><?xml version="1.0" encoding="utf-8"?>
+<p:sld xmlns:a="http://schemas.openxmlformats.org/drawingml/2006/main" xmlns:r="http://schemas.openxmlformats.org/officeDocument/2006/relationships" xmlns:p="http://schemas.openxmlformats.org/presentationml/2006/main">
+  <p:cSld>
+    <p:spTree>
+      <p:nvGrpSpPr>
+        <p:cNvPr id="1" name=""/>
+        <p:cNvGrpSpPr/>
+        <p:nvPr/>
+      </p:nvGrpSpPr>
+      <p:grpSpPr>
+        <a:xfrm>
+          <a:off x="0" y="0"/>
+          <a:ext cx="0" cy="0"/>
+          <a:chOff x="0" y="0"/>
+          <a:chExt cx="0" cy="0"/>
+        </a:xfrm>
+      </p:grpSpPr>
+      <p:sp>
+        <p:nvSpPr>
+          <p:cNvPr id="4" name="Номер слайда 3"/>
+          <p:cNvSpPr>
+            <a:spLocks noGrp="1"/>
+          </p:cNvSpPr>
+          <p:nvPr>
+            <p:ph type="sldNum" sz="quarter" idx="12"/>
+          </p:nvPr>
+        </p:nvSpPr>
+        <p:spPr/>
+        <p:txBody>
+          <a:bodyPr/>
+          <a:lstStyle/>
+          <a:p>
+            <a:fld id="{C936BD1D-689F-4FB2-8C94-2D2423F07E62}" type="slidenum">
+              <a:rPr lang="ru-RU" smtClean="0"/>
+              <a:t>15</a:t>
+            </a:fld>
+            <a:endParaRPr lang="ru-RU"/>
+          </a:p>
+        </p:txBody>
+      </p:sp>
+      <p:sp>
+        <p:nvSpPr>
+          <p:cNvPr id="5" name="Заголовок 1"/>
+          <p:cNvSpPr>
+            <a:spLocks noGrp="1"/>
+          </p:cNvSpPr>
+          <p:nvPr>
+            <p:ph type="title"/>
+          </p:nvPr>
+        </p:nvSpPr>
+        <p:spPr>
+          <a:xfrm>
+            <a:off x="628650" y="365127"/>
+            <a:ext cx="7886700" cy="476846"/>
+          </a:xfrm>
+        </p:spPr>
+        <p:txBody>
+          <a:bodyPr vert="horz" lIns="91440" tIns="45720" rIns="91440" bIns="45720" rtlCol="0" anchor="b">
+            <a:noAutofit/>
+          </a:bodyPr>
+          <a:lstStyle/>
+          <a:p>
+            <a:pPr algn="ctr"/>
+            <a:r>
+              <a:rPr lang="en-US" sz="2400" b="1" dirty="0" smtClean="0">
+                <a:solidFill>
+                  <a:srgbClr val="00B0F0"/>
+                </a:solidFill>
+              </a:rPr>
+              <a:t>Correlation</a:t>
+            </a:r>
+            <a:endParaRPr lang="ru-RU" sz="2400" b="1" dirty="0">
+              <a:solidFill>
+                <a:srgbClr val="00B0F0"/>
+              </a:solidFill>
+            </a:endParaRPr>
+          </a:p>
+        </p:txBody>
+      </p:sp>
+      <p:pic>
+        <p:nvPicPr>
+          <p:cNvPr id="7" name="Рисунок 6"/>
+          <p:cNvPicPr>
+            <a:picLocks noChangeAspect="1"/>
+          </p:cNvPicPr>
+          <p:nvPr/>
+        </p:nvPicPr>
+        <p:blipFill>
+          <a:blip r:embed="rId2"/>
+          <a:stretch>
+            <a:fillRect/>
+          </a:stretch>
+        </p:blipFill>
+        <p:spPr>
+          <a:xfrm>
+            <a:off x="175457" y="1052370"/>
+            <a:ext cx="4067175" cy="552450"/>
+          </a:xfrm>
+          <a:prstGeom prst="rect">
+            <a:avLst/>
+          </a:prstGeom>
+        </p:spPr>
+      </p:pic>
+      <p:sp>
+        <p:nvSpPr>
+          <p:cNvPr id="8" name="Прямоугольник 7"/>
+          <p:cNvSpPr/>
+          <p:nvPr/>
+        </p:nvSpPr>
+        <p:spPr>
+          <a:xfrm>
+            <a:off x="4242632" y="1086319"/>
+            <a:ext cx="4572000" cy="307777"/>
+          </a:xfrm>
+          <a:prstGeom prst="rect">
+            <a:avLst/>
+          </a:prstGeom>
+        </p:spPr>
+        <p:txBody>
+          <a:bodyPr>
+            <a:spAutoFit/>
+          </a:bodyPr>
+          <a:lstStyle/>
+          <a:p>
+            <a:r>
+              <a:rPr lang="en-US" sz="1400" dirty="0">
+                <a:hlinkClick r:id="rId3"/>
+              </a:rPr>
+              <a:t>https://en.wikipedia.org/wiki/Correlation_and_dependence</a:t>
+            </a:r>
+            <a:endParaRPr lang="ru-RU" sz="1400" dirty="0"/>
+          </a:p>
+        </p:txBody>
+      </p:sp>
+      <p:sp>
+        <p:nvSpPr>
+          <p:cNvPr id="10" name="TextBox 9"/>
+          <p:cNvSpPr txBox="1"/>
+          <p:nvPr/>
+        </p:nvSpPr>
+        <p:spPr>
+          <a:xfrm>
+            <a:off x="175457" y="1815217"/>
+            <a:ext cx="8514845" cy="830997"/>
+          </a:xfrm>
+          <a:prstGeom prst="rect">
+            <a:avLst/>
+          </a:prstGeom>
+          <a:noFill/>
+        </p:spPr>
+        <p:txBody>
+          <a:bodyPr wrap="square" rtlCol="0">
+            <a:spAutoFit/>
+          </a:bodyPr>
+          <a:lstStyle/>
+          <a:p>
+            <a:r>
+              <a:rPr lang="en-US" sz="1600" dirty="0"/>
+              <a:t>w</a:t>
+            </a:r>
+            <a:r>
+              <a:rPr lang="en-US" sz="1600" dirty="0" smtClean="0"/>
+              <a:t>here </a:t>
+            </a:r>
+            <a:r>
+              <a:rPr lang="en-US" sz="1600" dirty="0" err="1" smtClean="0">
+                <a:solidFill>
+                  <a:srgbClr val="00B0F0"/>
+                </a:solidFill>
+              </a:rPr>
+              <a:t>cov</a:t>
+            </a:r>
+            <a:r>
+              <a:rPr lang="en-US" sz="1600" dirty="0" smtClean="0">
+                <a:solidFill>
+                  <a:srgbClr val="00B0F0"/>
+                </a:solidFill>
+              </a:rPr>
+              <a:t>(X, Y)</a:t>
+            </a:r>
+            <a:r>
+              <a:rPr lang="en-US" sz="1600" dirty="0" smtClean="0"/>
+              <a:t> – covariance of two variables, </a:t>
+            </a:r>
+          </a:p>
+          <a:p>
+            <a:r>
+              <a:rPr lang="en-US" sz="1600" dirty="0" smtClean="0">
+                <a:solidFill>
+                  <a:srgbClr val="00B0F0"/>
+                </a:solidFill>
+              </a:rPr>
+              <a:t>X</a:t>
+            </a:r>
+            <a:r>
+              <a:rPr lang="en-US" sz="1600" dirty="0" smtClean="0">
+                <a:solidFill>
+                  <a:srgbClr val="FF0000"/>
+                </a:solidFill>
+              </a:rPr>
+              <a:t> </a:t>
+            </a:r>
+            <a:r>
+              <a:rPr lang="en-US" sz="1600" dirty="0" smtClean="0"/>
+              <a:t>and </a:t>
+            </a:r>
+            <a:r>
+              <a:rPr lang="en-US" sz="1600" dirty="0">
+                <a:solidFill>
+                  <a:srgbClr val="00B0F0"/>
+                </a:solidFill>
+              </a:rPr>
+              <a:t>X</a:t>
+            </a:r>
+            <a:r>
+              <a:rPr lang="en-US" sz="1600" dirty="0" smtClean="0"/>
+              <a:t> are random variables</a:t>
+            </a:r>
+          </a:p>
+          <a:p>
+            <a:r>
+              <a:rPr lang="uk-UA" sz="1600" dirty="0" smtClean="0">
+                <a:solidFill>
+                  <a:srgbClr val="00B0F0"/>
+                </a:solidFill>
+              </a:rPr>
+              <a:t>µ</a:t>
+            </a:r>
+            <a:r>
+              <a:rPr lang="en-US" sz="1600" dirty="0" smtClean="0">
+                <a:solidFill>
+                  <a:srgbClr val="00B0F0"/>
+                </a:solidFill>
+              </a:rPr>
+              <a:t>(x)</a:t>
+            </a:r>
+            <a:r>
+              <a:rPr lang="en-US" sz="1600" dirty="0" smtClean="0"/>
+              <a:t>, </a:t>
+            </a:r>
+            <a:r>
+              <a:rPr lang="uk-UA" sz="1600" dirty="0">
+                <a:solidFill>
+                  <a:srgbClr val="00B0F0"/>
+                </a:solidFill>
+              </a:rPr>
+              <a:t>µ</a:t>
+            </a:r>
+            <a:r>
+              <a:rPr lang="en-US" sz="1600" dirty="0" smtClean="0">
+                <a:solidFill>
+                  <a:srgbClr val="00B0F0"/>
+                </a:solidFill>
+              </a:rPr>
+              <a:t>(y)</a:t>
+            </a:r>
+            <a:r>
+              <a:rPr lang="en-US" sz="1600" dirty="0" smtClean="0"/>
+              <a:t> – mean</a:t>
+            </a:r>
+          </a:p>
+        </p:txBody>
+      </p:sp>
+      <p:sp>
+        <p:nvSpPr>
+          <p:cNvPr id="11" name="TextBox 10"/>
+          <p:cNvSpPr txBox="1"/>
+          <p:nvPr/>
+        </p:nvSpPr>
+        <p:spPr>
+          <a:xfrm>
+            <a:off x="175456" y="2940587"/>
+            <a:ext cx="8339893" cy="1200329"/>
+          </a:xfrm>
+          <a:prstGeom prst="rect">
+            <a:avLst/>
+          </a:prstGeom>
+          <a:noFill/>
+        </p:spPr>
+        <p:txBody>
+          <a:bodyPr wrap="square" rtlCol="0">
+            <a:spAutoFit/>
+          </a:bodyPr>
+          <a:lstStyle/>
+          <a:p>
+            <a:r>
+              <a:rPr lang="en-US" b="1" dirty="0" smtClean="0"/>
+              <a:t>Range of </a:t>
+            </a:r>
+            <a:r>
+              <a:rPr lang="el-GR" b="1" dirty="0" smtClean="0"/>
+              <a:t>ρ</a:t>
+            </a:r>
+            <a:r>
+              <a:rPr lang="en-US" b="1" dirty="0" smtClean="0"/>
+              <a:t>X,Y: -1 … 1</a:t>
+            </a:r>
+          </a:p>
+          <a:p>
+            <a:r>
+              <a:rPr lang="el-GR" dirty="0"/>
+              <a:t>ρ</a:t>
+            </a:r>
+            <a:r>
+              <a:rPr lang="en-US" dirty="0" smtClean="0"/>
+              <a:t>X,Y -&gt; 1 : both variable are moving in the same direction (strong relationship) </a:t>
+            </a:r>
+            <a:endParaRPr lang="en-US" dirty="0"/>
+          </a:p>
+          <a:p>
+            <a:r>
+              <a:rPr lang="el-GR" dirty="0"/>
+              <a:t>ρ</a:t>
+            </a:r>
+            <a:r>
+              <a:rPr lang="en-US" dirty="0"/>
+              <a:t>X,Y -&gt; 1 : both variable are moving in the </a:t>
+            </a:r>
+            <a:r>
+              <a:rPr lang="en-US" dirty="0" smtClean="0"/>
+              <a:t>opposite direction (strong relationship)</a:t>
+            </a:r>
+          </a:p>
+          <a:p>
+            <a:r>
+              <a:rPr lang="el-GR" dirty="0"/>
+              <a:t>ρ</a:t>
+            </a:r>
+            <a:r>
+              <a:rPr lang="en-US" dirty="0"/>
+              <a:t>X,Y -&gt; </a:t>
+            </a:r>
+            <a:r>
+              <a:rPr lang="en-US" dirty="0" smtClean="0"/>
+              <a:t>0 : no explicit relationship between variables is found</a:t>
+            </a:r>
+            <a:endParaRPr lang="ru-RU" b="1" dirty="0"/>
+          </a:p>
+        </p:txBody>
+      </p:sp>
+      <p:sp>
+        <p:nvSpPr>
+          <p:cNvPr id="12" name="TextBox 11"/>
+          <p:cNvSpPr txBox="1"/>
+          <p:nvPr/>
+        </p:nvSpPr>
+        <p:spPr>
+          <a:xfrm>
+            <a:off x="175456" y="4399984"/>
+            <a:ext cx="8436805" cy="1200329"/>
+          </a:xfrm>
+          <a:prstGeom prst="rect">
+            <a:avLst/>
+          </a:prstGeom>
+          <a:noFill/>
+        </p:spPr>
+        <p:txBody>
+          <a:bodyPr wrap="square" rtlCol="0">
+            <a:spAutoFit/>
+          </a:bodyPr>
+          <a:lstStyle/>
+          <a:p>
+            <a:r>
+              <a:rPr lang="en-US" dirty="0" smtClean="0"/>
+              <a:t>Correlation coefficient (</a:t>
+            </a:r>
+            <a:r>
+              <a:rPr lang="el-GR" dirty="0"/>
+              <a:t>ρ</a:t>
+            </a:r>
+            <a:r>
+              <a:rPr lang="en-US" dirty="0" smtClean="0"/>
+              <a:t>X,Y) demonstrate </a:t>
+            </a:r>
+            <a:r>
+              <a:rPr lang="en-US" b="1" dirty="0" smtClean="0"/>
+              <a:t>the presence of linear relationship </a:t>
+            </a:r>
+            <a:r>
+              <a:rPr lang="en-US" dirty="0" smtClean="0"/>
+              <a:t>between two variable.</a:t>
+            </a:r>
+          </a:p>
+          <a:p>
+            <a:endParaRPr lang="en-US" dirty="0"/>
+          </a:p>
+          <a:p>
+            <a:r>
+              <a:rPr lang="en-US" dirty="0" smtClean="0"/>
+              <a:t>Based upon </a:t>
+            </a:r>
+            <a:r>
+              <a:rPr lang="el-GR" dirty="0"/>
+              <a:t>ρ</a:t>
+            </a:r>
+            <a:r>
+              <a:rPr lang="en-US" dirty="0" smtClean="0"/>
+              <a:t>X,Y the correlation matrix is created. </a:t>
+            </a:r>
+            <a:endParaRPr lang="ru-RU" dirty="0"/>
+          </a:p>
+        </p:txBody>
+      </p:sp>
+    </p:spTree>
+    <p:extLst>
+      <p:ext uri="{BB962C8B-B14F-4D97-AF65-F5344CB8AC3E}">
+        <p14:creationId xmlns:p14="http://schemas.microsoft.com/office/powerpoint/2010/main" val="2453106290"/>
+      </p:ext>
+    </p:extLst>
+  </p:cSld>
+  <p:clrMapOvr>
+    <a:masterClrMapping/>
+  </p:clrMapOvr>
+</p:sld>
+</file>
+
+<file path=ppt/slides/slide16.xml><?xml version="1.0" encoding="utf-8"?>
+<p:sld xmlns:a="http://schemas.openxmlformats.org/drawingml/2006/main" xmlns:r="http://schemas.openxmlformats.org/officeDocument/2006/relationships" xmlns:p="http://schemas.openxmlformats.org/presentationml/2006/main">
+  <p:cSld>
+    <p:spTree>
+      <p:nvGrpSpPr>
+        <p:cNvPr id="1" name=""/>
+        <p:cNvGrpSpPr/>
+        <p:nvPr/>
+      </p:nvGrpSpPr>
+      <p:grpSpPr>
+        <a:xfrm>
+          <a:off x="0" y="0"/>
+          <a:ext cx="0" cy="0"/>
+          <a:chOff x="0" y="0"/>
+          <a:chExt cx="0" cy="0"/>
+        </a:xfrm>
+      </p:grpSpPr>
+      <p:sp>
+        <p:nvSpPr>
+          <p:cNvPr id="4" name="Номер слайда 3"/>
+          <p:cNvSpPr>
+            <a:spLocks noGrp="1"/>
+          </p:cNvSpPr>
+          <p:nvPr>
+            <p:ph type="sldNum" sz="quarter" idx="12"/>
+          </p:nvPr>
+        </p:nvSpPr>
+        <p:spPr/>
+        <p:txBody>
+          <a:bodyPr/>
+          <a:lstStyle/>
+          <a:p>
+            <a:fld id="{C936BD1D-689F-4FB2-8C94-2D2423F07E62}" type="slidenum">
+              <a:rPr lang="ru-RU" smtClean="0"/>
+              <a:t>16</a:t>
+            </a:fld>
+            <a:endParaRPr lang="ru-RU"/>
+          </a:p>
+        </p:txBody>
+      </p:sp>
+      <p:sp>
+        <p:nvSpPr>
+          <p:cNvPr id="5" name="Заголовок 1"/>
+          <p:cNvSpPr>
+            <a:spLocks noGrp="1"/>
+          </p:cNvSpPr>
+          <p:nvPr>
+            <p:ph type="title"/>
+          </p:nvPr>
+        </p:nvSpPr>
+        <p:spPr>
+          <a:xfrm>
+            <a:off x="628650" y="365127"/>
+            <a:ext cx="7886700" cy="476846"/>
+          </a:xfrm>
+        </p:spPr>
+        <p:txBody>
+          <a:bodyPr vert="horz" lIns="91440" tIns="45720" rIns="91440" bIns="45720" rtlCol="0" anchor="b">
+            <a:noAutofit/>
+          </a:bodyPr>
+          <a:lstStyle/>
+          <a:p>
+            <a:pPr algn="ctr"/>
+            <a:r>
+              <a:rPr lang="en-US" sz="2400" b="1" dirty="0" smtClean="0">
+                <a:solidFill>
+                  <a:srgbClr val="00B0F0"/>
+                </a:solidFill>
+              </a:rPr>
+              <a:t>Covariance &amp; Correlation </a:t>
+            </a:r>
+            <a:endParaRPr lang="ru-RU" sz="2400" b="1" dirty="0">
+              <a:solidFill>
+                <a:srgbClr val="00B0F0"/>
+              </a:solidFill>
+            </a:endParaRPr>
+          </a:p>
+        </p:txBody>
+      </p:sp>
+      <p:sp>
+        <p:nvSpPr>
+          <p:cNvPr id="7" name="TextBox 6"/>
+          <p:cNvSpPr txBox="1"/>
+          <p:nvPr/>
+        </p:nvSpPr>
+        <p:spPr>
+          <a:xfrm>
+            <a:off x="473961" y="923453"/>
+            <a:ext cx="2161079" cy="369332"/>
+          </a:xfrm>
+          <a:prstGeom prst="rect">
+            <a:avLst/>
+          </a:prstGeom>
+          <a:noFill/>
+        </p:spPr>
+        <p:txBody>
+          <a:bodyPr wrap="square" rtlCol="0">
+            <a:spAutoFit/>
+          </a:bodyPr>
+          <a:lstStyle/>
+          <a:p>
+            <a:r>
+              <a:rPr lang="en-US" b="1" dirty="0" smtClean="0"/>
+              <a:t>Covariance</a:t>
+            </a:r>
+            <a:endParaRPr lang="ru-RU" b="1" dirty="0"/>
+          </a:p>
+        </p:txBody>
+      </p:sp>
+      <p:pic>
+        <p:nvPicPr>
+          <p:cNvPr id="8" name="Рисунок 7"/>
+          <p:cNvPicPr>
+            <a:picLocks noChangeAspect="1"/>
+          </p:cNvPicPr>
+          <p:nvPr/>
+        </p:nvPicPr>
+        <p:blipFill>
+          <a:blip r:embed="rId2"/>
+          <a:stretch>
+            <a:fillRect/>
+          </a:stretch>
+        </p:blipFill>
+        <p:spPr>
+          <a:xfrm>
+            <a:off x="473960" y="1292785"/>
+            <a:ext cx="6921949" cy="1368934"/>
+          </a:xfrm>
+          <a:prstGeom prst="rect">
+            <a:avLst/>
+          </a:prstGeom>
+        </p:spPr>
+      </p:pic>
+      <p:pic>
+        <p:nvPicPr>
+          <p:cNvPr id="9" name="Рисунок 8"/>
+          <p:cNvPicPr>
+            <a:picLocks noChangeAspect="1"/>
+          </p:cNvPicPr>
+          <p:nvPr/>
+        </p:nvPicPr>
+        <p:blipFill>
+          <a:blip r:embed="rId3"/>
+          <a:stretch>
+            <a:fillRect/>
+          </a:stretch>
+        </p:blipFill>
+        <p:spPr>
+          <a:xfrm>
+            <a:off x="473960" y="3414350"/>
+            <a:ext cx="6921949" cy="2031322"/>
+          </a:xfrm>
+          <a:prstGeom prst="rect">
+            <a:avLst/>
+          </a:prstGeom>
+        </p:spPr>
+      </p:pic>
+      <p:sp>
+        <p:nvSpPr>
+          <p:cNvPr id="10" name="TextBox 9"/>
+          <p:cNvSpPr txBox="1"/>
+          <p:nvPr/>
+        </p:nvSpPr>
+        <p:spPr>
+          <a:xfrm>
+            <a:off x="381918" y="3031051"/>
+            <a:ext cx="2161079" cy="369332"/>
+          </a:xfrm>
+          <a:prstGeom prst="rect">
+            <a:avLst/>
+          </a:prstGeom>
+          <a:noFill/>
+        </p:spPr>
+        <p:txBody>
+          <a:bodyPr wrap="square" rtlCol="0">
+            <a:spAutoFit/>
+          </a:bodyPr>
+          <a:lstStyle/>
+          <a:p>
+            <a:r>
+              <a:rPr lang="en-US" b="1" dirty="0" smtClean="0"/>
+              <a:t>Correlation</a:t>
+            </a:r>
+            <a:endParaRPr lang="ru-RU" b="1" dirty="0"/>
+          </a:p>
+        </p:txBody>
+      </p:sp>
+    </p:spTree>
+    <p:extLst>
+      <p:ext uri="{BB962C8B-B14F-4D97-AF65-F5344CB8AC3E}">
+        <p14:creationId xmlns:p14="http://schemas.microsoft.com/office/powerpoint/2010/main" val="1230422739"/>
       </p:ext>
     </p:extLst>
   </p:cSld>

--- a/Exploratory_Analysis.pptx
+++ b/Exploratory_Analysis.pptx
@@ -5,7 +5,7 @@
     <p:sldMasterId id="2147483660" r:id="rId1"/>
   </p:sldMasterIdLst>
   <p:notesMasterIdLst>
-    <p:notesMasterId r:id="rId18"/>
+    <p:notesMasterId r:id="rId20"/>
   </p:notesMasterIdLst>
   <p:sldIdLst>
     <p:sldId id="257" r:id="rId2"/>
@@ -24,6 +24,8 @@
     <p:sldId id="269" r:id="rId15"/>
     <p:sldId id="270" r:id="rId16"/>
     <p:sldId id="271" r:id="rId17"/>
+    <p:sldId id="272" r:id="rId18"/>
+    <p:sldId id="273" r:id="rId19"/>
   </p:sldIdLst>
   <p:sldSz cx="9144000" cy="6858000" type="screen4x3"/>
   <p:notesSz cx="6858000" cy="9144000"/>
@@ -238,7 +240,7 @@
           <a:p>
             <a:fld id="{CD863C69-6AC4-4515-84BB-C614EE551B82}" type="datetimeFigureOut">
               <a:rPr lang="ru-RU" smtClean="0"/>
-              <a:t>06.06.2019</a:t>
+              <a:t>09.06.2019</a:t>
             </a:fld>
             <a:endParaRPr lang="ru-RU"/>
           </a:p>
@@ -637,7 +639,7 @@
           <a:p>
             <a:fld id="{BF38C05E-219E-4729-9909-5B693F1E4DB2}" type="datetime1">
               <a:rPr lang="ru-RU" smtClean="0"/>
-              <a:t>06.06.2019</a:t>
+              <a:t>09.06.2019</a:t>
             </a:fld>
             <a:endParaRPr lang="ru-RU"/>
           </a:p>
@@ -807,7 +809,7 @@
           <a:p>
             <a:fld id="{E587BD1D-74D3-449F-A3CA-F47BBACDADC1}" type="datetime1">
               <a:rPr lang="ru-RU" smtClean="0"/>
-              <a:t>06.06.2019</a:t>
+              <a:t>09.06.2019</a:t>
             </a:fld>
             <a:endParaRPr lang="ru-RU"/>
           </a:p>
@@ -987,7 +989,7 @@
           <a:p>
             <a:fld id="{F156E365-3C59-403F-A598-8903968D44C1}" type="datetime1">
               <a:rPr lang="ru-RU" smtClean="0"/>
-              <a:t>06.06.2019</a:t>
+              <a:t>09.06.2019</a:t>
             </a:fld>
             <a:endParaRPr lang="ru-RU"/>
           </a:p>
@@ -1157,7 +1159,7 @@
           <a:p>
             <a:fld id="{D71D973D-7295-497C-A5AE-B81A0C1EA542}" type="datetime1">
               <a:rPr lang="ru-RU" smtClean="0"/>
-              <a:t>06.06.2019</a:t>
+              <a:t>09.06.2019</a:t>
             </a:fld>
             <a:endParaRPr lang="ru-RU"/>
           </a:p>
@@ -1401,7 +1403,7 @@
           <a:p>
             <a:fld id="{D43ACA65-1DF0-4542-9513-2573006F2B09}" type="datetime1">
               <a:rPr lang="ru-RU" smtClean="0"/>
-              <a:t>06.06.2019</a:t>
+              <a:t>09.06.2019</a:t>
             </a:fld>
             <a:endParaRPr lang="ru-RU"/>
           </a:p>
@@ -1633,7 +1635,7 @@
           <a:p>
             <a:fld id="{CE5D4F0D-BE92-42E2-AC19-D4AE919B8EEA}" type="datetime1">
               <a:rPr lang="ru-RU" smtClean="0"/>
-              <a:t>06.06.2019</a:t>
+              <a:t>09.06.2019</a:t>
             </a:fld>
             <a:endParaRPr lang="ru-RU"/>
           </a:p>
@@ -2000,7 +2002,7 @@
           <a:p>
             <a:fld id="{31712A4F-404C-4E2A-B048-29FEE1F56BCC}" type="datetime1">
               <a:rPr lang="ru-RU" smtClean="0"/>
-              <a:t>06.06.2019</a:t>
+              <a:t>09.06.2019</a:t>
             </a:fld>
             <a:endParaRPr lang="ru-RU"/>
           </a:p>
@@ -2118,7 +2120,7 @@
           <a:p>
             <a:fld id="{A591E32F-21C9-4A73-9D8C-CB8422C8AD99}" type="datetime1">
               <a:rPr lang="ru-RU" smtClean="0"/>
-              <a:t>06.06.2019</a:t>
+              <a:t>09.06.2019</a:t>
             </a:fld>
             <a:endParaRPr lang="ru-RU"/>
           </a:p>
@@ -2213,7 +2215,7 @@
           <a:p>
             <a:fld id="{E8BE7035-4758-4463-AF71-B436150BF40F}" type="datetime1">
               <a:rPr lang="ru-RU" smtClean="0"/>
-              <a:t>06.06.2019</a:t>
+              <a:t>09.06.2019</a:t>
             </a:fld>
             <a:endParaRPr lang="ru-RU"/>
           </a:p>
@@ -2490,7 +2492,7 @@
           <a:p>
             <a:fld id="{8BF22BB4-229E-48DC-A891-0BD3792CC568}" type="datetime1">
               <a:rPr lang="ru-RU" smtClean="0"/>
-              <a:t>06.06.2019</a:t>
+              <a:t>09.06.2019</a:t>
             </a:fld>
             <a:endParaRPr lang="ru-RU"/>
           </a:p>
@@ -2747,7 +2749,7 @@
           <a:p>
             <a:fld id="{B32F65DE-1A63-4DFF-816D-2C4DB2F0AABF}" type="datetime1">
               <a:rPr lang="ru-RU" smtClean="0"/>
-              <a:t>06.06.2019</a:t>
+              <a:t>09.06.2019</a:t>
             </a:fld>
             <a:endParaRPr lang="ru-RU"/>
           </a:p>
@@ -2960,7 +2962,7 @@
           <a:p>
             <a:fld id="{58F37F58-E97F-4EAB-9CA9-C9A7312871A5}" type="datetime1">
               <a:rPr lang="ru-RU" smtClean="0"/>
-              <a:t>06.06.2019</a:t>
+              <a:t>09.06.2019</a:t>
             </a:fld>
             <a:endParaRPr lang="ru-RU"/>
           </a:p>
@@ -5296,6 +5298,328 @@
     <p:extLst>
       <p:ext uri="{BB962C8B-B14F-4D97-AF65-F5344CB8AC3E}">
         <p14:creationId xmlns:p14="http://schemas.microsoft.com/office/powerpoint/2010/main" val="1230422739"/>
+      </p:ext>
+    </p:extLst>
+  </p:cSld>
+  <p:clrMapOvr>
+    <a:masterClrMapping/>
+  </p:clrMapOvr>
+</p:sld>
+</file>
+
+<file path=ppt/slides/slide17.xml><?xml version="1.0" encoding="utf-8"?>
+<p:sld xmlns:a="http://schemas.openxmlformats.org/drawingml/2006/main" xmlns:r="http://schemas.openxmlformats.org/officeDocument/2006/relationships" xmlns:p="http://schemas.openxmlformats.org/presentationml/2006/main">
+  <p:cSld>
+    <p:spTree>
+      <p:nvGrpSpPr>
+        <p:cNvPr id="1" name=""/>
+        <p:cNvGrpSpPr/>
+        <p:nvPr/>
+      </p:nvGrpSpPr>
+      <p:grpSpPr>
+        <a:xfrm>
+          <a:off x="0" y="0"/>
+          <a:ext cx="0" cy="0"/>
+          <a:chOff x="0" y="0"/>
+          <a:chExt cx="0" cy="0"/>
+        </a:xfrm>
+      </p:grpSpPr>
+      <p:sp>
+        <p:nvSpPr>
+          <p:cNvPr id="4" name="Номер слайда 3"/>
+          <p:cNvSpPr>
+            <a:spLocks noGrp="1"/>
+          </p:cNvSpPr>
+          <p:nvPr>
+            <p:ph type="sldNum" sz="quarter" idx="12"/>
+          </p:nvPr>
+        </p:nvSpPr>
+        <p:spPr/>
+        <p:txBody>
+          <a:bodyPr/>
+          <a:lstStyle/>
+          <a:p>
+            <a:fld id="{C936BD1D-689F-4FB2-8C94-2D2423F07E62}" type="slidenum">
+              <a:rPr lang="ru-RU" smtClean="0"/>
+              <a:t>17</a:t>
+            </a:fld>
+            <a:endParaRPr lang="ru-RU"/>
+          </a:p>
+        </p:txBody>
+      </p:sp>
+      <p:sp>
+        <p:nvSpPr>
+          <p:cNvPr id="7" name="Заголовок 1"/>
+          <p:cNvSpPr>
+            <a:spLocks noGrp="1"/>
+          </p:cNvSpPr>
+          <p:nvPr>
+            <p:ph type="title"/>
+          </p:nvPr>
+        </p:nvSpPr>
+        <p:spPr>
+          <a:xfrm>
+            <a:off x="628650" y="365127"/>
+            <a:ext cx="7886700" cy="476846"/>
+          </a:xfrm>
+        </p:spPr>
+        <p:txBody>
+          <a:bodyPr vert="horz" lIns="91440" tIns="45720" rIns="91440" bIns="45720" rtlCol="0" anchor="b">
+            <a:noAutofit/>
+          </a:bodyPr>
+          <a:lstStyle/>
+          <a:p>
+            <a:pPr algn="ctr"/>
+            <a:r>
+              <a:rPr lang="en-US" sz="2400" b="1" dirty="0" smtClean="0">
+                <a:solidFill>
+                  <a:srgbClr val="00B0F0"/>
+                </a:solidFill>
+              </a:rPr>
+              <a:t>Applied example</a:t>
+            </a:r>
+            <a:endParaRPr lang="ru-RU" sz="2400" b="1" dirty="0">
+              <a:solidFill>
+                <a:srgbClr val="00B0F0"/>
+              </a:solidFill>
+            </a:endParaRPr>
+          </a:p>
+        </p:txBody>
+      </p:sp>
+      <p:pic>
+        <p:nvPicPr>
+          <p:cNvPr id="9" name="Рисунок 8"/>
+          <p:cNvPicPr>
+            <a:picLocks noChangeAspect="1"/>
+          </p:cNvPicPr>
+          <p:nvPr/>
+        </p:nvPicPr>
+        <p:blipFill>
+          <a:blip r:embed="rId2"/>
+          <a:stretch>
+            <a:fillRect/>
+          </a:stretch>
+        </p:blipFill>
+        <p:spPr>
+          <a:xfrm>
+            <a:off x="1255500" y="1132931"/>
+            <a:ext cx="6633000" cy="4230000"/>
+          </a:xfrm>
+          <a:prstGeom prst="rect">
+            <a:avLst/>
+          </a:prstGeom>
+        </p:spPr>
+      </p:pic>
+    </p:spTree>
+    <p:extLst>
+      <p:ext uri="{BB962C8B-B14F-4D97-AF65-F5344CB8AC3E}">
+        <p14:creationId xmlns:p14="http://schemas.microsoft.com/office/powerpoint/2010/main" val="2246501106"/>
+      </p:ext>
+    </p:extLst>
+  </p:cSld>
+  <p:clrMapOvr>
+    <a:masterClrMapping/>
+  </p:clrMapOvr>
+</p:sld>
+</file>
+
+<file path=ppt/slides/slide18.xml><?xml version="1.0" encoding="utf-8"?>
+<p:sld xmlns:a="http://schemas.openxmlformats.org/drawingml/2006/main" xmlns:r="http://schemas.openxmlformats.org/officeDocument/2006/relationships" xmlns:p="http://schemas.openxmlformats.org/presentationml/2006/main">
+  <p:cSld>
+    <p:spTree>
+      <p:nvGrpSpPr>
+        <p:cNvPr id="1" name=""/>
+        <p:cNvGrpSpPr/>
+        <p:nvPr/>
+      </p:nvGrpSpPr>
+      <p:grpSpPr>
+        <a:xfrm>
+          <a:off x="0" y="0"/>
+          <a:ext cx="0" cy="0"/>
+          <a:chOff x="0" y="0"/>
+          <a:chExt cx="0" cy="0"/>
+        </a:xfrm>
+      </p:grpSpPr>
+      <p:sp>
+        <p:nvSpPr>
+          <p:cNvPr id="4" name="Номер слайда 3"/>
+          <p:cNvSpPr>
+            <a:spLocks noGrp="1"/>
+          </p:cNvSpPr>
+          <p:nvPr>
+            <p:ph type="sldNum" sz="quarter" idx="12"/>
+          </p:nvPr>
+        </p:nvSpPr>
+        <p:spPr/>
+        <p:txBody>
+          <a:bodyPr/>
+          <a:lstStyle/>
+          <a:p>
+            <a:fld id="{C936BD1D-689F-4FB2-8C94-2D2423F07E62}" type="slidenum">
+              <a:rPr lang="ru-RU" smtClean="0"/>
+              <a:t>18</a:t>
+            </a:fld>
+            <a:endParaRPr lang="ru-RU"/>
+          </a:p>
+        </p:txBody>
+      </p:sp>
+      <p:sp>
+        <p:nvSpPr>
+          <p:cNvPr id="6" name="Заголовок 1"/>
+          <p:cNvSpPr>
+            <a:spLocks noGrp="1"/>
+          </p:cNvSpPr>
+          <p:nvPr>
+            <p:ph type="title"/>
+          </p:nvPr>
+        </p:nvSpPr>
+        <p:spPr>
+          <a:xfrm>
+            <a:off x="628650" y="365127"/>
+            <a:ext cx="7886700" cy="476846"/>
+          </a:xfrm>
+        </p:spPr>
+        <p:txBody>
+          <a:bodyPr vert="horz" lIns="91440" tIns="45720" rIns="91440" bIns="45720" rtlCol="0" anchor="b">
+            <a:noAutofit/>
+          </a:bodyPr>
+          <a:lstStyle/>
+          <a:p>
+            <a:pPr algn="ctr"/>
+            <a:r>
+              <a:rPr lang="en-US" sz="2400" b="1" dirty="0" smtClean="0">
+                <a:solidFill>
+                  <a:srgbClr val="00B0F0"/>
+                </a:solidFill>
+              </a:rPr>
+              <a:t>Brief Summary of Applied Example</a:t>
+            </a:r>
+            <a:endParaRPr lang="ru-RU" sz="2400" b="1" dirty="0">
+              <a:solidFill>
+                <a:srgbClr val="00B0F0"/>
+              </a:solidFill>
+            </a:endParaRPr>
+          </a:p>
+        </p:txBody>
+      </p:sp>
+      <p:sp>
+        <p:nvSpPr>
+          <p:cNvPr id="8" name="TextBox 7"/>
+          <p:cNvSpPr txBox="1"/>
+          <p:nvPr/>
+        </p:nvSpPr>
+        <p:spPr>
+          <a:xfrm>
+            <a:off x="208230" y="1176950"/>
+            <a:ext cx="8709433" cy="3416320"/>
+          </a:xfrm>
+          <a:prstGeom prst="rect">
+            <a:avLst/>
+          </a:prstGeom>
+          <a:noFill/>
+        </p:spPr>
+        <p:txBody>
+          <a:bodyPr wrap="square" rtlCol="0">
+            <a:spAutoFit/>
+          </a:bodyPr>
+          <a:lstStyle/>
+          <a:p>
+            <a:pPr marL="285750" indent="-285750">
+              <a:buFont typeface="Arial" panose="020B0604020202020204" pitchFamily="34" charset="0"/>
+              <a:buChar char="•"/>
+            </a:pPr>
+            <a:r>
+              <a:rPr lang="en-US" dirty="0"/>
+              <a:t>a</a:t>
+            </a:r>
+            <a:r>
+              <a:rPr lang="en-US" dirty="0" smtClean="0"/>
+              <a:t>ll variables contain extreme values which could be investigated</a:t>
+            </a:r>
+          </a:p>
+          <a:p>
+            <a:pPr marL="285750" indent="-285750">
+              <a:buFont typeface="Arial" panose="020B0604020202020204" pitchFamily="34" charset="0"/>
+              <a:buChar char="•"/>
+            </a:pPr>
+            <a:endParaRPr lang="en-US" dirty="0" smtClean="0"/>
+          </a:p>
+          <a:p>
+            <a:pPr marL="285750" indent="-285750">
+              <a:buFont typeface="Arial" panose="020B0604020202020204" pitchFamily="34" charset="0"/>
+              <a:buChar char="•"/>
+            </a:pPr>
+            <a:r>
+              <a:rPr lang="en-US" dirty="0" smtClean="0"/>
+              <a:t>from the point of view of variance the best </a:t>
+            </a:r>
+            <a:r>
+              <a:rPr lang="en-US" dirty="0"/>
+              <a:t>variable is </a:t>
+            </a:r>
+            <a:r>
+              <a:rPr lang="en-US" dirty="0" smtClean="0"/>
+              <a:t>HOUR_APPR_PROCESS_START (27%) -&gt; it could be used in further draft calculations even despite high oscillator ratio</a:t>
+            </a:r>
+          </a:p>
+          <a:p>
+            <a:r>
+              <a:rPr lang="en-US" dirty="0"/>
+              <a:t> </a:t>
+            </a:r>
+            <a:endParaRPr lang="en-US" dirty="0" smtClean="0"/>
+          </a:p>
+          <a:p>
+            <a:pPr marL="285750" indent="-285750">
+              <a:buFont typeface="Arial" panose="020B0604020202020204" pitchFamily="34" charset="0"/>
+              <a:buChar char="•"/>
+            </a:pPr>
+            <a:r>
+              <a:rPr lang="en-US" dirty="0" smtClean="0"/>
+              <a:t>other variables with high oscillator ratio and variance ratio are subject to be investigated for potential subsampling or aggregation  </a:t>
+            </a:r>
+          </a:p>
+          <a:p>
+            <a:pPr marL="285750" indent="-285750">
+              <a:buFont typeface="Arial" panose="020B0604020202020204" pitchFamily="34" charset="0"/>
+              <a:buChar char="•"/>
+            </a:pPr>
+            <a:endParaRPr lang="en-US" dirty="0"/>
+          </a:p>
+          <a:p>
+            <a:pPr marL="285750" indent="-285750">
+              <a:buFont typeface="Arial" panose="020B0604020202020204" pitchFamily="34" charset="0"/>
+              <a:buChar char="•"/>
+            </a:pPr>
+            <a:r>
+              <a:rPr lang="en-US" dirty="0"/>
+              <a:t>t</a:t>
+            </a:r>
+            <a:r>
+              <a:rPr lang="en-US" dirty="0" smtClean="0"/>
+              <a:t>he existence of more then 1 mode could be the reason to reconsider the data set of the variable. </a:t>
+            </a:r>
+          </a:p>
+          <a:p>
+            <a:pPr marL="285750" indent="-285750">
+              <a:buFont typeface="Arial" panose="020B0604020202020204" pitchFamily="34" charset="0"/>
+              <a:buChar char="•"/>
+            </a:pPr>
+            <a:endParaRPr lang="en-US" dirty="0" smtClean="0"/>
+          </a:p>
+          <a:p>
+            <a:pPr marL="285750" indent="-285750">
+              <a:buFont typeface="Arial" panose="020B0604020202020204" pitchFamily="34" charset="0"/>
+              <a:buChar char="•"/>
+            </a:pPr>
+            <a:endParaRPr lang="ru-RU" dirty="0"/>
+          </a:p>
+        </p:txBody>
+      </p:sp>
+    </p:spTree>
+    <p:extLst>
+      <p:ext uri="{BB962C8B-B14F-4D97-AF65-F5344CB8AC3E}">
+        <p14:creationId xmlns:p14="http://schemas.microsoft.com/office/powerpoint/2010/main" val="4004065868"/>
       </p:ext>
     </p:extLst>
   </p:cSld>

--- a/Exploratory_Analysis.pptx
+++ b/Exploratory_Analysis.pptx
@@ -240,7 +240,7 @@
           <a:p>
             <a:fld id="{CD863C69-6AC4-4515-84BB-C614EE551B82}" type="datetimeFigureOut">
               <a:rPr lang="ru-RU" smtClean="0"/>
-              <a:t>09.06.2019</a:t>
+              <a:t>12.06.2019</a:t>
             </a:fld>
             <a:endParaRPr lang="ru-RU"/>
           </a:p>
@@ -639,7 +639,7 @@
           <a:p>
             <a:fld id="{BF38C05E-219E-4729-9909-5B693F1E4DB2}" type="datetime1">
               <a:rPr lang="ru-RU" smtClean="0"/>
-              <a:t>09.06.2019</a:t>
+              <a:t>12.06.2019</a:t>
             </a:fld>
             <a:endParaRPr lang="ru-RU"/>
           </a:p>
@@ -809,7 +809,7 @@
           <a:p>
             <a:fld id="{E587BD1D-74D3-449F-A3CA-F47BBACDADC1}" type="datetime1">
               <a:rPr lang="ru-RU" smtClean="0"/>
-              <a:t>09.06.2019</a:t>
+              <a:t>12.06.2019</a:t>
             </a:fld>
             <a:endParaRPr lang="ru-RU"/>
           </a:p>
@@ -989,7 +989,7 @@
           <a:p>
             <a:fld id="{F156E365-3C59-403F-A598-8903968D44C1}" type="datetime1">
               <a:rPr lang="ru-RU" smtClean="0"/>
-              <a:t>09.06.2019</a:t>
+              <a:t>12.06.2019</a:t>
             </a:fld>
             <a:endParaRPr lang="ru-RU"/>
           </a:p>
@@ -1159,7 +1159,7 @@
           <a:p>
             <a:fld id="{D71D973D-7295-497C-A5AE-B81A0C1EA542}" type="datetime1">
               <a:rPr lang="ru-RU" smtClean="0"/>
-              <a:t>09.06.2019</a:t>
+              <a:t>12.06.2019</a:t>
             </a:fld>
             <a:endParaRPr lang="ru-RU"/>
           </a:p>
@@ -1403,7 +1403,7 @@
           <a:p>
             <a:fld id="{D43ACA65-1DF0-4542-9513-2573006F2B09}" type="datetime1">
               <a:rPr lang="ru-RU" smtClean="0"/>
-              <a:t>09.06.2019</a:t>
+              <a:t>12.06.2019</a:t>
             </a:fld>
             <a:endParaRPr lang="ru-RU"/>
           </a:p>
@@ -1635,7 +1635,7 @@
           <a:p>
             <a:fld id="{CE5D4F0D-BE92-42E2-AC19-D4AE919B8EEA}" type="datetime1">
               <a:rPr lang="ru-RU" smtClean="0"/>
-              <a:t>09.06.2019</a:t>
+              <a:t>12.06.2019</a:t>
             </a:fld>
             <a:endParaRPr lang="ru-RU"/>
           </a:p>
@@ -2002,7 +2002,7 @@
           <a:p>
             <a:fld id="{31712A4F-404C-4E2A-B048-29FEE1F56BCC}" type="datetime1">
               <a:rPr lang="ru-RU" smtClean="0"/>
-              <a:t>09.06.2019</a:t>
+              <a:t>12.06.2019</a:t>
             </a:fld>
             <a:endParaRPr lang="ru-RU"/>
           </a:p>
@@ -2120,7 +2120,7 @@
           <a:p>
             <a:fld id="{A591E32F-21C9-4A73-9D8C-CB8422C8AD99}" type="datetime1">
               <a:rPr lang="ru-RU" smtClean="0"/>
-              <a:t>09.06.2019</a:t>
+              <a:t>12.06.2019</a:t>
             </a:fld>
             <a:endParaRPr lang="ru-RU"/>
           </a:p>
@@ -2215,7 +2215,7 @@
           <a:p>
             <a:fld id="{E8BE7035-4758-4463-AF71-B436150BF40F}" type="datetime1">
               <a:rPr lang="ru-RU" smtClean="0"/>
-              <a:t>09.06.2019</a:t>
+              <a:t>12.06.2019</a:t>
             </a:fld>
             <a:endParaRPr lang="ru-RU"/>
           </a:p>
@@ -2492,7 +2492,7 @@
           <a:p>
             <a:fld id="{8BF22BB4-229E-48DC-A891-0BD3792CC568}" type="datetime1">
               <a:rPr lang="ru-RU" smtClean="0"/>
-              <a:t>09.06.2019</a:t>
+              <a:t>12.06.2019</a:t>
             </a:fld>
             <a:endParaRPr lang="ru-RU"/>
           </a:p>
@@ -2749,7 +2749,7 @@
           <a:p>
             <a:fld id="{B32F65DE-1A63-4DFF-816D-2C4DB2F0AABF}" type="datetime1">
               <a:rPr lang="ru-RU" smtClean="0"/>
-              <a:t>09.06.2019</a:t>
+              <a:t>12.06.2019</a:t>
             </a:fld>
             <a:endParaRPr lang="ru-RU"/>
           </a:p>
@@ -2962,7 +2962,7 @@
           <a:p>
             <a:fld id="{58F37F58-E97F-4EAB-9CA9-C9A7312871A5}" type="datetime1">
               <a:rPr lang="ru-RU" smtClean="0"/>
-              <a:t>09.06.2019</a:t>
+              <a:t>12.06.2019</a:t>
             </a:fld>
             <a:endParaRPr lang="ru-RU"/>
           </a:p>
@@ -4328,7 +4328,7 @@
       </p:sp>
       <p:pic>
         <p:nvPicPr>
-          <p:cNvPr id="7" name="Рисунок 6"/>
+          <p:cNvPr id="3" name="Рисунок 2"/>
           <p:cNvPicPr>
             <a:picLocks noChangeAspect="1"/>
           </p:cNvPicPr>
@@ -4342,8 +4342,8 @@
         </p:blipFill>
         <p:spPr>
           <a:xfrm>
-            <a:off x="1072742" y="1146706"/>
-            <a:ext cx="6441752" cy="3687843"/>
+            <a:off x="1255500" y="1314000"/>
+            <a:ext cx="6633000" cy="4230000"/>
           </a:xfrm>
           <a:prstGeom prst="rect">
             <a:avLst/>
@@ -5388,7 +5388,7 @@
       </p:sp>
       <p:pic>
         <p:nvPicPr>
-          <p:cNvPr id="9" name="Рисунок 8"/>
+          <p:cNvPr id="2" name="Рисунок 1"/>
           <p:cNvPicPr>
             <a:picLocks noChangeAspect="1"/>
           </p:cNvPicPr>
@@ -5402,7 +5402,7 @@
         </p:blipFill>
         <p:spPr>
           <a:xfrm>
-            <a:off x="1255500" y="1132931"/>
+            <a:off x="1255500" y="997128"/>
             <a:ext cx="6633000" cy="4230000"/>
           </a:xfrm>
           <a:prstGeom prst="rect">

--- a/Exploratory_Analysis.pptx
+++ b/Exploratory_Analysis.pptx
@@ -5,27 +5,28 @@
     <p:sldMasterId id="2147483660" r:id="rId1"/>
   </p:sldMasterIdLst>
   <p:notesMasterIdLst>
-    <p:notesMasterId r:id="rId20"/>
+    <p:notesMasterId r:id="rId21"/>
   </p:notesMasterIdLst>
   <p:sldIdLst>
     <p:sldId id="257" r:id="rId2"/>
-    <p:sldId id="256" r:id="rId3"/>
-    <p:sldId id="258" r:id="rId4"/>
-    <p:sldId id="259" r:id="rId5"/>
-    <p:sldId id="260" r:id="rId6"/>
-    <p:sldId id="261" r:id="rId7"/>
-    <p:sldId id="262" r:id="rId8"/>
-    <p:sldId id="263" r:id="rId9"/>
-    <p:sldId id="264" r:id="rId10"/>
-    <p:sldId id="265" r:id="rId11"/>
-    <p:sldId id="266" r:id="rId12"/>
-    <p:sldId id="267" r:id="rId13"/>
-    <p:sldId id="268" r:id="rId14"/>
-    <p:sldId id="269" r:id="rId15"/>
-    <p:sldId id="270" r:id="rId16"/>
-    <p:sldId id="271" r:id="rId17"/>
-    <p:sldId id="272" r:id="rId18"/>
-    <p:sldId id="273" r:id="rId19"/>
+    <p:sldId id="274" r:id="rId3"/>
+    <p:sldId id="256" r:id="rId4"/>
+    <p:sldId id="258" r:id="rId5"/>
+    <p:sldId id="259" r:id="rId6"/>
+    <p:sldId id="260" r:id="rId7"/>
+    <p:sldId id="261" r:id="rId8"/>
+    <p:sldId id="262" r:id="rId9"/>
+    <p:sldId id="263" r:id="rId10"/>
+    <p:sldId id="264" r:id="rId11"/>
+    <p:sldId id="265" r:id="rId12"/>
+    <p:sldId id="266" r:id="rId13"/>
+    <p:sldId id="267" r:id="rId14"/>
+    <p:sldId id="268" r:id="rId15"/>
+    <p:sldId id="269" r:id="rId16"/>
+    <p:sldId id="270" r:id="rId17"/>
+    <p:sldId id="271" r:id="rId18"/>
+    <p:sldId id="272" r:id="rId19"/>
+    <p:sldId id="273" r:id="rId20"/>
   </p:sldIdLst>
   <p:sldSz cx="9144000" cy="6858000" type="screen4x3"/>
   <p:notesSz cx="6858000" cy="9144000"/>
@@ -240,7 +241,7 @@
           <a:p>
             <a:fld id="{CD863C69-6AC4-4515-84BB-C614EE551B82}" type="datetimeFigureOut">
               <a:rPr lang="ru-RU" smtClean="0"/>
-              <a:t>12.06.2019</a:t>
+              <a:t>21.06.2019</a:t>
             </a:fld>
             <a:endParaRPr lang="ru-RU"/>
           </a:p>
@@ -304,38 +305,37 @@
           <a:p>
             <a:pPr lvl="0"/>
             <a:r>
-              <a:rPr lang="ru-RU" smtClean="0"/>
+              <a:rPr lang="ru-RU"/>
               <a:t>Образец текста</a:t>
             </a:r>
           </a:p>
           <a:p>
             <a:pPr lvl="1"/>
             <a:r>
-              <a:rPr lang="ru-RU" smtClean="0"/>
+              <a:rPr lang="ru-RU"/>
               <a:t>Второй уровень</a:t>
             </a:r>
           </a:p>
           <a:p>
             <a:pPr lvl="2"/>
             <a:r>
-              <a:rPr lang="ru-RU" smtClean="0"/>
+              <a:rPr lang="ru-RU"/>
               <a:t>Третий уровень</a:t>
             </a:r>
           </a:p>
           <a:p>
             <a:pPr lvl="3"/>
             <a:r>
-              <a:rPr lang="ru-RU" smtClean="0"/>
+              <a:rPr lang="ru-RU"/>
               <a:t>Четвертый уровень</a:t>
             </a:r>
           </a:p>
           <a:p>
             <a:pPr lvl="4"/>
             <a:r>
-              <a:rPr lang="ru-RU" smtClean="0"/>
+              <a:rPr lang="ru-RU"/>
               <a:t>Пятый уровень</a:t>
             </a:r>
-            <a:endParaRPr lang="ru-RU"/>
           </a:p>
         </p:txBody>
       </p:sp>
@@ -550,7 +550,7 @@
           </a:lstStyle>
           <a:p>
             <a:r>
-              <a:rPr lang="ru-RU" smtClean="0"/>
+              <a:rPr lang="ru-RU"/>
               <a:t>Образец заголовка</a:t>
             </a:r>
             <a:endParaRPr lang="en-US" dirty="0"/>
@@ -615,7 +615,7 @@
           </a:lstStyle>
           <a:p>
             <a:r>
-              <a:rPr lang="ru-RU" smtClean="0"/>
+              <a:rPr lang="ru-RU"/>
               <a:t>Образец подзаголовка</a:t>
             </a:r>
             <a:endParaRPr lang="en-US" dirty="0"/>
@@ -639,7 +639,7 @@
           <a:p>
             <a:fld id="{BF38C05E-219E-4729-9909-5B693F1E4DB2}" type="datetime1">
               <a:rPr lang="ru-RU" smtClean="0"/>
-              <a:t>12.06.2019</a:t>
+              <a:t>21.06.2019</a:t>
             </a:fld>
             <a:endParaRPr lang="ru-RU"/>
           </a:p>
@@ -733,7 +733,7 @@
           <a:lstStyle/>
           <a:p>
             <a:r>
-              <a:rPr lang="ru-RU" smtClean="0"/>
+              <a:rPr lang="ru-RU"/>
               <a:t>Образец заголовка</a:t>
             </a:r>
             <a:endParaRPr lang="en-US" dirty="0"/>
@@ -757,35 +757,35 @@
           <a:p>
             <a:pPr lvl="0"/>
             <a:r>
-              <a:rPr lang="ru-RU" smtClean="0"/>
+              <a:rPr lang="ru-RU"/>
               <a:t>Образец текста</a:t>
             </a:r>
           </a:p>
           <a:p>
             <a:pPr lvl="1"/>
             <a:r>
-              <a:rPr lang="ru-RU" smtClean="0"/>
+              <a:rPr lang="ru-RU"/>
               <a:t>Второй уровень</a:t>
             </a:r>
           </a:p>
           <a:p>
             <a:pPr lvl="2"/>
             <a:r>
-              <a:rPr lang="ru-RU" smtClean="0"/>
+              <a:rPr lang="ru-RU"/>
               <a:t>Третий уровень</a:t>
             </a:r>
           </a:p>
           <a:p>
             <a:pPr lvl="3"/>
             <a:r>
-              <a:rPr lang="ru-RU" smtClean="0"/>
+              <a:rPr lang="ru-RU"/>
               <a:t>Четвертый уровень</a:t>
             </a:r>
           </a:p>
           <a:p>
             <a:pPr lvl="4"/>
             <a:r>
-              <a:rPr lang="ru-RU" smtClean="0"/>
+              <a:rPr lang="ru-RU"/>
               <a:t>Пятый уровень</a:t>
             </a:r>
             <a:endParaRPr lang="en-US" dirty="0"/>
@@ -809,7 +809,7 @@
           <a:p>
             <a:fld id="{E587BD1D-74D3-449F-A3CA-F47BBACDADC1}" type="datetime1">
               <a:rPr lang="ru-RU" smtClean="0"/>
-              <a:t>12.06.2019</a:t>
+              <a:t>21.06.2019</a:t>
             </a:fld>
             <a:endParaRPr lang="ru-RU"/>
           </a:p>
@@ -908,7 +908,7 @@
           <a:lstStyle/>
           <a:p>
             <a:r>
-              <a:rPr lang="ru-RU" smtClean="0"/>
+              <a:rPr lang="ru-RU"/>
               <a:t>Образец заголовка</a:t>
             </a:r>
             <a:endParaRPr lang="en-US" dirty="0"/>
@@ -937,35 +937,35 @@
           <a:p>
             <a:pPr lvl="0"/>
             <a:r>
-              <a:rPr lang="ru-RU" smtClean="0"/>
+              <a:rPr lang="ru-RU"/>
               <a:t>Образец текста</a:t>
             </a:r>
           </a:p>
           <a:p>
             <a:pPr lvl="1"/>
             <a:r>
-              <a:rPr lang="ru-RU" smtClean="0"/>
+              <a:rPr lang="ru-RU"/>
               <a:t>Второй уровень</a:t>
             </a:r>
           </a:p>
           <a:p>
             <a:pPr lvl="2"/>
             <a:r>
-              <a:rPr lang="ru-RU" smtClean="0"/>
+              <a:rPr lang="ru-RU"/>
               <a:t>Третий уровень</a:t>
             </a:r>
           </a:p>
           <a:p>
             <a:pPr lvl="3"/>
             <a:r>
-              <a:rPr lang="ru-RU" smtClean="0"/>
+              <a:rPr lang="ru-RU"/>
               <a:t>Четвертый уровень</a:t>
             </a:r>
           </a:p>
           <a:p>
             <a:pPr lvl="4"/>
             <a:r>
-              <a:rPr lang="ru-RU" smtClean="0"/>
+              <a:rPr lang="ru-RU"/>
               <a:t>Пятый уровень</a:t>
             </a:r>
             <a:endParaRPr lang="en-US" dirty="0"/>
@@ -989,7 +989,7 @@
           <a:p>
             <a:fld id="{F156E365-3C59-403F-A598-8903968D44C1}" type="datetime1">
               <a:rPr lang="ru-RU" smtClean="0"/>
-              <a:t>12.06.2019</a:t>
+              <a:t>21.06.2019</a:t>
             </a:fld>
             <a:endParaRPr lang="ru-RU"/>
           </a:p>
@@ -1083,7 +1083,7 @@
           <a:lstStyle/>
           <a:p>
             <a:r>
-              <a:rPr lang="ru-RU" smtClean="0"/>
+              <a:rPr lang="ru-RU"/>
               <a:t>Образец заголовка</a:t>
             </a:r>
             <a:endParaRPr lang="en-US" dirty="0"/>
@@ -1107,35 +1107,35 @@
           <a:p>
             <a:pPr lvl="0"/>
             <a:r>
-              <a:rPr lang="ru-RU" smtClean="0"/>
+              <a:rPr lang="ru-RU"/>
               <a:t>Образец текста</a:t>
             </a:r>
           </a:p>
           <a:p>
             <a:pPr lvl="1"/>
             <a:r>
-              <a:rPr lang="ru-RU" smtClean="0"/>
+              <a:rPr lang="ru-RU"/>
               <a:t>Второй уровень</a:t>
             </a:r>
           </a:p>
           <a:p>
             <a:pPr lvl="2"/>
             <a:r>
-              <a:rPr lang="ru-RU" smtClean="0"/>
+              <a:rPr lang="ru-RU"/>
               <a:t>Третий уровень</a:t>
             </a:r>
           </a:p>
           <a:p>
             <a:pPr lvl="3"/>
             <a:r>
-              <a:rPr lang="ru-RU" smtClean="0"/>
+              <a:rPr lang="ru-RU"/>
               <a:t>Четвертый уровень</a:t>
             </a:r>
           </a:p>
           <a:p>
             <a:pPr lvl="4"/>
             <a:r>
-              <a:rPr lang="ru-RU" smtClean="0"/>
+              <a:rPr lang="ru-RU"/>
               <a:t>Пятый уровень</a:t>
             </a:r>
             <a:endParaRPr lang="en-US" dirty="0"/>
@@ -1159,7 +1159,7 @@
           <a:p>
             <a:fld id="{D71D973D-7295-497C-A5AE-B81A0C1EA542}" type="datetime1">
               <a:rPr lang="ru-RU" smtClean="0"/>
-              <a:t>12.06.2019</a:t>
+              <a:t>21.06.2019</a:t>
             </a:fld>
             <a:endParaRPr lang="ru-RU"/>
           </a:p>
@@ -1262,7 +1262,7 @@
           </a:lstStyle>
           <a:p>
             <a:r>
-              <a:rPr lang="ru-RU" smtClean="0"/>
+              <a:rPr lang="ru-RU"/>
               <a:t>Образец заголовка</a:t>
             </a:r>
             <a:endParaRPr lang="en-US" dirty="0"/>
@@ -1380,7 +1380,7 @@
           <a:p>
             <a:pPr lvl="0"/>
             <a:r>
-              <a:rPr lang="ru-RU" smtClean="0"/>
+              <a:rPr lang="ru-RU"/>
               <a:t>Образец текста</a:t>
             </a:r>
           </a:p>
@@ -1403,7 +1403,7 @@
           <a:p>
             <a:fld id="{D43ACA65-1DF0-4542-9513-2573006F2B09}" type="datetime1">
               <a:rPr lang="ru-RU" smtClean="0"/>
-              <a:t>12.06.2019</a:t>
+              <a:t>21.06.2019</a:t>
             </a:fld>
             <a:endParaRPr lang="ru-RU"/>
           </a:p>
@@ -1497,7 +1497,7 @@
           <a:lstStyle/>
           <a:p>
             <a:r>
-              <a:rPr lang="ru-RU" smtClean="0"/>
+              <a:rPr lang="ru-RU"/>
               <a:t>Образец заголовка</a:t>
             </a:r>
             <a:endParaRPr lang="en-US" dirty="0"/>
@@ -1526,35 +1526,35 @@
           <a:p>
             <a:pPr lvl="0"/>
             <a:r>
-              <a:rPr lang="ru-RU" smtClean="0"/>
+              <a:rPr lang="ru-RU"/>
               <a:t>Образец текста</a:t>
             </a:r>
           </a:p>
           <a:p>
             <a:pPr lvl="1"/>
             <a:r>
-              <a:rPr lang="ru-RU" smtClean="0"/>
+              <a:rPr lang="ru-RU"/>
               <a:t>Второй уровень</a:t>
             </a:r>
           </a:p>
           <a:p>
             <a:pPr lvl="2"/>
             <a:r>
-              <a:rPr lang="ru-RU" smtClean="0"/>
+              <a:rPr lang="ru-RU"/>
               <a:t>Третий уровень</a:t>
             </a:r>
           </a:p>
           <a:p>
             <a:pPr lvl="3"/>
             <a:r>
-              <a:rPr lang="ru-RU" smtClean="0"/>
+              <a:rPr lang="ru-RU"/>
               <a:t>Четвертый уровень</a:t>
             </a:r>
           </a:p>
           <a:p>
             <a:pPr lvl="4"/>
             <a:r>
-              <a:rPr lang="ru-RU" smtClean="0"/>
+              <a:rPr lang="ru-RU"/>
               <a:t>Пятый уровень</a:t>
             </a:r>
             <a:endParaRPr lang="en-US" dirty="0"/>
@@ -1583,35 +1583,35 @@
           <a:p>
             <a:pPr lvl="0"/>
             <a:r>
-              <a:rPr lang="ru-RU" smtClean="0"/>
+              <a:rPr lang="ru-RU"/>
               <a:t>Образец текста</a:t>
             </a:r>
           </a:p>
           <a:p>
             <a:pPr lvl="1"/>
             <a:r>
-              <a:rPr lang="ru-RU" smtClean="0"/>
+              <a:rPr lang="ru-RU"/>
               <a:t>Второй уровень</a:t>
             </a:r>
           </a:p>
           <a:p>
             <a:pPr lvl="2"/>
             <a:r>
-              <a:rPr lang="ru-RU" smtClean="0"/>
+              <a:rPr lang="ru-RU"/>
               <a:t>Третий уровень</a:t>
             </a:r>
           </a:p>
           <a:p>
             <a:pPr lvl="3"/>
             <a:r>
-              <a:rPr lang="ru-RU" smtClean="0"/>
+              <a:rPr lang="ru-RU"/>
               <a:t>Четвертый уровень</a:t>
             </a:r>
           </a:p>
           <a:p>
             <a:pPr lvl="4"/>
             <a:r>
-              <a:rPr lang="ru-RU" smtClean="0"/>
+              <a:rPr lang="ru-RU"/>
               <a:t>Пятый уровень</a:t>
             </a:r>
             <a:endParaRPr lang="en-US" dirty="0"/>
@@ -1635,7 +1635,7 @@
           <a:p>
             <a:fld id="{CE5D4F0D-BE92-42E2-AC19-D4AE919B8EEA}" type="datetime1">
               <a:rPr lang="ru-RU" smtClean="0"/>
-              <a:t>12.06.2019</a:t>
+              <a:t>21.06.2019</a:t>
             </a:fld>
             <a:endParaRPr lang="ru-RU"/>
           </a:p>
@@ -1734,7 +1734,7 @@
           <a:lstStyle/>
           <a:p>
             <a:r>
-              <a:rPr lang="ru-RU" smtClean="0"/>
+              <a:rPr lang="ru-RU"/>
               <a:t>Образец заголовка</a:t>
             </a:r>
             <a:endParaRPr lang="en-US" dirty="0"/>
@@ -1800,7 +1800,7 @@
           <a:p>
             <a:pPr lvl="0"/>
             <a:r>
-              <a:rPr lang="ru-RU" smtClean="0"/>
+              <a:rPr lang="ru-RU"/>
               <a:t>Образец текста</a:t>
             </a:r>
           </a:p>
@@ -1828,35 +1828,35 @@
           <a:p>
             <a:pPr lvl="0"/>
             <a:r>
-              <a:rPr lang="ru-RU" smtClean="0"/>
+              <a:rPr lang="ru-RU"/>
               <a:t>Образец текста</a:t>
             </a:r>
           </a:p>
           <a:p>
             <a:pPr lvl="1"/>
             <a:r>
-              <a:rPr lang="ru-RU" smtClean="0"/>
+              <a:rPr lang="ru-RU"/>
               <a:t>Второй уровень</a:t>
             </a:r>
           </a:p>
           <a:p>
             <a:pPr lvl="2"/>
             <a:r>
-              <a:rPr lang="ru-RU" smtClean="0"/>
+              <a:rPr lang="ru-RU"/>
               <a:t>Третий уровень</a:t>
             </a:r>
           </a:p>
           <a:p>
             <a:pPr lvl="3"/>
             <a:r>
-              <a:rPr lang="ru-RU" smtClean="0"/>
+              <a:rPr lang="ru-RU"/>
               <a:t>Четвертый уровень</a:t>
             </a:r>
           </a:p>
           <a:p>
             <a:pPr lvl="4"/>
             <a:r>
-              <a:rPr lang="ru-RU" smtClean="0"/>
+              <a:rPr lang="ru-RU"/>
               <a:t>Пятый уровень</a:t>
             </a:r>
             <a:endParaRPr lang="en-US" dirty="0"/>
@@ -1922,7 +1922,7 @@
           <a:p>
             <a:pPr lvl="0"/>
             <a:r>
-              <a:rPr lang="ru-RU" smtClean="0"/>
+              <a:rPr lang="ru-RU"/>
               <a:t>Образец текста</a:t>
             </a:r>
           </a:p>
@@ -1950,35 +1950,35 @@
           <a:p>
             <a:pPr lvl="0"/>
             <a:r>
-              <a:rPr lang="ru-RU" smtClean="0"/>
+              <a:rPr lang="ru-RU"/>
               <a:t>Образец текста</a:t>
             </a:r>
           </a:p>
           <a:p>
             <a:pPr lvl="1"/>
             <a:r>
-              <a:rPr lang="ru-RU" smtClean="0"/>
+              <a:rPr lang="ru-RU"/>
               <a:t>Второй уровень</a:t>
             </a:r>
           </a:p>
           <a:p>
             <a:pPr lvl="2"/>
             <a:r>
-              <a:rPr lang="ru-RU" smtClean="0"/>
+              <a:rPr lang="ru-RU"/>
               <a:t>Третий уровень</a:t>
             </a:r>
           </a:p>
           <a:p>
             <a:pPr lvl="3"/>
             <a:r>
-              <a:rPr lang="ru-RU" smtClean="0"/>
+              <a:rPr lang="ru-RU"/>
               <a:t>Четвертый уровень</a:t>
             </a:r>
           </a:p>
           <a:p>
             <a:pPr lvl="4"/>
             <a:r>
-              <a:rPr lang="ru-RU" smtClean="0"/>
+              <a:rPr lang="ru-RU"/>
               <a:t>Пятый уровень</a:t>
             </a:r>
             <a:endParaRPr lang="en-US" dirty="0"/>
@@ -2002,7 +2002,7 @@
           <a:p>
             <a:fld id="{31712A4F-404C-4E2A-B048-29FEE1F56BCC}" type="datetime1">
               <a:rPr lang="ru-RU" smtClean="0"/>
-              <a:t>12.06.2019</a:t>
+              <a:t>21.06.2019</a:t>
             </a:fld>
             <a:endParaRPr lang="ru-RU"/>
           </a:p>
@@ -2096,7 +2096,7 @@
           <a:lstStyle/>
           <a:p>
             <a:r>
-              <a:rPr lang="ru-RU" smtClean="0"/>
+              <a:rPr lang="ru-RU"/>
               <a:t>Образец заголовка</a:t>
             </a:r>
             <a:endParaRPr lang="en-US" dirty="0"/>
@@ -2120,7 +2120,7 @@
           <a:p>
             <a:fld id="{A591E32F-21C9-4A73-9D8C-CB8422C8AD99}" type="datetime1">
               <a:rPr lang="ru-RU" smtClean="0"/>
-              <a:t>12.06.2019</a:t>
+              <a:t>21.06.2019</a:t>
             </a:fld>
             <a:endParaRPr lang="ru-RU"/>
           </a:p>
@@ -2215,7 +2215,7 @@
           <a:p>
             <a:fld id="{E8BE7035-4758-4463-AF71-B436150BF40F}" type="datetime1">
               <a:rPr lang="ru-RU" smtClean="0"/>
-              <a:t>12.06.2019</a:t>
+              <a:t>21.06.2019</a:t>
             </a:fld>
             <a:endParaRPr lang="ru-RU"/>
           </a:p>
@@ -2318,7 +2318,7 @@
           </a:lstStyle>
           <a:p>
             <a:r>
-              <a:rPr lang="ru-RU" smtClean="0"/>
+              <a:rPr lang="ru-RU"/>
               <a:t>Образец заголовка</a:t>
             </a:r>
             <a:endParaRPr lang="en-US" dirty="0"/>
@@ -2375,35 +2375,35 @@
           <a:p>
             <a:pPr lvl="0"/>
             <a:r>
-              <a:rPr lang="ru-RU" smtClean="0"/>
+              <a:rPr lang="ru-RU"/>
               <a:t>Образец текста</a:t>
             </a:r>
           </a:p>
           <a:p>
             <a:pPr lvl="1"/>
             <a:r>
-              <a:rPr lang="ru-RU" smtClean="0"/>
+              <a:rPr lang="ru-RU"/>
               <a:t>Второй уровень</a:t>
             </a:r>
           </a:p>
           <a:p>
             <a:pPr lvl="2"/>
             <a:r>
-              <a:rPr lang="ru-RU" smtClean="0"/>
+              <a:rPr lang="ru-RU"/>
               <a:t>Третий уровень</a:t>
             </a:r>
           </a:p>
           <a:p>
             <a:pPr lvl="3"/>
             <a:r>
-              <a:rPr lang="ru-RU" smtClean="0"/>
+              <a:rPr lang="ru-RU"/>
               <a:t>Четвертый уровень</a:t>
             </a:r>
           </a:p>
           <a:p>
             <a:pPr lvl="4"/>
             <a:r>
-              <a:rPr lang="ru-RU" smtClean="0"/>
+              <a:rPr lang="ru-RU"/>
               <a:t>Пятый уровень</a:t>
             </a:r>
             <a:endParaRPr lang="en-US" dirty="0"/>
@@ -2469,7 +2469,7 @@
           <a:p>
             <a:pPr lvl="0"/>
             <a:r>
-              <a:rPr lang="ru-RU" smtClean="0"/>
+              <a:rPr lang="ru-RU"/>
               <a:t>Образец текста</a:t>
             </a:r>
           </a:p>
@@ -2492,7 +2492,7 @@
           <a:p>
             <a:fld id="{8BF22BB4-229E-48DC-A891-0BD3792CC568}" type="datetime1">
               <a:rPr lang="ru-RU" smtClean="0"/>
-              <a:t>12.06.2019</a:t>
+              <a:t>21.06.2019</a:t>
             </a:fld>
             <a:endParaRPr lang="ru-RU"/>
           </a:p>
@@ -2595,7 +2595,7 @@
           </a:lstStyle>
           <a:p>
             <a:r>
-              <a:rPr lang="ru-RU" smtClean="0"/>
+              <a:rPr lang="ru-RU"/>
               <a:t>Образец заголовка</a:t>
             </a:r>
             <a:endParaRPr lang="en-US" dirty="0"/>
@@ -2660,7 +2660,7 @@
           </a:lstStyle>
           <a:p>
             <a:r>
-              <a:rPr lang="ru-RU" smtClean="0"/>
+              <a:rPr lang="ru-RU"/>
               <a:t>Вставка рисунка</a:t>
             </a:r>
             <a:endParaRPr lang="en-US" dirty="0"/>
@@ -2726,7 +2726,7 @@
           <a:p>
             <a:pPr lvl="0"/>
             <a:r>
-              <a:rPr lang="ru-RU" smtClean="0"/>
+              <a:rPr lang="ru-RU"/>
               <a:t>Образец текста</a:t>
             </a:r>
           </a:p>
@@ -2749,7 +2749,7 @@
           <a:p>
             <a:fld id="{B32F65DE-1A63-4DFF-816D-2C4DB2F0AABF}" type="datetime1">
               <a:rPr lang="ru-RU" smtClean="0"/>
-              <a:t>12.06.2019</a:t>
+              <a:t>21.06.2019</a:t>
             </a:fld>
             <a:endParaRPr lang="ru-RU"/>
           </a:p>
@@ -2858,7 +2858,7 @@
           <a:lstStyle/>
           <a:p>
             <a:r>
-              <a:rPr lang="ru-RU" smtClean="0"/>
+              <a:rPr lang="ru-RU"/>
               <a:t>Образец заголовка</a:t>
             </a:r>
             <a:endParaRPr lang="en-US" dirty="0"/>
@@ -2892,35 +2892,35 @@
           <a:p>
             <a:pPr lvl="0"/>
             <a:r>
-              <a:rPr lang="ru-RU" smtClean="0"/>
+              <a:rPr lang="ru-RU"/>
               <a:t>Образец текста</a:t>
             </a:r>
           </a:p>
           <a:p>
             <a:pPr lvl="1"/>
             <a:r>
-              <a:rPr lang="ru-RU" smtClean="0"/>
+              <a:rPr lang="ru-RU"/>
               <a:t>Второй уровень</a:t>
             </a:r>
           </a:p>
           <a:p>
             <a:pPr lvl="2"/>
             <a:r>
-              <a:rPr lang="ru-RU" smtClean="0"/>
+              <a:rPr lang="ru-RU"/>
               <a:t>Третий уровень</a:t>
             </a:r>
           </a:p>
           <a:p>
             <a:pPr lvl="3"/>
             <a:r>
-              <a:rPr lang="ru-RU" smtClean="0"/>
+              <a:rPr lang="ru-RU"/>
               <a:t>Четвертый уровень</a:t>
             </a:r>
           </a:p>
           <a:p>
             <a:pPr lvl="4"/>
             <a:r>
-              <a:rPr lang="ru-RU" smtClean="0"/>
+              <a:rPr lang="ru-RU"/>
               <a:t>Пятый уровень</a:t>
             </a:r>
             <a:endParaRPr lang="en-US" dirty="0"/>
@@ -2962,7 +2962,7 @@
           <a:p>
             <a:fld id="{58F37F58-E97F-4EAB-9CA9-C9A7312871A5}" type="datetime1">
               <a:rPr lang="ru-RU" smtClean="0"/>
-              <a:t>12.06.2019</a:t>
+              <a:t>21.06.2019</a:t>
             </a:fld>
             <a:endParaRPr lang="ru-RU"/>
           </a:p>
@@ -3390,7 +3390,7 @@
           <a:p>
             <a:pPr algn="ctr"/>
             <a:r>
-              <a:rPr lang="en-US" b="1" dirty="0" smtClean="0">
+              <a:rPr lang="en-US" b="1" dirty="0">
                 <a:solidFill>
                   <a:srgbClr val="00B0F0"/>
                 </a:solidFill>
@@ -3448,23 +3448,23 @@
           <a:p>
             <a:pPr algn="ctr"/>
             <a:r>
-              <a:rPr lang="en-US" sz="1800" b="1" dirty="0" smtClean="0"/>
+              <a:rPr lang="en-US" sz="1800" b="1" dirty="0"/>
               <a:t>Developed by </a:t>
             </a:r>
             <a:r>
-              <a:rPr lang="en-US" sz="1800" b="1" dirty="0" err="1" smtClean="0"/>
+              <a:rPr lang="en-US" sz="1800" b="1" dirty="0" err="1"/>
               <a:t>Demyd</a:t>
             </a:r>
             <a:r>
-              <a:rPr lang="en-US" sz="1800" b="1" dirty="0" smtClean="0"/>
+              <a:rPr lang="en-US" sz="1800" b="1" dirty="0"/>
               <a:t> </a:t>
             </a:r>
             <a:r>
-              <a:rPr lang="en-US" sz="1800" b="1" dirty="0" err="1" smtClean="0"/>
+              <a:rPr lang="en-US" sz="1800" b="1" dirty="0" err="1"/>
               <a:t>Dzyuban</a:t>
             </a:r>
             <a:r>
-              <a:rPr lang="en-US" sz="1800" b="1" dirty="0" smtClean="0"/>
+              <a:rPr lang="en-US" sz="1800" b="1" dirty="0"/>
               <a:t> @June 2019 (draft)</a:t>
             </a:r>
             <a:endParaRPr lang="ru-RU" sz="1800" b="1" dirty="0"/>
@@ -3481,13 +3481,6 @@
   <p:clrMapOvr>
     <a:masterClrMapping/>
   </p:clrMapOvr>
-  <p:timing>
-    <p:tnLst>
-      <p:par>
-        <p:cTn id="1" dur="indefinite" restart="never" nodeType="tmRoot"/>
-      </p:par>
-    </p:tnLst>
-  </p:timing>
 </p:sld>
 </file>
 
@@ -3533,7 +3526,7 @@
       </p:sp>
       <p:sp>
         <p:nvSpPr>
-          <p:cNvPr id="5" name="Заголовок 1"/>
+          <p:cNvPr id="11" name="Заголовок 1"/>
           <p:cNvSpPr>
             <a:spLocks noGrp="1"/>
           </p:cNvSpPr>
@@ -3555,12 +3548,12 @@
           <a:p>
             <a:pPr algn="ctr"/>
             <a:r>
-              <a:rPr lang="en-US" sz="2400" b="1" dirty="0" smtClean="0">
+              <a:rPr lang="en-US" sz="2400" b="1" dirty="0">
                 <a:solidFill>
                   <a:srgbClr val="00B0F0"/>
                 </a:solidFill>
               </a:rPr>
-              <a:t>Box-and-whisky plot</a:t>
+              <a:t>Quantiles</a:t>
             </a:r>
             <a:endParaRPr lang="ru-RU" sz="2400" b="1" dirty="0">
               <a:solidFill>
@@ -3572,7 +3565,7 @@
       </p:sp>
       <p:pic>
         <p:nvPicPr>
-          <p:cNvPr id="6" name="Рисунок 5"/>
+          <p:cNvPr id="12" name="Рисунок 11"/>
           <p:cNvPicPr>
             <a:picLocks noChangeAspect="1"/>
           </p:cNvPicPr>
@@ -3586,8 +3579,8 @@
         </p:blipFill>
         <p:spPr>
           <a:xfrm>
-            <a:off x="2720707" y="787651"/>
-            <a:ext cx="3286125" cy="3486150"/>
+            <a:off x="3673444" y="1224104"/>
+            <a:ext cx="5298542" cy="3060426"/>
           </a:xfrm>
           <a:prstGeom prst="rect">
             <a:avLst/>
@@ -3596,39 +3589,98 @@
       </p:pic>
       <p:sp>
         <p:nvSpPr>
-          <p:cNvPr id="7" name="Прямоугольник 6"/>
-          <p:cNvSpPr/>
+          <p:cNvPr id="13" name="TextBox 12"/>
+          <p:cNvSpPr txBox="1"/>
           <p:nvPr/>
         </p:nvSpPr>
         <p:spPr>
           <a:xfrm>
-            <a:off x="1923860" y="4326994"/>
-            <a:ext cx="5853065" cy="369332"/>
+            <a:off x="421049" y="869133"/>
+            <a:ext cx="3069000" cy="369332"/>
           </a:xfrm>
           <a:prstGeom prst="rect">
             <a:avLst/>
           </a:prstGeom>
-        </p:spPr>
-        <p:txBody>
-          <a:bodyPr wrap="square">
+          <a:noFill/>
+        </p:spPr>
+        <p:txBody>
+          <a:bodyPr wrap="square" rtlCol="0">
             <a:spAutoFit/>
           </a:bodyPr>
           <a:lstStyle/>
           <a:p>
             <a:r>
               <a:rPr lang="en-US" dirty="0">
-                <a:hlinkClick r:id="rId3"/>
+                <a:solidFill>
+                  <a:srgbClr val="92D050"/>
+                </a:solidFill>
               </a:rPr>
-              <a:t>https://datavizcatalogue.com/methods/box_plot.html</a:t>
-            </a:r>
-            <a:endParaRPr lang="ru-RU" dirty="0"/>
-          </a:p>
-        </p:txBody>
-      </p:sp>
+              <a:t>Statistics</a:t>
+            </a:r>
+          </a:p>
+        </p:txBody>
+      </p:sp>
+      <p:sp>
+        <p:nvSpPr>
+          <p:cNvPr id="14" name="TextBox 13"/>
+          <p:cNvSpPr txBox="1"/>
+          <p:nvPr/>
+        </p:nvSpPr>
+        <p:spPr>
+          <a:xfrm>
+            <a:off x="3672973" y="821211"/>
+            <a:ext cx="3069000" cy="369332"/>
+          </a:xfrm>
+          <a:prstGeom prst="rect">
+            <a:avLst/>
+          </a:prstGeom>
+          <a:noFill/>
+        </p:spPr>
+        <p:txBody>
+          <a:bodyPr wrap="square" rtlCol="0">
+            <a:spAutoFit/>
+          </a:bodyPr>
+          <a:lstStyle/>
+          <a:p>
+            <a:r>
+              <a:rPr lang="en-US" dirty="0">
+                <a:solidFill>
+                  <a:srgbClr val="92D050"/>
+                </a:solidFill>
+              </a:rPr>
+              <a:t>Probability Distribution</a:t>
+            </a:r>
+          </a:p>
+        </p:txBody>
+      </p:sp>
+      <p:pic>
+        <p:nvPicPr>
+          <p:cNvPr id="2" name="Рисунок 1"/>
+          <p:cNvPicPr>
+            <a:picLocks noChangeAspect="1"/>
+          </p:cNvPicPr>
+          <p:nvPr/>
+        </p:nvPicPr>
+        <p:blipFill>
+          <a:blip r:embed="rId3"/>
+          <a:stretch>
+            <a:fillRect/>
+          </a:stretch>
+        </p:blipFill>
+        <p:spPr>
+          <a:xfrm>
+            <a:off x="330514" y="1224104"/>
+            <a:ext cx="3069000" cy="4041000"/>
+          </a:xfrm>
+          <a:prstGeom prst="rect">
+            <a:avLst/>
+          </a:prstGeom>
+        </p:spPr>
+      </p:pic>
     </p:spTree>
     <p:extLst>
       <p:ext uri="{BB962C8B-B14F-4D97-AF65-F5344CB8AC3E}">
-        <p14:creationId xmlns:p14="http://schemas.microsoft.com/office/powerpoint/2010/main" val="1071414632"/>
+        <p14:creationId xmlns:p14="http://schemas.microsoft.com/office/powerpoint/2010/main" val="436948135"/>
       </p:ext>
     </p:extLst>
   </p:cSld>
@@ -3707,7 +3759,7 @@
                   <a:srgbClr val="00B0F0"/>
                 </a:solidFill>
               </a:rPr>
-              <a:t>Impact of Grouping Towards Mean and Variance</a:t>
+              <a:t>Box-and-whisky plot</a:t>
             </a:r>
             <a:endParaRPr lang="ru-RU" sz="2400" b="1" dirty="0">
               <a:solidFill>
@@ -3733,8 +3785,8 @@
         </p:blipFill>
         <p:spPr>
           <a:xfrm>
-            <a:off x="1975500" y="1122870"/>
-            <a:ext cx="5193000" cy="2367000"/>
+            <a:off x="2720707" y="787651"/>
+            <a:ext cx="3286125" cy="3486150"/>
           </a:xfrm>
           <a:prstGeom prst="rect">
             <a:avLst/>
@@ -3743,68 +3795,30 @@
       </p:pic>
       <p:sp>
         <p:nvSpPr>
-          <p:cNvPr id="7" name="TextBox 6"/>
-          <p:cNvSpPr txBox="1"/>
+          <p:cNvPr id="7" name="Прямоугольник 6"/>
+          <p:cNvSpPr/>
           <p:nvPr/>
         </p:nvSpPr>
         <p:spPr>
           <a:xfrm>
-            <a:off x="506994" y="3802455"/>
-            <a:ext cx="8130012" cy="1754326"/>
+            <a:off x="1923860" y="4326994"/>
+            <a:ext cx="5853065" cy="369332"/>
           </a:xfrm>
           <a:prstGeom prst="rect">
             <a:avLst/>
           </a:prstGeom>
-          <a:noFill/>
-        </p:spPr>
-        <p:txBody>
-          <a:bodyPr wrap="square" rtlCol="0">
+        </p:spPr>
+        <p:txBody>
+          <a:bodyPr wrap="square">
             <a:spAutoFit/>
           </a:bodyPr>
           <a:lstStyle/>
           <a:p>
-            <a:pPr algn="just"/>
-            <a:r>
-              <a:rPr lang="en-US" dirty="0" smtClean="0"/>
-              <a:t>It </a:t>
-            </a:r>
-            <a:r>
-              <a:rPr lang="en-US" b="1" dirty="0" smtClean="0"/>
-              <a:t>is strongly </a:t>
-            </a:r>
-            <a:r>
-              <a:rPr lang="en-US" dirty="0" smtClean="0"/>
-              <a:t>recommended to investigate subgrouping in the entire data set.</a:t>
-            </a:r>
-          </a:p>
-          <a:p>
-            <a:pPr algn="just"/>
-            <a:endParaRPr lang="en-US" dirty="0"/>
-          </a:p>
-          <a:p>
-            <a:pPr algn="just"/>
-            <a:r>
-              <a:rPr lang="en-US" dirty="0" smtClean="0"/>
-              <a:t>The example above proves the variable “AMT_CREDIT_USD” could comprise two different sub samples because of </a:t>
-            </a:r>
-            <a:r>
-              <a:rPr lang="en-US" b="1" dirty="0" smtClean="0"/>
-              <a:t>material </a:t>
-            </a:r>
-            <a:r>
-              <a:rPr lang="en-US" dirty="0" smtClean="0"/>
-              <a:t>difference of Mean.</a:t>
-            </a:r>
-          </a:p>
-          <a:p>
-            <a:pPr algn="just"/>
-            <a:endParaRPr lang="en-US" dirty="0"/>
-          </a:p>
-          <a:p>
-            <a:pPr algn="just"/>
-            <a:r>
-              <a:rPr lang="en-US" dirty="0" smtClean="0"/>
-              <a:t>The same approach is recommended to use about Variance analysis for subgroups.</a:t>
+            <a:r>
+              <a:rPr lang="en-US" dirty="0">
+                <a:hlinkClick r:id="rId3"/>
+              </a:rPr>
+              <a:t>https://datavizcatalogue.com/methods/box_plot.html</a:t>
             </a:r>
             <a:endParaRPr lang="ru-RU" dirty="0"/>
           </a:p>
@@ -3813,7 +3827,7 @@
     </p:spTree>
     <p:extLst>
       <p:ext uri="{BB962C8B-B14F-4D97-AF65-F5344CB8AC3E}">
-        <p14:creationId xmlns:p14="http://schemas.microsoft.com/office/powerpoint/2010/main" val="787667936"/>
+        <p14:creationId xmlns:p14="http://schemas.microsoft.com/office/powerpoint/2010/main" val="1071414632"/>
       </p:ext>
     </p:extLst>
   </p:cSld>
@@ -3842,7 +3856,30 @@
       </p:grpSpPr>
       <p:sp>
         <p:nvSpPr>
-          <p:cNvPr id="2" name="Заголовок 1"/>
+          <p:cNvPr id="4" name="Номер слайда 3"/>
+          <p:cNvSpPr>
+            <a:spLocks noGrp="1"/>
+          </p:cNvSpPr>
+          <p:nvPr>
+            <p:ph type="sldNum" sz="quarter" idx="12"/>
+          </p:nvPr>
+        </p:nvSpPr>
+        <p:spPr/>
+        <p:txBody>
+          <a:bodyPr/>
+          <a:lstStyle/>
+          <a:p>
+            <a:fld id="{C936BD1D-689F-4FB2-8C94-2D2423F07E62}" type="slidenum">
+              <a:rPr lang="ru-RU" smtClean="0"/>
+              <a:t>12</a:t>
+            </a:fld>
+            <a:endParaRPr lang="ru-RU"/>
+          </a:p>
+        </p:txBody>
+      </p:sp>
+      <p:sp>
+        <p:nvSpPr>
+          <p:cNvPr id="5" name="Заголовок 1"/>
           <p:cNvSpPr>
             <a:spLocks noGrp="1"/>
           </p:cNvSpPr>
@@ -3852,8 +3889,8 @@
         </p:nvSpPr>
         <p:spPr>
           <a:xfrm>
-            <a:off x="628650" y="365127"/>
-            <a:ext cx="7886700" cy="476846"/>
+            <a:off x="628650" y="365126"/>
+            <a:ext cx="7886700" cy="422525"/>
           </a:xfrm>
         </p:spPr>
         <p:txBody>
@@ -3869,7 +3906,7 @@
                   <a:srgbClr val="00B0F0"/>
                 </a:solidFill>
               </a:rPr>
-              <a:t>Variance (Measures of deviation)</a:t>
+              <a:t>Impact of Grouping Towards Mean and Variance</a:t>
             </a:r>
             <a:endParaRPr lang="ru-RU" sz="2400" b="1" dirty="0">
               <a:solidFill>
@@ -3879,78 +3916,24 @@
           </a:p>
         </p:txBody>
       </p:sp>
-      <p:sp>
-        <p:nvSpPr>
-          <p:cNvPr id="4" name="Номер слайда 3"/>
-          <p:cNvSpPr>
-            <a:spLocks noGrp="1"/>
-          </p:cNvSpPr>
-          <p:nvPr>
-            <p:ph type="sldNum" sz="quarter" idx="12"/>
-          </p:nvPr>
-        </p:nvSpPr>
-        <p:spPr/>
-        <p:txBody>
-          <a:bodyPr/>
-          <a:lstStyle/>
-          <a:p>
-            <a:fld id="{C936BD1D-689F-4FB2-8C94-2D2423F07E62}" type="slidenum">
-              <a:rPr lang="ru-RU" smtClean="0"/>
-              <a:t>12</a:t>
-            </a:fld>
-            <a:endParaRPr lang="ru-RU"/>
-          </a:p>
-        </p:txBody>
-      </p:sp>
-      <p:sp>
-        <p:nvSpPr>
-          <p:cNvPr id="7" name="Прямоугольник 6"/>
-          <p:cNvSpPr/>
-          <p:nvPr/>
-        </p:nvSpPr>
-        <p:spPr>
-          <a:xfrm>
-            <a:off x="3074012" y="2737369"/>
-            <a:ext cx="5690103" cy="369332"/>
-          </a:xfrm>
-          <a:prstGeom prst="rect">
-            <a:avLst/>
-          </a:prstGeom>
-        </p:spPr>
-        <p:txBody>
-          <a:bodyPr wrap="square">
-            <a:spAutoFit/>
-          </a:bodyPr>
-          <a:lstStyle/>
-          <a:p>
-            <a:r>
-              <a:rPr lang="en-US" dirty="0">
-                <a:hlinkClick r:id="rId2"/>
-              </a:rPr>
-              <a:t>https://en.wikipedia.org/wiki/Average_absolute_deviation</a:t>
-            </a:r>
-            <a:endParaRPr lang="ru-RU" dirty="0"/>
-          </a:p>
-        </p:txBody>
-      </p:sp>
       <p:pic>
         <p:nvPicPr>
-          <p:cNvPr id="8" name="Рисунок 7"/>
+          <p:cNvPr id="6" name="Рисунок 5"/>
           <p:cNvPicPr>
             <a:picLocks noChangeAspect="1"/>
           </p:cNvPicPr>
           <p:nvPr/>
         </p:nvPicPr>
         <p:blipFill>
-          <a:blip r:embed="rId3"/>
+          <a:blip r:embed="rId2"/>
           <a:stretch>
             <a:fillRect/>
           </a:stretch>
         </p:blipFill>
         <p:spPr>
           <a:xfrm>
-            <a:off x="968428" y="2598907"/>
-            <a:ext cx="1890085" cy="657421"/>
+            <a:off x="1975500" y="1122870"/>
+            <a:ext cx="5193000" cy="2367000"/>
           </a:xfrm>
           <a:prstGeom prst="rect">
             <a:avLst/>
@@ -3959,119 +3942,14 @@
       </p:pic>
       <p:sp>
         <p:nvSpPr>
-          <p:cNvPr id="10" name="Прямоугольник 9"/>
-          <p:cNvSpPr/>
-          <p:nvPr/>
-        </p:nvSpPr>
-        <p:spPr>
-          <a:xfrm>
-            <a:off x="374760" y="1135165"/>
-            <a:ext cx="5075426" cy="369332"/>
-          </a:xfrm>
-          <a:prstGeom prst="rect">
-            <a:avLst/>
-          </a:prstGeom>
-        </p:spPr>
-        <p:txBody>
-          <a:bodyPr wrap="square">
-            <a:spAutoFit/>
-          </a:bodyPr>
-          <a:lstStyle/>
-          <a:p>
-            <a:r>
-              <a:rPr lang="en-US" dirty="0" smtClean="0">
-                <a:latin typeface="Minion Pro"/>
-              </a:rPr>
-              <a:t>Range (R) </a:t>
-            </a:r>
-            <a:r>
-              <a:rPr lang="en-US" dirty="0">
-                <a:latin typeface="Minion Pro"/>
-              </a:rPr>
-              <a:t>= Maximum value – Minimum value</a:t>
-            </a:r>
-            <a:endParaRPr lang="ru-RU" dirty="0"/>
-          </a:p>
-        </p:txBody>
-      </p:sp>
-      <p:sp>
-        <p:nvSpPr>
-          <p:cNvPr id="11" name="Прямоугольник 10"/>
-          <p:cNvSpPr/>
-          <p:nvPr/>
-        </p:nvSpPr>
-        <p:spPr>
-          <a:xfrm>
-            <a:off x="374760" y="1437427"/>
-            <a:ext cx="7496269" cy="369332"/>
-          </a:xfrm>
-          <a:prstGeom prst="rect">
-            <a:avLst/>
-          </a:prstGeom>
-        </p:spPr>
-        <p:txBody>
-          <a:bodyPr wrap="square">
-            <a:spAutoFit/>
-          </a:bodyPr>
-          <a:lstStyle/>
-          <a:p>
-            <a:r>
-              <a:rPr lang="en-US" dirty="0">
-                <a:hlinkClick r:id="rId4"/>
-              </a:rPr>
-              <a:t>https://www.toppr.com/guides/maths/statistics/range-and-mean-deviation/</a:t>
-            </a:r>
-            <a:endParaRPr lang="ru-RU" dirty="0"/>
-          </a:p>
-        </p:txBody>
-      </p:sp>
-      <p:sp>
-        <p:nvSpPr>
-          <p:cNvPr id="13" name="Прямоугольник 12"/>
-          <p:cNvSpPr/>
-          <p:nvPr/>
-        </p:nvSpPr>
-        <p:spPr>
-          <a:xfrm>
-            <a:off x="389281" y="2737369"/>
-            <a:ext cx="622630" cy="369332"/>
-          </a:xfrm>
-          <a:prstGeom prst="rect">
-            <a:avLst/>
-          </a:prstGeom>
-        </p:spPr>
-        <p:txBody>
-          <a:bodyPr wrap="square">
-            <a:spAutoFit/>
-          </a:bodyPr>
-          <a:lstStyle/>
-          <a:p>
-            <a:r>
-              <a:rPr lang="en-US" dirty="0">
-                <a:latin typeface="Minion Pro"/>
-              </a:rPr>
-              <a:t>d</a:t>
-            </a:r>
-            <a:r>
-              <a:rPr lang="en-US" dirty="0" smtClean="0">
-                <a:latin typeface="Minion Pro"/>
-              </a:rPr>
-              <a:t> = </a:t>
-            </a:r>
-            <a:endParaRPr lang="ru-RU" dirty="0"/>
-          </a:p>
-        </p:txBody>
-      </p:sp>
-      <p:sp>
-        <p:nvSpPr>
-          <p:cNvPr id="14" name="TextBox 13"/>
+          <p:cNvPr id="7" name="TextBox 6"/>
           <p:cNvSpPr txBox="1"/>
           <p:nvPr/>
         </p:nvSpPr>
         <p:spPr>
           <a:xfrm>
-            <a:off x="293640" y="2250441"/>
-            <a:ext cx="3956364" cy="369332"/>
+            <a:off x="506994" y="3802455"/>
+            <a:ext cx="8130012" cy="1754326"/>
           </a:xfrm>
           <a:prstGeom prst="rect">
             <a:avLst/>
@@ -4084,136 +3962,48 @@
           </a:bodyPr>
           <a:lstStyle/>
           <a:p>
+            <a:pPr algn="just"/>
+            <a:r>
+              <a:rPr lang="en-US" dirty="0"/>
+              <a:t>It </a:t>
+            </a:r>
             <a:r>
               <a:rPr lang="en-US" b="1" dirty="0"/>
-              <a:t>Average absolute </a:t>
-            </a:r>
-            <a:r>
-              <a:rPr lang="en-US" b="1" dirty="0" smtClean="0"/>
-              <a:t>deviation (d)</a:t>
-            </a:r>
-            <a:endParaRPr lang="en-US" b="1" dirty="0"/>
-          </a:p>
-        </p:txBody>
-      </p:sp>
-      <p:sp>
-        <p:nvSpPr>
-          <p:cNvPr id="15" name="TextBox 14"/>
-          <p:cNvSpPr txBox="1"/>
-          <p:nvPr/>
-        </p:nvSpPr>
-        <p:spPr>
-          <a:xfrm>
-            <a:off x="374759" y="795362"/>
-            <a:ext cx="1100955" cy="369332"/>
-          </a:xfrm>
-          <a:prstGeom prst="rect">
-            <a:avLst/>
-          </a:prstGeom>
-          <a:noFill/>
-        </p:spPr>
-        <p:txBody>
-          <a:bodyPr wrap="square" rtlCol="0">
-            <a:spAutoFit/>
-          </a:bodyPr>
-          <a:lstStyle/>
-          <a:p>
-            <a:r>
-              <a:rPr lang="en-US" b="1" dirty="0" smtClean="0"/>
-              <a:t>Range (R)</a:t>
-            </a:r>
-            <a:endParaRPr lang="ru-RU" b="1" dirty="0"/>
-          </a:p>
-        </p:txBody>
-      </p:sp>
-      <p:pic>
-        <p:nvPicPr>
-          <p:cNvPr id="19" name="Рисунок 18"/>
-          <p:cNvPicPr>
-            <a:picLocks noChangeAspect="1"/>
-          </p:cNvPicPr>
-          <p:nvPr/>
-        </p:nvPicPr>
-        <p:blipFill>
-          <a:blip r:embed="rId5"/>
-          <a:stretch>
-            <a:fillRect/>
-          </a:stretch>
-        </p:blipFill>
-        <p:spPr>
-          <a:xfrm>
-            <a:off x="293640" y="4027021"/>
-            <a:ext cx="3276600" cy="590550"/>
-          </a:xfrm>
-          <a:prstGeom prst="rect">
-            <a:avLst/>
-          </a:prstGeom>
-        </p:spPr>
-      </p:pic>
-      <p:sp>
-        <p:nvSpPr>
-          <p:cNvPr id="20" name="TextBox 19"/>
-          <p:cNvSpPr txBox="1"/>
-          <p:nvPr/>
-        </p:nvSpPr>
-        <p:spPr>
-          <a:xfrm>
-            <a:off x="293640" y="3644565"/>
-            <a:ext cx="3956364" cy="369332"/>
-          </a:xfrm>
-          <a:prstGeom prst="rect">
-            <a:avLst/>
-          </a:prstGeom>
-          <a:noFill/>
-        </p:spPr>
-        <p:txBody>
-          <a:bodyPr wrap="square" rtlCol="0">
-            <a:spAutoFit/>
-          </a:bodyPr>
-          <a:lstStyle/>
-          <a:p>
-            <a:r>
-              <a:rPr lang="en-US" b="1" dirty="0" smtClean="0"/>
-              <a:t>Standard deviation (</a:t>
-            </a:r>
-            <a:r>
-              <a:rPr lang="el-GR" b="1" dirty="0" smtClean="0"/>
-              <a:t>σ</a:t>
-            </a:r>
-            <a:r>
-              <a:rPr lang="en-US" b="1" dirty="0" smtClean="0"/>
-              <a:t>)</a:t>
-            </a:r>
-            <a:endParaRPr lang="en-US" b="1" dirty="0"/>
-          </a:p>
-        </p:txBody>
-      </p:sp>
-      <p:sp>
-        <p:nvSpPr>
-          <p:cNvPr id="21" name="Прямоугольник 20"/>
-          <p:cNvSpPr/>
-          <p:nvPr/>
-        </p:nvSpPr>
-        <p:spPr>
-          <a:xfrm>
-            <a:off x="3570240" y="4063573"/>
-            <a:ext cx="4945110" cy="369332"/>
-          </a:xfrm>
-          <a:prstGeom prst="rect">
-            <a:avLst/>
-          </a:prstGeom>
-        </p:spPr>
-        <p:txBody>
-          <a:bodyPr wrap="square">
-            <a:spAutoFit/>
-          </a:bodyPr>
-          <a:lstStyle/>
-          <a:p>
-            <a:r>
-              <a:rPr lang="en-US" dirty="0">
-                <a:hlinkClick r:id="rId6"/>
-              </a:rPr>
-              <a:t>https://en.wikipedia.org/wiki/Standard_deviation</a:t>
+              <a:t>is strongly </a:t>
+            </a:r>
+            <a:r>
+              <a:rPr lang="en-US" dirty="0"/>
+              <a:t>recommended to investigate subgrouping in the entire data set.</a:t>
+            </a:r>
+          </a:p>
+          <a:p>
+            <a:pPr algn="just"/>
+            <a:endParaRPr lang="en-US" dirty="0"/>
+          </a:p>
+          <a:p>
+            <a:pPr algn="just"/>
+            <a:r>
+              <a:rPr lang="en-US" dirty="0"/>
+              <a:t>The example above proves the variable “AMT_CREDIT_USD” could comprise two different sub samples because of </a:t>
+            </a:r>
+            <a:r>
+              <a:rPr lang="en-US" b="1" dirty="0"/>
+              <a:t>material </a:t>
+            </a:r>
+            <a:r>
+              <a:rPr lang="en-US" dirty="0"/>
+              <a:t>difference of Mean.</a:t>
+            </a:r>
+          </a:p>
+          <a:p>
+            <a:pPr algn="just"/>
+            <a:endParaRPr lang="en-US" dirty="0"/>
+          </a:p>
+          <a:p>
+            <a:pPr algn="just"/>
+            <a:r>
+              <a:rPr lang="en-US" dirty="0"/>
+              <a:t>The same approach is recommended to use about Variance analysis for subgroups.</a:t>
             </a:r>
             <a:endParaRPr lang="ru-RU" dirty="0"/>
           </a:p>
@@ -4222,20 +4012,13 @@
     </p:spTree>
     <p:extLst>
       <p:ext uri="{BB962C8B-B14F-4D97-AF65-F5344CB8AC3E}">
-        <p14:creationId xmlns:p14="http://schemas.microsoft.com/office/powerpoint/2010/main" val="2562255982"/>
+        <p14:creationId xmlns:p14="http://schemas.microsoft.com/office/powerpoint/2010/main" val="787667936"/>
       </p:ext>
     </p:extLst>
   </p:cSld>
   <p:clrMapOvr>
     <a:masterClrMapping/>
   </p:clrMapOvr>
-  <p:timing>
-    <p:tnLst>
-      <p:par>
-        <p:cTn id="1" dur="indefinite" restart="never" nodeType="tmRoot"/>
-      </p:par>
-    </p:tnLst>
-  </p:timing>
 </p:sld>
 </file>
 
@@ -4258,6 +4041,45 @@
       </p:grpSpPr>
       <p:sp>
         <p:nvSpPr>
+          <p:cNvPr id="2" name="Заголовок 1"/>
+          <p:cNvSpPr>
+            <a:spLocks noGrp="1"/>
+          </p:cNvSpPr>
+          <p:nvPr>
+            <p:ph type="title"/>
+          </p:nvPr>
+        </p:nvSpPr>
+        <p:spPr>
+          <a:xfrm>
+            <a:off x="628650" y="365127"/>
+            <a:ext cx="7886700" cy="476846"/>
+          </a:xfrm>
+        </p:spPr>
+        <p:txBody>
+          <a:bodyPr vert="horz" lIns="91440" tIns="45720" rIns="91440" bIns="45720" rtlCol="0" anchor="b">
+            <a:noAutofit/>
+          </a:bodyPr>
+          <a:lstStyle/>
+          <a:p>
+            <a:pPr algn="ctr"/>
+            <a:r>
+              <a:rPr lang="en-US" sz="2400" b="1" dirty="0">
+                <a:solidFill>
+                  <a:srgbClr val="00B0F0"/>
+                </a:solidFill>
+              </a:rPr>
+              <a:t>Variance (Measures of deviation)</a:t>
+            </a:r>
+            <a:endParaRPr lang="ru-RU" sz="2400" b="1" dirty="0">
+              <a:solidFill>
+                <a:srgbClr val="00B0F0"/>
+              </a:solidFill>
+            </a:endParaRPr>
+          </a:p>
+        </p:txBody>
+      </p:sp>
+      <p:sp>
+        <p:nvSpPr>
           <p:cNvPr id="4" name="Номер слайда 3"/>
           <p:cNvSpPr>
             <a:spLocks noGrp="1"/>
@@ -4281,79 +4103,307 @@
       </p:sp>
       <p:sp>
         <p:nvSpPr>
-          <p:cNvPr id="5" name="Заголовок 1"/>
-          <p:cNvSpPr>
-            <a:spLocks noGrp="1"/>
-          </p:cNvSpPr>
-          <p:nvPr>
-            <p:ph type="title"/>
-          </p:nvPr>
-        </p:nvSpPr>
-        <p:spPr>
-          <a:xfrm>
-            <a:off x="628650" y="365127"/>
-            <a:ext cx="7886700" cy="476846"/>
-          </a:xfrm>
-        </p:spPr>
-        <p:txBody>
-          <a:bodyPr vert="horz" lIns="91440" tIns="45720" rIns="91440" bIns="45720" rtlCol="0" anchor="b">
-            <a:noAutofit/>
+          <p:cNvPr id="7" name="Прямоугольник 6"/>
+          <p:cNvSpPr/>
+          <p:nvPr/>
+        </p:nvSpPr>
+        <p:spPr>
+          <a:xfrm>
+            <a:off x="3074012" y="2737369"/>
+            <a:ext cx="5690103" cy="369332"/>
+          </a:xfrm>
+          <a:prstGeom prst="rect">
+            <a:avLst/>
+          </a:prstGeom>
+        </p:spPr>
+        <p:txBody>
+          <a:bodyPr wrap="square">
+            <a:spAutoFit/>
           </a:bodyPr>
           <a:lstStyle/>
           <a:p>
-            <a:pPr algn="ctr"/>
-            <a:r>
-              <a:rPr lang="en-US" sz="2400" b="1" dirty="0">
-                <a:solidFill>
-                  <a:srgbClr val="00B0F0"/>
-                </a:solidFill>
+            <a:r>
+              <a:rPr lang="en-US" dirty="0">
+                <a:hlinkClick r:id="rId2"/>
               </a:rPr>
-              <a:t>Variance (Measures of deviation</a:t>
-            </a:r>
-            <a:r>
-              <a:rPr lang="en-US" sz="2400" b="1" dirty="0" smtClean="0">
-                <a:solidFill>
-                  <a:srgbClr val="00B0F0"/>
-                </a:solidFill>
-              </a:rPr>
-              <a:t>) – Part 2</a:t>
-            </a:r>
-            <a:endParaRPr lang="ru-RU" sz="2400" b="1" dirty="0">
-              <a:solidFill>
-                <a:srgbClr val="00B0F0"/>
-              </a:solidFill>
-            </a:endParaRPr>
+              <a:t>https://en.wikipedia.org/wiki/Average_absolute_deviation</a:t>
+            </a:r>
+            <a:endParaRPr lang="ru-RU" dirty="0"/>
           </a:p>
         </p:txBody>
       </p:sp>
       <p:pic>
         <p:nvPicPr>
-          <p:cNvPr id="3" name="Рисунок 2"/>
+          <p:cNvPr id="8" name="Рисунок 7"/>
           <p:cNvPicPr>
             <a:picLocks noChangeAspect="1"/>
           </p:cNvPicPr>
           <p:nvPr/>
         </p:nvPicPr>
         <p:blipFill>
-          <a:blip r:embed="rId2"/>
+          <a:blip r:embed="rId3"/>
           <a:stretch>
             <a:fillRect/>
           </a:stretch>
         </p:blipFill>
         <p:spPr>
           <a:xfrm>
-            <a:off x="1255500" y="1314000"/>
-            <a:ext cx="6633000" cy="4230000"/>
+            <a:off x="968428" y="2598907"/>
+            <a:ext cx="1890085" cy="657421"/>
           </a:xfrm>
           <a:prstGeom prst="rect">
             <a:avLst/>
           </a:prstGeom>
         </p:spPr>
       </p:pic>
+      <p:sp>
+        <p:nvSpPr>
+          <p:cNvPr id="10" name="Прямоугольник 9"/>
+          <p:cNvSpPr/>
+          <p:nvPr/>
+        </p:nvSpPr>
+        <p:spPr>
+          <a:xfrm>
+            <a:off x="374760" y="1135165"/>
+            <a:ext cx="5075426" cy="369332"/>
+          </a:xfrm>
+          <a:prstGeom prst="rect">
+            <a:avLst/>
+          </a:prstGeom>
+        </p:spPr>
+        <p:txBody>
+          <a:bodyPr wrap="square">
+            <a:spAutoFit/>
+          </a:bodyPr>
+          <a:lstStyle/>
+          <a:p>
+            <a:r>
+              <a:rPr lang="en-US" dirty="0">
+                <a:latin typeface="Minion Pro"/>
+              </a:rPr>
+              <a:t>Range (R) = Maximum value – Minimum value</a:t>
+            </a:r>
+            <a:endParaRPr lang="ru-RU" dirty="0"/>
+          </a:p>
+        </p:txBody>
+      </p:sp>
+      <p:sp>
+        <p:nvSpPr>
+          <p:cNvPr id="11" name="Прямоугольник 10"/>
+          <p:cNvSpPr/>
+          <p:nvPr/>
+        </p:nvSpPr>
+        <p:spPr>
+          <a:xfrm>
+            <a:off x="374760" y="1437427"/>
+            <a:ext cx="7496269" cy="369332"/>
+          </a:xfrm>
+          <a:prstGeom prst="rect">
+            <a:avLst/>
+          </a:prstGeom>
+        </p:spPr>
+        <p:txBody>
+          <a:bodyPr wrap="square">
+            <a:spAutoFit/>
+          </a:bodyPr>
+          <a:lstStyle/>
+          <a:p>
+            <a:r>
+              <a:rPr lang="en-US" dirty="0">
+                <a:hlinkClick r:id="rId4"/>
+              </a:rPr>
+              <a:t>https://www.toppr.com/guides/maths/statistics/range-and-mean-deviation/</a:t>
+            </a:r>
+            <a:endParaRPr lang="ru-RU" dirty="0"/>
+          </a:p>
+        </p:txBody>
+      </p:sp>
+      <p:sp>
+        <p:nvSpPr>
+          <p:cNvPr id="13" name="Прямоугольник 12"/>
+          <p:cNvSpPr/>
+          <p:nvPr/>
+        </p:nvSpPr>
+        <p:spPr>
+          <a:xfrm>
+            <a:off x="389281" y="2737369"/>
+            <a:ext cx="622630" cy="369332"/>
+          </a:xfrm>
+          <a:prstGeom prst="rect">
+            <a:avLst/>
+          </a:prstGeom>
+        </p:spPr>
+        <p:txBody>
+          <a:bodyPr wrap="square">
+            <a:spAutoFit/>
+          </a:bodyPr>
+          <a:lstStyle/>
+          <a:p>
+            <a:r>
+              <a:rPr lang="en-US" dirty="0">
+                <a:latin typeface="Minion Pro"/>
+              </a:rPr>
+              <a:t>d = </a:t>
+            </a:r>
+            <a:endParaRPr lang="ru-RU" dirty="0"/>
+          </a:p>
+        </p:txBody>
+      </p:sp>
+      <p:sp>
+        <p:nvSpPr>
+          <p:cNvPr id="14" name="TextBox 13"/>
+          <p:cNvSpPr txBox="1"/>
+          <p:nvPr/>
+        </p:nvSpPr>
+        <p:spPr>
+          <a:xfrm>
+            <a:off x="293640" y="2250441"/>
+            <a:ext cx="3956364" cy="369332"/>
+          </a:xfrm>
+          <a:prstGeom prst="rect">
+            <a:avLst/>
+          </a:prstGeom>
+          <a:noFill/>
+        </p:spPr>
+        <p:txBody>
+          <a:bodyPr wrap="square" rtlCol="0">
+            <a:spAutoFit/>
+          </a:bodyPr>
+          <a:lstStyle/>
+          <a:p>
+            <a:r>
+              <a:rPr lang="en-US" b="1" dirty="0"/>
+              <a:t>Average absolute deviation (d)</a:t>
+            </a:r>
+          </a:p>
+        </p:txBody>
+      </p:sp>
+      <p:sp>
+        <p:nvSpPr>
+          <p:cNvPr id="15" name="TextBox 14"/>
+          <p:cNvSpPr txBox="1"/>
+          <p:nvPr/>
+        </p:nvSpPr>
+        <p:spPr>
+          <a:xfrm>
+            <a:off x="374759" y="795362"/>
+            <a:ext cx="1100955" cy="369332"/>
+          </a:xfrm>
+          <a:prstGeom prst="rect">
+            <a:avLst/>
+          </a:prstGeom>
+          <a:noFill/>
+        </p:spPr>
+        <p:txBody>
+          <a:bodyPr wrap="square" rtlCol="0">
+            <a:spAutoFit/>
+          </a:bodyPr>
+          <a:lstStyle/>
+          <a:p>
+            <a:r>
+              <a:rPr lang="en-US" b="1" dirty="0"/>
+              <a:t>Range (R)</a:t>
+            </a:r>
+            <a:endParaRPr lang="ru-RU" b="1" dirty="0"/>
+          </a:p>
+        </p:txBody>
+      </p:sp>
+      <p:pic>
+        <p:nvPicPr>
+          <p:cNvPr id="19" name="Рисунок 18"/>
+          <p:cNvPicPr>
+            <a:picLocks noChangeAspect="1"/>
+          </p:cNvPicPr>
+          <p:nvPr/>
+        </p:nvPicPr>
+        <p:blipFill>
+          <a:blip r:embed="rId5"/>
+          <a:stretch>
+            <a:fillRect/>
+          </a:stretch>
+        </p:blipFill>
+        <p:spPr>
+          <a:xfrm>
+            <a:off x="293640" y="4027021"/>
+            <a:ext cx="3276600" cy="590550"/>
+          </a:xfrm>
+          <a:prstGeom prst="rect">
+            <a:avLst/>
+          </a:prstGeom>
+        </p:spPr>
+      </p:pic>
+      <p:sp>
+        <p:nvSpPr>
+          <p:cNvPr id="20" name="TextBox 19"/>
+          <p:cNvSpPr txBox="1"/>
+          <p:nvPr/>
+        </p:nvSpPr>
+        <p:spPr>
+          <a:xfrm>
+            <a:off x="293640" y="3644565"/>
+            <a:ext cx="3956364" cy="369332"/>
+          </a:xfrm>
+          <a:prstGeom prst="rect">
+            <a:avLst/>
+          </a:prstGeom>
+          <a:noFill/>
+        </p:spPr>
+        <p:txBody>
+          <a:bodyPr wrap="square" rtlCol="0">
+            <a:spAutoFit/>
+          </a:bodyPr>
+          <a:lstStyle/>
+          <a:p>
+            <a:r>
+              <a:rPr lang="en-US" b="1" dirty="0"/>
+              <a:t>Standard deviation (</a:t>
+            </a:r>
+            <a:r>
+              <a:rPr lang="el-GR" b="1" dirty="0"/>
+              <a:t>σ</a:t>
+            </a:r>
+            <a:r>
+              <a:rPr lang="en-US" b="1" dirty="0"/>
+              <a:t>)</a:t>
+            </a:r>
+          </a:p>
+        </p:txBody>
+      </p:sp>
+      <p:sp>
+        <p:nvSpPr>
+          <p:cNvPr id="21" name="Прямоугольник 20"/>
+          <p:cNvSpPr/>
+          <p:nvPr/>
+        </p:nvSpPr>
+        <p:spPr>
+          <a:xfrm>
+            <a:off x="3570240" y="4063573"/>
+            <a:ext cx="4945110" cy="369332"/>
+          </a:xfrm>
+          <a:prstGeom prst="rect">
+            <a:avLst/>
+          </a:prstGeom>
+        </p:spPr>
+        <p:txBody>
+          <a:bodyPr wrap="square">
+            <a:spAutoFit/>
+          </a:bodyPr>
+          <a:lstStyle/>
+          <a:p>
+            <a:r>
+              <a:rPr lang="en-US" dirty="0">
+                <a:hlinkClick r:id="rId6"/>
+              </a:rPr>
+              <a:t>https://en.wikipedia.org/wiki/Standard_deviation</a:t>
+            </a:r>
+            <a:endParaRPr lang="ru-RU" dirty="0"/>
+          </a:p>
+        </p:txBody>
+      </p:sp>
     </p:spTree>
     <p:extLst>
       <p:ext uri="{BB962C8B-B14F-4D97-AF65-F5344CB8AC3E}">
-        <p14:creationId xmlns:p14="http://schemas.microsoft.com/office/powerpoint/2010/main" val="584171230"/>
+        <p14:creationId xmlns:p14="http://schemas.microsoft.com/office/powerpoint/2010/main" val="2562255982"/>
       </p:ext>
     </p:extLst>
   </p:cSld>
@@ -4427,12 +4477,12 @@
           <a:p>
             <a:pPr algn="ctr"/>
             <a:r>
-              <a:rPr lang="en-US" sz="2400" b="1" dirty="0" smtClean="0">
+              <a:rPr lang="en-US" sz="2400" b="1" dirty="0">
                 <a:solidFill>
                   <a:srgbClr val="00B0F0"/>
                 </a:solidFill>
               </a:rPr>
-              <a:t>Covariance</a:t>
+              <a:t>Variance (Measures of deviation) – Part 2</a:t>
             </a:r>
             <a:endParaRPr lang="ru-RU" sz="2400" b="1" dirty="0">
               <a:solidFill>
@@ -4444,7 +4494,7 @@
       </p:sp>
       <p:pic>
         <p:nvPicPr>
-          <p:cNvPr id="6" name="Рисунок 5"/>
+          <p:cNvPr id="3" name="Рисунок 2"/>
           <p:cNvPicPr>
             <a:picLocks noChangeAspect="1"/>
           </p:cNvPicPr>
@@ -4458,230 +4508,18 @@
         </p:blipFill>
         <p:spPr>
           <a:xfrm>
-            <a:off x="295746" y="923454"/>
-            <a:ext cx="3815079" cy="584184"/>
+            <a:off x="1255500" y="1314000"/>
+            <a:ext cx="6633000" cy="4230000"/>
           </a:xfrm>
           <a:prstGeom prst="rect">
             <a:avLst/>
           </a:prstGeom>
         </p:spPr>
       </p:pic>
-      <p:sp>
-        <p:nvSpPr>
-          <p:cNvPr id="7" name="Прямоугольник 6"/>
-          <p:cNvSpPr/>
-          <p:nvPr/>
-        </p:nvSpPr>
-        <p:spPr>
-          <a:xfrm>
-            <a:off x="4357202" y="1030880"/>
-            <a:ext cx="4050981" cy="369332"/>
-          </a:xfrm>
-          <a:prstGeom prst="rect">
-            <a:avLst/>
-          </a:prstGeom>
-        </p:spPr>
-        <p:txBody>
-          <a:bodyPr wrap="none">
-            <a:spAutoFit/>
-          </a:bodyPr>
-          <a:lstStyle/>
-          <a:p>
-            <a:r>
-              <a:rPr lang="en-US" dirty="0">
-                <a:hlinkClick r:id="rId3"/>
-              </a:rPr>
-              <a:t>https://en.wikipedia.org/wiki/Covariance</a:t>
-            </a:r>
-            <a:endParaRPr lang="ru-RU" dirty="0"/>
-          </a:p>
-        </p:txBody>
-      </p:sp>
-      <p:sp>
-        <p:nvSpPr>
-          <p:cNvPr id="8" name="TextBox 7"/>
-          <p:cNvSpPr txBox="1"/>
-          <p:nvPr/>
-        </p:nvSpPr>
-        <p:spPr>
-          <a:xfrm>
-            <a:off x="295746" y="1809126"/>
-            <a:ext cx="8514845" cy="830997"/>
-          </a:xfrm>
-          <a:prstGeom prst="rect">
-            <a:avLst/>
-          </a:prstGeom>
-          <a:noFill/>
-        </p:spPr>
-        <p:txBody>
-          <a:bodyPr wrap="square" rtlCol="0">
-            <a:spAutoFit/>
-          </a:bodyPr>
-          <a:lstStyle/>
-          <a:p>
-            <a:r>
-              <a:rPr lang="en-US" sz="1600" dirty="0"/>
-              <a:t>w</a:t>
-            </a:r>
-            <a:r>
-              <a:rPr lang="en-US" sz="1600" dirty="0" smtClean="0"/>
-              <a:t>here </a:t>
-            </a:r>
-            <a:r>
-              <a:rPr lang="en-US" sz="1600" dirty="0" smtClean="0">
-                <a:solidFill>
-                  <a:srgbClr val="00B0F0"/>
-                </a:solidFill>
-              </a:rPr>
-              <a:t>n</a:t>
-            </a:r>
-            <a:r>
-              <a:rPr lang="en-US" sz="1600" dirty="0" smtClean="0"/>
-              <a:t> – quantity of observations, </a:t>
-            </a:r>
-          </a:p>
-          <a:p>
-            <a:r>
-              <a:rPr lang="en-US" sz="1600" dirty="0" smtClean="0">
-                <a:solidFill>
-                  <a:srgbClr val="00B0F0"/>
-                </a:solidFill>
-              </a:rPr>
-              <a:t>x</a:t>
-            </a:r>
-            <a:r>
-              <a:rPr lang="en-US" sz="1600" dirty="0" smtClean="0">
-                <a:solidFill>
-                  <a:srgbClr val="FF0000"/>
-                </a:solidFill>
-              </a:rPr>
-              <a:t> </a:t>
-            </a:r>
-            <a:r>
-              <a:rPr lang="en-US" sz="1600" dirty="0" smtClean="0"/>
-              <a:t>and </a:t>
-            </a:r>
-            <a:r>
-              <a:rPr lang="en-US" sz="1600" dirty="0" smtClean="0">
-                <a:solidFill>
-                  <a:srgbClr val="00B0F0"/>
-                </a:solidFill>
-              </a:rPr>
-              <a:t>y</a:t>
-            </a:r>
-            <a:r>
-              <a:rPr lang="en-US" sz="1600" dirty="0" smtClean="0"/>
-              <a:t> are random variables</a:t>
-            </a:r>
-          </a:p>
-          <a:p>
-            <a:r>
-              <a:rPr lang="en-US" sz="1600" dirty="0" smtClean="0">
-                <a:solidFill>
-                  <a:srgbClr val="00B0F0"/>
-                </a:solidFill>
-              </a:rPr>
-              <a:t>E(x)</a:t>
-            </a:r>
-            <a:r>
-              <a:rPr lang="en-US" sz="1600" dirty="0" smtClean="0"/>
-              <a:t>, </a:t>
-            </a:r>
-            <a:r>
-              <a:rPr lang="en-US" sz="1600" dirty="0" smtClean="0">
-                <a:solidFill>
-                  <a:srgbClr val="00B0F0"/>
-                </a:solidFill>
-              </a:rPr>
-              <a:t>E(y)</a:t>
-            </a:r>
-            <a:r>
-              <a:rPr lang="en-US" sz="1600" dirty="0" smtClean="0"/>
-              <a:t> – expected value / mean</a:t>
-            </a:r>
-          </a:p>
-        </p:txBody>
-      </p:sp>
-      <p:sp>
-        <p:nvSpPr>
-          <p:cNvPr id="9" name="TextBox 8"/>
-          <p:cNvSpPr txBox="1"/>
-          <p:nvPr/>
-        </p:nvSpPr>
-        <p:spPr>
-          <a:xfrm>
-            <a:off x="357550" y="3190937"/>
-            <a:ext cx="8514845" cy="707886"/>
-          </a:xfrm>
-          <a:prstGeom prst="rect">
-            <a:avLst/>
-          </a:prstGeom>
-          <a:noFill/>
-        </p:spPr>
-        <p:txBody>
-          <a:bodyPr wrap="square" rtlCol="0">
-            <a:spAutoFit/>
-          </a:bodyPr>
-          <a:lstStyle/>
-          <a:p>
-            <a:pPr algn="just"/>
-            <a:r>
-              <a:rPr lang="en-US" sz="2000" dirty="0" smtClean="0"/>
-              <a:t>The </a:t>
-            </a:r>
-            <a:r>
-              <a:rPr lang="en-US" sz="2000" b="1" dirty="0" smtClean="0"/>
-              <a:t>major disadvantage </a:t>
-            </a:r>
-            <a:r>
-              <a:rPr lang="en-US" sz="2000" dirty="0" smtClean="0"/>
-              <a:t>of covariance is </a:t>
-            </a:r>
-            <a:r>
-              <a:rPr lang="en-US" sz="2000" i="1" u="sng" dirty="0" smtClean="0"/>
-              <a:t>no limit </a:t>
-            </a:r>
-            <a:r>
-              <a:rPr lang="en-US" sz="2000" dirty="0" smtClean="0"/>
-              <a:t>to estimate the covariance value.</a:t>
-            </a:r>
-          </a:p>
-        </p:txBody>
-      </p:sp>
-      <p:sp>
-        <p:nvSpPr>
-          <p:cNvPr id="10" name="TextBox 9"/>
-          <p:cNvSpPr txBox="1"/>
-          <p:nvPr/>
-        </p:nvSpPr>
-        <p:spPr>
-          <a:xfrm>
-            <a:off x="295745" y="4727477"/>
-            <a:ext cx="8514845" cy="400110"/>
-          </a:xfrm>
-          <a:prstGeom prst="rect">
-            <a:avLst/>
-          </a:prstGeom>
-          <a:noFill/>
-        </p:spPr>
-        <p:txBody>
-          <a:bodyPr wrap="square" rtlCol="0">
-            <a:spAutoFit/>
-          </a:bodyPr>
-          <a:lstStyle/>
-          <a:p>
-            <a:pPr algn="just"/>
-            <a:r>
-              <a:rPr lang="en-US" sz="2000" dirty="0" smtClean="0"/>
-              <a:t>The correlation is use to remove the drawback of covariance.</a:t>
-            </a:r>
-          </a:p>
-        </p:txBody>
-      </p:sp>
     </p:spTree>
     <p:extLst>
       <p:ext uri="{BB962C8B-B14F-4D97-AF65-F5344CB8AC3E}">
-        <p14:creationId xmlns:p14="http://schemas.microsoft.com/office/powerpoint/2010/main" val="199623148"/>
+        <p14:creationId xmlns:p14="http://schemas.microsoft.com/office/powerpoint/2010/main" val="584171230"/>
       </p:ext>
     </p:extLst>
   </p:cSld>
@@ -4755,12 +4593,12 @@
           <a:p>
             <a:pPr algn="ctr"/>
             <a:r>
-              <a:rPr lang="en-US" sz="2400" b="1" dirty="0" smtClean="0">
+              <a:rPr lang="en-US" sz="2400" b="1" dirty="0">
                 <a:solidFill>
                   <a:srgbClr val="00B0F0"/>
                 </a:solidFill>
               </a:rPr>
-              <a:t>Correlation</a:t>
+              <a:t>Covariance</a:t>
             </a:r>
             <a:endParaRPr lang="ru-RU" sz="2400" b="1" dirty="0">
               <a:solidFill>
@@ -4772,7 +4610,7 @@
       </p:sp>
       <p:pic>
         <p:nvPicPr>
-          <p:cNvPr id="7" name="Рисунок 6"/>
+          <p:cNvPr id="6" name="Рисунок 5"/>
           <p:cNvPicPr>
             <a:picLocks noChangeAspect="1"/>
           </p:cNvPicPr>
@@ -4786,8 +4624,8 @@
         </p:blipFill>
         <p:spPr>
           <a:xfrm>
-            <a:off x="175457" y="1052370"/>
-            <a:ext cx="4067175" cy="552450"/>
+            <a:off x="295746" y="923454"/>
+            <a:ext cx="3815079" cy="584184"/>
           </a:xfrm>
           <a:prstGeom prst="rect">
             <a:avLst/>
@@ -4796,44 +4634,44 @@
       </p:pic>
       <p:sp>
         <p:nvSpPr>
-          <p:cNvPr id="8" name="Прямоугольник 7"/>
+          <p:cNvPr id="7" name="Прямоугольник 6"/>
           <p:cNvSpPr/>
           <p:nvPr/>
         </p:nvSpPr>
         <p:spPr>
           <a:xfrm>
-            <a:off x="4242632" y="1086319"/>
-            <a:ext cx="4572000" cy="307777"/>
+            <a:off x="4357202" y="1030880"/>
+            <a:ext cx="4050981" cy="369332"/>
           </a:xfrm>
           <a:prstGeom prst="rect">
             <a:avLst/>
           </a:prstGeom>
         </p:spPr>
         <p:txBody>
-          <a:bodyPr>
+          <a:bodyPr wrap="none">
             <a:spAutoFit/>
           </a:bodyPr>
           <a:lstStyle/>
           <a:p>
             <a:r>
-              <a:rPr lang="en-US" sz="1400" dirty="0">
+              <a:rPr lang="en-US" dirty="0">
                 <a:hlinkClick r:id="rId3"/>
               </a:rPr>
-              <a:t>https://en.wikipedia.org/wiki/Correlation_and_dependence</a:t>
-            </a:r>
-            <a:endParaRPr lang="ru-RU" sz="1400" dirty="0"/>
-          </a:p>
-        </p:txBody>
-      </p:sp>
-      <p:sp>
-        <p:nvSpPr>
-          <p:cNvPr id="10" name="TextBox 9"/>
+              <a:t>https://en.wikipedia.org/wiki/Covariance</a:t>
+            </a:r>
+            <a:endParaRPr lang="ru-RU" dirty="0"/>
+          </a:p>
+        </p:txBody>
+      </p:sp>
+      <p:sp>
+        <p:nvSpPr>
+          <p:cNvPr id="8" name="TextBox 7"/>
           <p:cNvSpPr txBox="1"/>
           <p:nvPr/>
         </p:nvSpPr>
         <p:spPr>
           <a:xfrm>
-            <a:off x="175457" y="1815217"/>
+            <a:off x="295746" y="1809126"/>
             <a:ext cx="8514845" cy="830997"/>
           </a:xfrm>
           <a:prstGeom prst="rect">
@@ -4849,44 +4687,32 @@
           <a:p>
             <a:r>
               <a:rPr lang="en-US" sz="1600" dirty="0"/>
-              <a:t>w</a:t>
-            </a:r>
-            <a:r>
-              <a:rPr lang="en-US" sz="1600" dirty="0" smtClean="0"/>
-              <a:t>here </a:t>
-            </a:r>
-            <a:r>
-              <a:rPr lang="en-US" sz="1600" dirty="0" err="1" smtClean="0">
+              <a:t>where </a:t>
+            </a:r>
+            <a:r>
+              <a:rPr lang="en-US" sz="1600" dirty="0">
                 <a:solidFill>
                   <a:srgbClr val="00B0F0"/>
                 </a:solidFill>
               </a:rPr>
-              <a:t>cov</a:t>
-            </a:r>
-            <a:r>
-              <a:rPr lang="en-US" sz="1600" dirty="0" smtClean="0">
+              <a:t>n</a:t>
+            </a:r>
+            <a:r>
+              <a:rPr lang="en-US" sz="1600" dirty="0"/>
+              <a:t> – quantity of observations, </a:t>
+            </a:r>
+          </a:p>
+          <a:p>
+            <a:r>
+              <a:rPr lang="en-US" sz="1600" dirty="0">
                 <a:solidFill>
                   <a:srgbClr val="00B0F0"/>
                 </a:solidFill>
               </a:rPr>
-              <a:t>(X, Y)</a:t>
-            </a:r>
-            <a:r>
-              <a:rPr lang="en-US" sz="1600" dirty="0" smtClean="0"/>
-              <a:t> – covariance of two variables, </a:t>
-            </a:r>
-          </a:p>
-          <a:p>
-            <a:r>
-              <a:rPr lang="en-US" sz="1600" dirty="0" smtClean="0">
-                <a:solidFill>
-                  <a:srgbClr val="00B0F0"/>
-                </a:solidFill>
-              </a:rPr>
-              <a:t>X</a:t>
-            </a:r>
-            <a:r>
-              <a:rPr lang="en-US" sz="1600" dirty="0" smtClean="0">
+              <a:t>x</a:t>
+            </a:r>
+            <a:r>
+              <a:rPr lang="en-US" sz="1600" dirty="0">
                 <a:solidFill>
                   <a:srgbClr val="FF0000"/>
                 </a:solidFill>
@@ -4894,7 +4720,7 @@
               <a:t> </a:t>
             </a:r>
             <a:r>
-              <a:rPr lang="en-US" sz="1600" dirty="0" smtClean="0"/>
+              <a:rPr lang="en-US" sz="1600" dirty="0"/>
               <a:t>and </a:t>
             </a:r>
             <a:r>
@@ -4903,67 +4729,51 @@
                   <a:srgbClr val="00B0F0"/>
                 </a:solidFill>
               </a:rPr>
-              <a:t>X</a:t>
-            </a:r>
-            <a:r>
-              <a:rPr lang="en-US" sz="1600" dirty="0" smtClean="0"/>
+              <a:t>y</a:t>
+            </a:r>
+            <a:r>
+              <a:rPr lang="en-US" sz="1600" dirty="0"/>
               <a:t> are random variables</a:t>
             </a:r>
           </a:p>
           <a:p>
             <a:r>
-              <a:rPr lang="uk-UA" sz="1600" dirty="0" smtClean="0">
+              <a:rPr lang="en-US" sz="1600" dirty="0">
                 <a:solidFill>
                   <a:srgbClr val="00B0F0"/>
                 </a:solidFill>
               </a:rPr>
-              <a:t>µ</a:t>
-            </a:r>
-            <a:r>
-              <a:rPr lang="en-US" sz="1600" dirty="0" smtClean="0">
+              <a:t>E(x)</a:t>
+            </a:r>
+            <a:r>
+              <a:rPr lang="en-US" sz="1600" dirty="0"/>
+              <a:t>, </a:t>
+            </a:r>
+            <a:r>
+              <a:rPr lang="en-US" sz="1600" dirty="0">
                 <a:solidFill>
                   <a:srgbClr val="00B0F0"/>
                 </a:solidFill>
               </a:rPr>
-              <a:t>(x)</a:t>
-            </a:r>
-            <a:r>
-              <a:rPr lang="en-US" sz="1600" dirty="0" smtClean="0"/>
-              <a:t>, </a:t>
-            </a:r>
-            <a:r>
-              <a:rPr lang="uk-UA" sz="1600" dirty="0">
-                <a:solidFill>
-                  <a:srgbClr val="00B0F0"/>
-                </a:solidFill>
-              </a:rPr>
-              <a:t>µ</a:t>
-            </a:r>
-            <a:r>
-              <a:rPr lang="en-US" sz="1600" dirty="0" smtClean="0">
-                <a:solidFill>
-                  <a:srgbClr val="00B0F0"/>
-                </a:solidFill>
-              </a:rPr>
-              <a:t>(y)</a:t>
-            </a:r>
-            <a:r>
-              <a:rPr lang="en-US" sz="1600" dirty="0" smtClean="0"/>
-              <a:t> – mean</a:t>
-            </a:r>
-          </a:p>
-        </p:txBody>
-      </p:sp>
-      <p:sp>
-        <p:nvSpPr>
-          <p:cNvPr id="11" name="TextBox 10"/>
+              <a:t>E(y)</a:t>
+            </a:r>
+            <a:r>
+              <a:rPr lang="en-US" sz="1600" dirty="0"/>
+              <a:t> – expected value / mean</a:t>
+            </a:r>
+          </a:p>
+        </p:txBody>
+      </p:sp>
+      <p:sp>
+        <p:nvSpPr>
+          <p:cNvPr id="9" name="TextBox 8"/>
           <p:cNvSpPr txBox="1"/>
           <p:nvPr/>
         </p:nvSpPr>
         <p:spPr>
           <a:xfrm>
-            <a:off x="175456" y="2940587"/>
-            <a:ext cx="8339893" cy="1200329"/>
+            <a:off x="357550" y="3190937"/>
+            <a:ext cx="8514845" cy="707886"/>
           </a:xfrm>
           <a:prstGeom prst="rect">
             <a:avLst/>
@@ -4976,71 +4786,40 @@
           </a:bodyPr>
           <a:lstStyle/>
           <a:p>
-            <a:r>
-              <a:rPr lang="en-US" b="1" dirty="0" smtClean="0"/>
-              <a:t>Range of </a:t>
-            </a:r>
-            <a:r>
-              <a:rPr lang="el-GR" b="1" dirty="0" smtClean="0"/>
-              <a:t>ρ</a:t>
-            </a:r>
-            <a:r>
-              <a:rPr lang="en-US" b="1" dirty="0" smtClean="0"/>
-              <a:t>X,Y: -1 … 1</a:t>
-            </a:r>
-          </a:p>
-          <a:p>
-            <a:r>
-              <a:rPr lang="el-GR" dirty="0"/>
-              <a:t>ρ</a:t>
-            </a:r>
-            <a:r>
-              <a:rPr lang="en-US" dirty="0" smtClean="0"/>
-              <a:t>X,Y -&gt; 1 : both variable are moving in the same direction (strong relationship) </a:t>
-            </a:r>
-            <a:endParaRPr lang="en-US" dirty="0"/>
-          </a:p>
-          <a:p>
-            <a:r>
-              <a:rPr lang="el-GR" dirty="0"/>
-              <a:t>ρ</a:t>
-            </a:r>
-            <a:r>
-              <a:rPr lang="en-US" dirty="0"/>
-              <a:t>X,Y -&gt; 1 : both variable are moving in the </a:t>
-            </a:r>
-            <a:r>
-              <a:rPr lang="en-US" dirty="0" smtClean="0"/>
-              <a:t>opposite direction (strong relationship)</a:t>
-            </a:r>
-          </a:p>
-          <a:p>
-            <a:r>
-              <a:rPr lang="el-GR" dirty="0"/>
-              <a:t>ρ</a:t>
-            </a:r>
-            <a:r>
-              <a:rPr lang="en-US" dirty="0"/>
-              <a:t>X,Y -&gt; </a:t>
-            </a:r>
-            <a:r>
-              <a:rPr lang="en-US" dirty="0" smtClean="0"/>
-              <a:t>0 : no explicit relationship between variables is found</a:t>
-            </a:r>
-            <a:endParaRPr lang="ru-RU" b="1" dirty="0"/>
-          </a:p>
-        </p:txBody>
-      </p:sp>
-      <p:sp>
-        <p:nvSpPr>
-          <p:cNvPr id="12" name="TextBox 11"/>
+            <a:pPr algn="just"/>
+            <a:r>
+              <a:rPr lang="en-US" sz="2000" dirty="0"/>
+              <a:t>The </a:t>
+            </a:r>
+            <a:r>
+              <a:rPr lang="en-US" sz="2000" b="1" dirty="0"/>
+              <a:t>major disadvantage </a:t>
+            </a:r>
+            <a:r>
+              <a:rPr lang="en-US" sz="2000" dirty="0"/>
+              <a:t>of covariance is </a:t>
+            </a:r>
+            <a:r>
+              <a:rPr lang="en-US" sz="2000" i="1" u="sng" dirty="0"/>
+              <a:t>no limit </a:t>
+            </a:r>
+            <a:r>
+              <a:rPr lang="en-US" sz="2000" dirty="0"/>
+              <a:t>to estimate the covariance value.</a:t>
+            </a:r>
+          </a:p>
+        </p:txBody>
+      </p:sp>
+      <p:sp>
+        <p:nvSpPr>
+          <p:cNvPr id="10" name="TextBox 9"/>
           <p:cNvSpPr txBox="1"/>
           <p:nvPr/>
         </p:nvSpPr>
         <p:spPr>
           <a:xfrm>
-            <a:off x="175456" y="4399984"/>
-            <a:ext cx="8436805" cy="1200329"/>
+            <a:off x="295745" y="4727477"/>
+            <a:ext cx="8514845" cy="400110"/>
           </a:xfrm>
           <a:prstGeom prst="rect">
             <a:avLst/>
@@ -5053,51 +4832,18 @@
           </a:bodyPr>
           <a:lstStyle/>
           <a:p>
-            <a:r>
-              <a:rPr lang="en-US" dirty="0" smtClean="0"/>
-              <a:t>Correlation coefficient (</a:t>
-            </a:r>
-            <a:r>
-              <a:rPr lang="el-GR" dirty="0"/>
-              <a:t>ρ</a:t>
-            </a:r>
-            <a:r>
-              <a:rPr lang="en-US" dirty="0" smtClean="0"/>
-              <a:t>X,Y) demonstrate </a:t>
-            </a:r>
-            <a:r>
-              <a:rPr lang="en-US" b="1" dirty="0" smtClean="0"/>
-              <a:t>the presence of linear relationship </a:t>
-            </a:r>
-            <a:r>
-              <a:rPr lang="en-US" dirty="0" smtClean="0"/>
-              <a:t>between two variable.</a:t>
-            </a:r>
-          </a:p>
-          <a:p>
-            <a:endParaRPr lang="en-US" dirty="0"/>
-          </a:p>
-          <a:p>
-            <a:r>
-              <a:rPr lang="en-US" dirty="0" smtClean="0"/>
-              <a:t>Based upon </a:t>
-            </a:r>
-            <a:r>
-              <a:rPr lang="el-GR" dirty="0"/>
-              <a:t>ρ</a:t>
-            </a:r>
-            <a:r>
-              <a:rPr lang="en-US" dirty="0" smtClean="0"/>
-              <a:t>X,Y the correlation matrix is created. </a:t>
-            </a:r>
-            <a:endParaRPr lang="ru-RU" dirty="0"/>
+            <a:pPr algn="just"/>
+            <a:r>
+              <a:rPr lang="en-US" sz="2000" dirty="0"/>
+              <a:t>The correlation is use to remove the drawback of covariance.</a:t>
+            </a:r>
           </a:p>
         </p:txBody>
       </p:sp>
     </p:spTree>
     <p:extLst>
       <p:ext uri="{BB962C8B-B14F-4D97-AF65-F5344CB8AC3E}">
-        <p14:creationId xmlns:p14="http://schemas.microsoft.com/office/powerpoint/2010/main" val="2453106290"/>
+        <p14:creationId xmlns:p14="http://schemas.microsoft.com/office/powerpoint/2010/main" val="199623148"/>
       </p:ext>
     </p:extLst>
   </p:cSld>
@@ -5171,12 +4917,12 @@
           <a:p>
             <a:pPr algn="ctr"/>
             <a:r>
-              <a:rPr lang="en-US" sz="2400" b="1" dirty="0" smtClean="0">
+              <a:rPr lang="en-US" sz="2400" b="1" dirty="0">
                 <a:solidFill>
                   <a:srgbClr val="00B0F0"/>
                 </a:solidFill>
               </a:rPr>
-              <a:t>Covariance &amp; Correlation </a:t>
+              <a:t>Correlation</a:t>
             </a:r>
             <a:endParaRPr lang="ru-RU" sz="2400" b="1" dirty="0">
               <a:solidFill>
@@ -5186,39 +4932,9 @@
           </a:p>
         </p:txBody>
       </p:sp>
-      <p:sp>
-        <p:nvSpPr>
-          <p:cNvPr id="7" name="TextBox 6"/>
-          <p:cNvSpPr txBox="1"/>
-          <p:nvPr/>
-        </p:nvSpPr>
-        <p:spPr>
-          <a:xfrm>
-            <a:off x="473961" y="923453"/>
-            <a:ext cx="2161079" cy="369332"/>
-          </a:xfrm>
-          <a:prstGeom prst="rect">
-            <a:avLst/>
-          </a:prstGeom>
-          <a:noFill/>
-        </p:spPr>
-        <p:txBody>
-          <a:bodyPr wrap="square" rtlCol="0">
-            <a:spAutoFit/>
-          </a:bodyPr>
-          <a:lstStyle/>
-          <a:p>
-            <a:r>
-              <a:rPr lang="en-US" b="1" dirty="0" smtClean="0"/>
-              <a:t>Covariance</a:t>
-            </a:r>
-            <a:endParaRPr lang="ru-RU" b="1" dirty="0"/>
-          </a:p>
-        </p:txBody>
-      </p:sp>
       <p:pic>
         <p:nvPicPr>
-          <p:cNvPr id="8" name="Рисунок 7"/>
+          <p:cNvPr id="7" name="Рисунок 6"/>
           <p:cNvPicPr>
             <a:picLocks noChangeAspect="1"/>
           </p:cNvPicPr>
@@ -5232,38 +4948,45 @@
         </p:blipFill>
         <p:spPr>
           <a:xfrm>
-            <a:off x="473960" y="1292785"/>
-            <a:ext cx="6921949" cy="1368934"/>
+            <a:off x="175457" y="1052370"/>
+            <a:ext cx="4067175" cy="552450"/>
           </a:xfrm>
           <a:prstGeom prst="rect">
             <a:avLst/>
           </a:prstGeom>
         </p:spPr>
       </p:pic>
-      <p:pic>
-        <p:nvPicPr>
-          <p:cNvPr id="9" name="Рисунок 8"/>
-          <p:cNvPicPr>
-            <a:picLocks noChangeAspect="1"/>
-          </p:cNvPicPr>
+      <p:sp>
+        <p:nvSpPr>
+          <p:cNvPr id="8" name="Прямоугольник 7"/>
+          <p:cNvSpPr/>
           <p:nvPr/>
-        </p:nvPicPr>
-        <p:blipFill>
-          <a:blip r:embed="rId3"/>
-          <a:stretch>
-            <a:fillRect/>
-          </a:stretch>
-        </p:blipFill>
-        <p:spPr>
-          <a:xfrm>
-            <a:off x="473960" y="3414350"/>
-            <a:ext cx="6921949" cy="2031322"/>
+        </p:nvSpPr>
+        <p:spPr>
+          <a:xfrm>
+            <a:off x="4242632" y="1086319"/>
+            <a:ext cx="4572000" cy="307777"/>
           </a:xfrm>
           <a:prstGeom prst="rect">
             <a:avLst/>
           </a:prstGeom>
         </p:spPr>
-      </p:pic>
+        <p:txBody>
+          <a:bodyPr>
+            <a:spAutoFit/>
+          </a:bodyPr>
+          <a:lstStyle/>
+          <a:p>
+            <a:r>
+              <a:rPr lang="en-US" sz="1400" dirty="0">
+                <a:hlinkClick r:id="rId3"/>
+              </a:rPr>
+              <a:t>https://en.wikipedia.org/wiki/Correlation_and_dependence</a:t>
+            </a:r>
+            <a:endParaRPr lang="ru-RU" sz="1400" dirty="0"/>
+          </a:p>
+        </p:txBody>
+      </p:sp>
       <p:sp>
         <p:nvSpPr>
           <p:cNvPr id="10" name="TextBox 9"/>
@@ -5272,8 +4995,8 @@
         </p:nvSpPr>
         <p:spPr>
           <a:xfrm>
-            <a:off x="381918" y="3031051"/>
-            <a:ext cx="2161079" cy="369332"/>
+            <a:off x="175457" y="1815217"/>
+            <a:ext cx="8514845" cy="830997"/>
           </a:xfrm>
           <a:prstGeom prst="rect">
             <a:avLst/>
@@ -5287,17 +5010,243 @@
           <a:lstStyle/>
           <a:p>
             <a:r>
-              <a:rPr lang="en-US" b="1" dirty="0" smtClean="0"/>
-              <a:t>Correlation</a:t>
+              <a:rPr lang="en-US" sz="1600" dirty="0"/>
+              <a:t>where </a:t>
+            </a:r>
+            <a:r>
+              <a:rPr lang="en-US" sz="1600" dirty="0" err="1">
+                <a:solidFill>
+                  <a:srgbClr val="00B0F0"/>
+                </a:solidFill>
+              </a:rPr>
+              <a:t>cov</a:t>
+            </a:r>
+            <a:r>
+              <a:rPr lang="en-US" sz="1600" dirty="0">
+                <a:solidFill>
+                  <a:srgbClr val="00B0F0"/>
+                </a:solidFill>
+              </a:rPr>
+              <a:t>(X, Y)</a:t>
+            </a:r>
+            <a:r>
+              <a:rPr lang="en-US" sz="1600" dirty="0"/>
+              <a:t> – covariance of two variables, </a:t>
+            </a:r>
+          </a:p>
+          <a:p>
+            <a:r>
+              <a:rPr lang="en-US" sz="1600" dirty="0">
+                <a:solidFill>
+                  <a:srgbClr val="00B0F0"/>
+                </a:solidFill>
+              </a:rPr>
+              <a:t>X</a:t>
+            </a:r>
+            <a:r>
+              <a:rPr lang="en-US" sz="1600" dirty="0">
+                <a:solidFill>
+                  <a:srgbClr val="FF0000"/>
+                </a:solidFill>
+              </a:rPr>
+              <a:t> </a:t>
+            </a:r>
+            <a:r>
+              <a:rPr lang="en-US" sz="1600" dirty="0"/>
+              <a:t>and </a:t>
+            </a:r>
+            <a:r>
+              <a:rPr lang="en-US" sz="1600" dirty="0">
+                <a:solidFill>
+                  <a:srgbClr val="00B0F0"/>
+                </a:solidFill>
+              </a:rPr>
+              <a:t>X</a:t>
+            </a:r>
+            <a:r>
+              <a:rPr lang="en-US" sz="1600" dirty="0"/>
+              <a:t> are random variables</a:t>
+            </a:r>
+          </a:p>
+          <a:p>
+            <a:r>
+              <a:rPr lang="uk-UA" sz="1600" dirty="0">
+                <a:solidFill>
+                  <a:srgbClr val="00B0F0"/>
+                </a:solidFill>
+              </a:rPr>
+              <a:t>µ</a:t>
+            </a:r>
+            <a:r>
+              <a:rPr lang="en-US" sz="1600" dirty="0">
+                <a:solidFill>
+                  <a:srgbClr val="00B0F0"/>
+                </a:solidFill>
+              </a:rPr>
+              <a:t>(x)</a:t>
+            </a:r>
+            <a:r>
+              <a:rPr lang="en-US" sz="1600" dirty="0"/>
+              <a:t>, </a:t>
+            </a:r>
+            <a:r>
+              <a:rPr lang="uk-UA" sz="1600" dirty="0">
+                <a:solidFill>
+                  <a:srgbClr val="00B0F0"/>
+                </a:solidFill>
+              </a:rPr>
+              <a:t>µ</a:t>
+            </a:r>
+            <a:r>
+              <a:rPr lang="en-US" sz="1600" dirty="0">
+                <a:solidFill>
+                  <a:srgbClr val="00B0F0"/>
+                </a:solidFill>
+              </a:rPr>
+              <a:t>(y)</a:t>
+            </a:r>
+            <a:r>
+              <a:rPr lang="en-US" sz="1600" dirty="0"/>
+              <a:t> – mean</a:t>
+            </a:r>
+          </a:p>
+        </p:txBody>
+      </p:sp>
+      <p:sp>
+        <p:nvSpPr>
+          <p:cNvPr id="11" name="TextBox 10"/>
+          <p:cNvSpPr txBox="1"/>
+          <p:nvPr/>
+        </p:nvSpPr>
+        <p:spPr>
+          <a:xfrm>
+            <a:off x="175456" y="2940587"/>
+            <a:ext cx="8339893" cy="1200329"/>
+          </a:xfrm>
+          <a:prstGeom prst="rect">
+            <a:avLst/>
+          </a:prstGeom>
+          <a:noFill/>
+        </p:spPr>
+        <p:txBody>
+          <a:bodyPr wrap="square" rtlCol="0">
+            <a:spAutoFit/>
+          </a:bodyPr>
+          <a:lstStyle/>
+          <a:p>
+            <a:r>
+              <a:rPr lang="en-US" b="1" dirty="0"/>
+              <a:t>Range of </a:t>
+            </a:r>
+            <a:r>
+              <a:rPr lang="el-GR" b="1" dirty="0"/>
+              <a:t>ρ</a:t>
+            </a:r>
+            <a:r>
+              <a:rPr lang="en-US" b="1" dirty="0"/>
+              <a:t>X,Y: -1 … 1</a:t>
+            </a:r>
+          </a:p>
+          <a:p>
+            <a:r>
+              <a:rPr lang="el-GR" dirty="0"/>
+              <a:t>ρ</a:t>
+            </a:r>
+            <a:r>
+              <a:rPr lang="en-US" dirty="0"/>
+              <a:t>X,Y -&gt; 1 : both variable are moving in the same direction (strong relationship) </a:t>
+            </a:r>
+          </a:p>
+          <a:p>
+            <a:r>
+              <a:rPr lang="el-GR" dirty="0"/>
+              <a:t>ρ</a:t>
+            </a:r>
+            <a:r>
+              <a:rPr lang="en-US" dirty="0"/>
+              <a:t>X,Y -&gt; 1 : both variable are moving in the opposite direction (strong relationship)</a:t>
+            </a:r>
+          </a:p>
+          <a:p>
+            <a:r>
+              <a:rPr lang="el-GR" dirty="0"/>
+              <a:t>ρ</a:t>
+            </a:r>
+            <a:r>
+              <a:rPr lang="en-US" dirty="0"/>
+              <a:t>X,Y -&gt; 0 : no explicit relationship between variables is found</a:t>
             </a:r>
             <a:endParaRPr lang="ru-RU" b="1" dirty="0"/>
+          </a:p>
+        </p:txBody>
+      </p:sp>
+      <p:sp>
+        <p:nvSpPr>
+          <p:cNvPr id="12" name="TextBox 11"/>
+          <p:cNvSpPr txBox="1"/>
+          <p:nvPr/>
+        </p:nvSpPr>
+        <p:spPr>
+          <a:xfrm>
+            <a:off x="175456" y="4399984"/>
+            <a:ext cx="8436805" cy="1200329"/>
+          </a:xfrm>
+          <a:prstGeom prst="rect">
+            <a:avLst/>
+          </a:prstGeom>
+          <a:noFill/>
+        </p:spPr>
+        <p:txBody>
+          <a:bodyPr wrap="square" rtlCol="0">
+            <a:spAutoFit/>
+          </a:bodyPr>
+          <a:lstStyle/>
+          <a:p>
+            <a:r>
+              <a:rPr lang="en-US" dirty="0"/>
+              <a:t>Correlation coefficient (</a:t>
+            </a:r>
+            <a:r>
+              <a:rPr lang="el-GR" dirty="0"/>
+              <a:t>ρ</a:t>
+            </a:r>
+            <a:r>
+              <a:rPr lang="en-US" dirty="0"/>
+              <a:t>X,Y) demonstrate </a:t>
+            </a:r>
+            <a:r>
+              <a:rPr lang="en-US" b="1" dirty="0"/>
+              <a:t>the presence of linear relationship </a:t>
+            </a:r>
+            <a:r>
+              <a:rPr lang="en-US" dirty="0"/>
+              <a:t>between two variable.</a:t>
+            </a:r>
+          </a:p>
+          <a:p>
+            <a:endParaRPr lang="en-US" dirty="0"/>
+          </a:p>
+          <a:p>
+            <a:r>
+              <a:rPr lang="en-US" dirty="0"/>
+              <a:t>Based upon </a:t>
+            </a:r>
+            <a:r>
+              <a:rPr lang="el-GR" dirty="0"/>
+              <a:t>ρ</a:t>
+            </a:r>
+            <a:r>
+              <a:rPr lang="en-US" dirty="0"/>
+              <a:t>X,Y the correlation matrix is created. </a:t>
+            </a:r>
+            <a:endParaRPr lang="ru-RU" dirty="0"/>
           </a:p>
         </p:txBody>
       </p:sp>
     </p:spTree>
     <p:extLst>
       <p:ext uri="{BB962C8B-B14F-4D97-AF65-F5344CB8AC3E}">
-        <p14:creationId xmlns:p14="http://schemas.microsoft.com/office/powerpoint/2010/main" val="1230422739"/>
+        <p14:creationId xmlns:p14="http://schemas.microsoft.com/office/powerpoint/2010/main" val="2453106290"/>
       </p:ext>
     </p:extLst>
   </p:cSld>
@@ -5349,7 +5298,7 @@
       </p:sp>
       <p:sp>
         <p:nvSpPr>
-          <p:cNvPr id="7" name="Заголовок 1"/>
+          <p:cNvPr id="5" name="Заголовок 1"/>
           <p:cNvSpPr>
             <a:spLocks noGrp="1"/>
           </p:cNvSpPr>
@@ -5371,12 +5320,12 @@
           <a:p>
             <a:pPr algn="ctr"/>
             <a:r>
-              <a:rPr lang="en-US" sz="2400" b="1" dirty="0" smtClean="0">
+              <a:rPr lang="en-US" sz="2400" b="1" dirty="0">
                 <a:solidFill>
                   <a:srgbClr val="00B0F0"/>
                 </a:solidFill>
               </a:rPr>
-              <a:t>Applied example</a:t>
+              <a:t>Covariance &amp; Correlation </a:t>
             </a:r>
             <a:endParaRPr lang="ru-RU" sz="2400" b="1" dirty="0">
               <a:solidFill>
@@ -5386,9 +5335,39 @@
           </a:p>
         </p:txBody>
       </p:sp>
+      <p:sp>
+        <p:nvSpPr>
+          <p:cNvPr id="7" name="TextBox 6"/>
+          <p:cNvSpPr txBox="1"/>
+          <p:nvPr/>
+        </p:nvSpPr>
+        <p:spPr>
+          <a:xfrm>
+            <a:off x="473961" y="923453"/>
+            <a:ext cx="2161079" cy="369332"/>
+          </a:xfrm>
+          <a:prstGeom prst="rect">
+            <a:avLst/>
+          </a:prstGeom>
+          <a:noFill/>
+        </p:spPr>
+        <p:txBody>
+          <a:bodyPr wrap="square" rtlCol="0">
+            <a:spAutoFit/>
+          </a:bodyPr>
+          <a:lstStyle/>
+          <a:p>
+            <a:r>
+              <a:rPr lang="en-US" b="1" dirty="0"/>
+              <a:t>Covariance</a:t>
+            </a:r>
+            <a:endParaRPr lang="ru-RU" b="1" dirty="0"/>
+          </a:p>
+        </p:txBody>
+      </p:sp>
       <p:pic>
         <p:nvPicPr>
-          <p:cNvPr id="2" name="Рисунок 1"/>
+          <p:cNvPr id="8" name="Рисунок 7"/>
           <p:cNvPicPr>
             <a:picLocks noChangeAspect="1"/>
           </p:cNvPicPr>
@@ -5402,18 +5381,72 @@
         </p:blipFill>
         <p:spPr>
           <a:xfrm>
-            <a:off x="1255500" y="997128"/>
-            <a:ext cx="6633000" cy="4230000"/>
+            <a:off x="473960" y="1292785"/>
+            <a:ext cx="6921949" cy="1368934"/>
           </a:xfrm>
           <a:prstGeom prst="rect">
             <a:avLst/>
           </a:prstGeom>
         </p:spPr>
       </p:pic>
+      <p:pic>
+        <p:nvPicPr>
+          <p:cNvPr id="9" name="Рисунок 8"/>
+          <p:cNvPicPr>
+            <a:picLocks noChangeAspect="1"/>
+          </p:cNvPicPr>
+          <p:nvPr/>
+        </p:nvPicPr>
+        <p:blipFill>
+          <a:blip r:embed="rId3"/>
+          <a:stretch>
+            <a:fillRect/>
+          </a:stretch>
+        </p:blipFill>
+        <p:spPr>
+          <a:xfrm>
+            <a:off x="473960" y="3414350"/>
+            <a:ext cx="6921949" cy="2031322"/>
+          </a:xfrm>
+          <a:prstGeom prst="rect">
+            <a:avLst/>
+          </a:prstGeom>
+        </p:spPr>
+      </p:pic>
+      <p:sp>
+        <p:nvSpPr>
+          <p:cNvPr id="10" name="TextBox 9"/>
+          <p:cNvSpPr txBox="1"/>
+          <p:nvPr/>
+        </p:nvSpPr>
+        <p:spPr>
+          <a:xfrm>
+            <a:off x="381918" y="3031051"/>
+            <a:ext cx="2161079" cy="369332"/>
+          </a:xfrm>
+          <a:prstGeom prst="rect">
+            <a:avLst/>
+          </a:prstGeom>
+          <a:noFill/>
+        </p:spPr>
+        <p:txBody>
+          <a:bodyPr wrap="square" rtlCol="0">
+            <a:spAutoFit/>
+          </a:bodyPr>
+          <a:lstStyle/>
+          <a:p>
+            <a:r>
+              <a:rPr lang="en-US" b="1" dirty="0"/>
+              <a:t>Correlation</a:t>
+            </a:r>
+            <a:endParaRPr lang="ru-RU" b="1" dirty="0"/>
+          </a:p>
+        </p:txBody>
+      </p:sp>
     </p:spTree>
     <p:extLst>
       <p:ext uri="{BB962C8B-B14F-4D97-AF65-F5344CB8AC3E}">
-        <p14:creationId xmlns:p14="http://schemas.microsoft.com/office/powerpoint/2010/main" val="2246501106"/>
+        <p14:creationId xmlns:p14="http://schemas.microsoft.com/office/powerpoint/2010/main" val="1230422739"/>
       </p:ext>
     </p:extLst>
   </p:cSld>
@@ -5465,7 +5498,7 @@
       </p:sp>
       <p:sp>
         <p:nvSpPr>
-          <p:cNvPr id="6" name="Заголовок 1"/>
+          <p:cNvPr id="7" name="Заголовок 1"/>
           <p:cNvSpPr>
             <a:spLocks noGrp="1"/>
           </p:cNvSpPr>
@@ -5487,7 +5520,123 @@
           <a:p>
             <a:pPr algn="ctr"/>
             <a:r>
-              <a:rPr lang="en-US" sz="2400" b="1" dirty="0" smtClean="0">
+              <a:rPr lang="en-US" sz="2400" b="1" dirty="0">
+                <a:solidFill>
+                  <a:srgbClr val="00B0F0"/>
+                </a:solidFill>
+              </a:rPr>
+              <a:t>Applied example</a:t>
+            </a:r>
+            <a:endParaRPr lang="ru-RU" sz="2400" b="1" dirty="0">
+              <a:solidFill>
+                <a:srgbClr val="00B0F0"/>
+              </a:solidFill>
+            </a:endParaRPr>
+          </a:p>
+        </p:txBody>
+      </p:sp>
+      <p:pic>
+        <p:nvPicPr>
+          <p:cNvPr id="2" name="Рисунок 1"/>
+          <p:cNvPicPr>
+            <a:picLocks noChangeAspect="1"/>
+          </p:cNvPicPr>
+          <p:nvPr/>
+        </p:nvPicPr>
+        <p:blipFill>
+          <a:blip r:embed="rId2"/>
+          <a:stretch>
+            <a:fillRect/>
+          </a:stretch>
+        </p:blipFill>
+        <p:spPr>
+          <a:xfrm>
+            <a:off x="1255500" y="997128"/>
+            <a:ext cx="6633000" cy="4230000"/>
+          </a:xfrm>
+          <a:prstGeom prst="rect">
+            <a:avLst/>
+          </a:prstGeom>
+        </p:spPr>
+      </p:pic>
+    </p:spTree>
+    <p:extLst>
+      <p:ext uri="{BB962C8B-B14F-4D97-AF65-F5344CB8AC3E}">
+        <p14:creationId xmlns:p14="http://schemas.microsoft.com/office/powerpoint/2010/main" val="2246501106"/>
+      </p:ext>
+    </p:extLst>
+  </p:cSld>
+  <p:clrMapOvr>
+    <a:masterClrMapping/>
+  </p:clrMapOvr>
+</p:sld>
+</file>
+
+<file path=ppt/slides/slide19.xml><?xml version="1.0" encoding="utf-8"?>
+<p:sld xmlns:a="http://schemas.openxmlformats.org/drawingml/2006/main" xmlns:r="http://schemas.openxmlformats.org/officeDocument/2006/relationships" xmlns:p="http://schemas.openxmlformats.org/presentationml/2006/main">
+  <p:cSld>
+    <p:spTree>
+      <p:nvGrpSpPr>
+        <p:cNvPr id="1" name=""/>
+        <p:cNvGrpSpPr/>
+        <p:nvPr/>
+      </p:nvGrpSpPr>
+      <p:grpSpPr>
+        <a:xfrm>
+          <a:off x="0" y="0"/>
+          <a:ext cx="0" cy="0"/>
+          <a:chOff x="0" y="0"/>
+          <a:chExt cx="0" cy="0"/>
+        </a:xfrm>
+      </p:grpSpPr>
+      <p:sp>
+        <p:nvSpPr>
+          <p:cNvPr id="4" name="Номер слайда 3"/>
+          <p:cNvSpPr>
+            <a:spLocks noGrp="1"/>
+          </p:cNvSpPr>
+          <p:nvPr>
+            <p:ph type="sldNum" sz="quarter" idx="12"/>
+          </p:nvPr>
+        </p:nvSpPr>
+        <p:spPr/>
+        <p:txBody>
+          <a:bodyPr/>
+          <a:lstStyle/>
+          <a:p>
+            <a:fld id="{C936BD1D-689F-4FB2-8C94-2D2423F07E62}" type="slidenum">
+              <a:rPr lang="ru-RU" smtClean="0"/>
+              <a:t>19</a:t>
+            </a:fld>
+            <a:endParaRPr lang="ru-RU"/>
+          </a:p>
+        </p:txBody>
+      </p:sp>
+      <p:sp>
+        <p:nvSpPr>
+          <p:cNvPr id="6" name="Заголовок 1"/>
+          <p:cNvSpPr>
+            <a:spLocks noGrp="1"/>
+          </p:cNvSpPr>
+          <p:nvPr>
+            <p:ph type="title"/>
+          </p:nvPr>
+        </p:nvSpPr>
+        <p:spPr>
+          <a:xfrm>
+            <a:off x="628650" y="365127"/>
+            <a:ext cx="7886700" cy="476846"/>
+          </a:xfrm>
+        </p:spPr>
+        <p:txBody>
+          <a:bodyPr vert="horz" lIns="91440" tIns="45720" rIns="91440" bIns="45720" rtlCol="0" anchor="b">
+            <a:noAutofit/>
+          </a:bodyPr>
+          <a:lstStyle/>
+          <a:p>
+            <a:pPr algn="ctr"/>
+            <a:r>
+              <a:rPr lang="en-US" sz="2400" b="1" dirty="0">
                 <a:solidFill>
                   <a:srgbClr val="00B0F0"/>
                 </a:solidFill>
@@ -5530,53 +5679,7 @@
             </a:pPr>
             <a:r>
               <a:rPr lang="en-US" dirty="0"/>
-              <a:t>a</a:t>
-            </a:r>
-            <a:r>
-              <a:rPr lang="en-US" dirty="0" smtClean="0"/>
-              <a:t>ll variables contain extreme values which could be investigated</a:t>
-            </a:r>
-          </a:p>
-          <a:p>
-            <a:pPr marL="285750" indent="-285750">
-              <a:buFont typeface="Arial" panose="020B0604020202020204" pitchFamily="34" charset="0"/>
-              <a:buChar char="•"/>
-            </a:pPr>
-            <a:endParaRPr lang="en-US" dirty="0" smtClean="0"/>
-          </a:p>
-          <a:p>
-            <a:pPr marL="285750" indent="-285750">
-              <a:buFont typeface="Arial" panose="020B0604020202020204" pitchFamily="34" charset="0"/>
-              <a:buChar char="•"/>
-            </a:pPr>
-            <a:r>
-              <a:rPr lang="en-US" dirty="0" smtClean="0"/>
-              <a:t>from the point of view of variance the best </a:t>
-            </a:r>
-            <a:r>
-              <a:rPr lang="en-US" dirty="0"/>
-              <a:t>variable is </a:t>
-            </a:r>
-            <a:r>
-              <a:rPr lang="en-US" dirty="0" smtClean="0"/>
-              <a:t>HOUR_APPR_PROCESS_START (27%) -&gt; it could be used in further draft calculations even despite high oscillator ratio</a:t>
-            </a:r>
-          </a:p>
-          <a:p>
-            <a:r>
-              <a:rPr lang="en-US" dirty="0"/>
-              <a:t> </a:t>
-            </a:r>
-            <a:endParaRPr lang="en-US" dirty="0" smtClean="0"/>
-          </a:p>
-          <a:p>
-            <a:pPr marL="285750" indent="-285750">
-              <a:buFont typeface="Arial" panose="020B0604020202020204" pitchFamily="34" charset="0"/>
-              <a:buChar char="•"/>
-            </a:pPr>
-            <a:r>
-              <a:rPr lang="en-US" dirty="0" smtClean="0"/>
-              <a:t>other variables with high oscillator ratio and variance ratio are subject to be investigated for potential subsampling or aggregation  </a:t>
+              <a:t>all variables contain extreme values which could be investigated</a:t>
             </a:r>
           </a:p>
           <a:p>
@@ -5593,11 +5696,13 @@
             </a:pPr>
             <a:r>
               <a:rPr lang="en-US" dirty="0"/>
-              <a:t>t</a:t>
-            </a:r>
-            <a:r>
-              <a:rPr lang="en-US" dirty="0" smtClean="0"/>
-              <a:t>he existence of more then 1 mode could be the reason to reconsider the data set of the variable. </a:t>
+              <a:t>from the point of view of variance the best variable is HOUR_APPR_PROCESS_START (27%) -&gt; it could be used in further draft calculations even despite high oscillator ratio</a:t>
+            </a:r>
+          </a:p>
+          <a:p>
+            <a:r>
+              <a:rPr lang="en-US" dirty="0"/>
+              <a:t> </a:t>
             </a:r>
           </a:p>
           <a:p>
@@ -5605,7 +5710,34 @@
               <a:buFont typeface="Arial" panose="020B0604020202020204" pitchFamily="34" charset="0"/>
               <a:buChar char="•"/>
             </a:pPr>
-            <a:endParaRPr lang="en-US" dirty="0" smtClean="0"/>
+            <a:r>
+              <a:rPr lang="en-US" dirty="0"/>
+              <a:t>other variables with high oscillator ratio and variance ratio are subject to be investigated for potential subsampling or aggregation  </a:t>
+            </a:r>
+          </a:p>
+          <a:p>
+            <a:pPr marL="285750" indent="-285750">
+              <a:buFont typeface="Arial" panose="020B0604020202020204" pitchFamily="34" charset="0"/>
+              <a:buChar char="•"/>
+            </a:pPr>
+            <a:endParaRPr lang="en-US" dirty="0"/>
+          </a:p>
+          <a:p>
+            <a:pPr marL="285750" indent="-285750">
+              <a:buFont typeface="Arial" panose="020B0604020202020204" pitchFamily="34" charset="0"/>
+              <a:buChar char="•"/>
+            </a:pPr>
+            <a:r>
+              <a:rPr lang="en-US" dirty="0"/>
+              <a:t>the existence of more then 1 mode could be the reason to reconsider the data set of the variable. </a:t>
+            </a:r>
+          </a:p>
+          <a:p>
+            <a:pPr marL="285750" indent="-285750">
+              <a:buFont typeface="Arial" panose="020B0604020202020204" pitchFamily="34" charset="0"/>
+              <a:buChar char="•"/>
+            </a:pPr>
+            <a:endParaRPr lang="en-US" dirty="0"/>
           </a:p>
           <a:p>
             <a:pPr marL="285750" indent="-285750">
@@ -5646,33 +5778,44 @@
           <a:chExt cx="0" cy="0"/>
         </a:xfrm>
       </p:grpSpPr>
-      <p:pic>
-        <p:nvPicPr>
-          <p:cNvPr id="9" name="Рисунок 8"/>
-          <p:cNvPicPr>
-            <a:picLocks noChangeAspect="1"/>
-          </p:cNvPicPr>
-          <p:nvPr/>
-        </p:nvPicPr>
-        <p:blipFill>
-          <a:blip r:embed="rId2"/>
-          <a:stretch>
-            <a:fillRect/>
-          </a:stretch>
-        </p:blipFill>
-        <p:spPr>
-          <a:xfrm>
-            <a:off x="261937" y="790734"/>
-            <a:ext cx="3352062" cy="4619981"/>
-          </a:xfrm>
-          <a:prstGeom prst="rect">
-            <a:avLst/>
-          </a:prstGeom>
-        </p:spPr>
-      </p:pic>
-      <p:sp>
-        <p:nvSpPr>
-          <p:cNvPr id="10" name="Заголовок 1"/>
+      <p:sp>
+        <p:nvSpPr>
+          <p:cNvPr id="4" name="Slide Number Placeholder 3">
+            <a:extLst>
+              <a:ext uri="{FF2B5EF4-FFF2-40B4-BE49-F238E27FC236}">
+                <a16:creationId xmlns:a16="http://schemas.microsoft.com/office/drawing/2014/main" id="{67F31D0F-5D9C-465B-9D62-FE389C743214}"/>
+              </a:ext>
+            </a:extLst>
+          </p:cNvPr>
+          <p:cNvSpPr>
+            <a:spLocks noGrp="1"/>
+          </p:cNvSpPr>
+          <p:nvPr>
+            <p:ph type="sldNum" sz="quarter" idx="12"/>
+          </p:nvPr>
+        </p:nvSpPr>
+        <p:spPr/>
+        <p:txBody>
+          <a:bodyPr/>
+          <a:lstStyle/>
+          <a:p>
+            <a:fld id="{C936BD1D-689F-4FB2-8C94-2D2423F07E62}" type="slidenum">
+              <a:rPr lang="ru-RU" smtClean="0"/>
+              <a:t>2</a:t>
+            </a:fld>
+            <a:endParaRPr lang="ru-RU"/>
+          </a:p>
+        </p:txBody>
+      </p:sp>
+      <p:sp>
+        <p:nvSpPr>
+          <p:cNvPr id="5" name="Заголовок 1">
+            <a:extLst>
+              <a:ext uri="{FF2B5EF4-FFF2-40B4-BE49-F238E27FC236}">
+                <a16:creationId xmlns:a16="http://schemas.microsoft.com/office/drawing/2014/main" id="{6622F126-995A-48D3-A6F2-0285C938EB84}"/>
+              </a:ext>
+            </a:extLst>
+          </p:cNvPr>
           <p:cNvSpPr txBox="1">
             <a:spLocks/>
           </p:cNvSpPr>
@@ -5712,12 +5855,12 @@
           </a:lstStyle>
           <a:p>
             <a:r>
-              <a:rPr lang="en-US" sz="2400" b="1" dirty="0" smtClean="0">
+              <a:rPr lang="en-US" sz="2400" b="1" dirty="0">
                 <a:solidFill>
                   <a:srgbClr val="00B0F0"/>
                 </a:solidFill>
               </a:rPr>
-              <a:t>Population vs. Sample</a:t>
+              <a:t>General Course Overview</a:t>
             </a:r>
             <a:endParaRPr lang="ru-RU" sz="2400" b="1" dirty="0">
               <a:solidFill>
@@ -5729,14 +5872,20 @@
       </p:sp>
       <p:sp>
         <p:nvSpPr>
-          <p:cNvPr id="11" name="TextBox 10"/>
+          <p:cNvPr id="6" name="TextBox 5">
+            <a:extLst>
+              <a:ext uri="{FF2B5EF4-FFF2-40B4-BE49-F238E27FC236}">
+                <a16:creationId xmlns:a16="http://schemas.microsoft.com/office/drawing/2014/main" id="{5E71F624-47E1-4873-B9F2-D6C042650A78}"/>
+              </a:ext>
+            </a:extLst>
+          </p:cNvPr>
           <p:cNvSpPr txBox="1"/>
           <p:nvPr/>
         </p:nvSpPr>
         <p:spPr>
           <a:xfrm>
-            <a:off x="3847361" y="787955"/>
-            <a:ext cx="5015982" cy="4247317"/>
+            <a:off x="363984" y="787955"/>
+            <a:ext cx="8499359" cy="6124754"/>
           </a:xfrm>
           <a:prstGeom prst="rect">
             <a:avLst/>
@@ -5749,110 +5898,112 @@
           </a:bodyPr>
           <a:lstStyle/>
           <a:p>
+            <a:pPr marL="342900" indent="-342900" algn="just">
+              <a:buFont typeface="+mj-lt"/>
+              <a:buAutoNum type="arabicPeriod"/>
+            </a:pPr>
+            <a:r>
+              <a:rPr lang="en-US" sz="2800" b="1" dirty="0"/>
+              <a:t>Exploratory Analysis Basics</a:t>
+            </a:r>
+          </a:p>
+          <a:p>
+            <a:pPr marL="342900" indent="-342900" algn="just">
+              <a:buFont typeface="+mj-lt"/>
+              <a:buAutoNum type="arabicPeriod"/>
+            </a:pPr>
+            <a:endParaRPr lang="en-US" sz="2800" b="1" dirty="0"/>
+          </a:p>
+          <a:p>
+            <a:pPr marL="342900" indent="-342900" algn="just">
+              <a:buFont typeface="+mj-lt"/>
+              <a:buAutoNum type="arabicPeriod"/>
+            </a:pPr>
+            <a:r>
+              <a:rPr lang="en-US" sz="2800" dirty="0"/>
+              <a:t>Probability and Distributions </a:t>
+            </a:r>
+          </a:p>
+          <a:p>
+            <a:pPr marL="342900" indent="-342900" algn="just">
+              <a:buFont typeface="+mj-lt"/>
+              <a:buAutoNum type="arabicPeriod"/>
+            </a:pPr>
+            <a:endParaRPr lang="en-US" sz="2800" dirty="0"/>
+          </a:p>
+          <a:p>
+            <a:pPr marL="342900" indent="-342900" algn="just">
+              <a:buFont typeface="+mj-lt"/>
+              <a:buAutoNum type="arabicPeriod"/>
+            </a:pPr>
+            <a:r>
+              <a:rPr lang="en-US" sz="2800" dirty="0"/>
+              <a:t>Inferential statistics</a:t>
+            </a:r>
+          </a:p>
+          <a:p>
+            <a:pPr marL="342900" indent="-342900" algn="just">
+              <a:buFont typeface="+mj-lt"/>
+              <a:buAutoNum type="arabicPeriod"/>
+            </a:pPr>
+            <a:endParaRPr lang="en-US" sz="2800" dirty="0"/>
+          </a:p>
+          <a:p>
+            <a:pPr marL="342900" indent="-342900" algn="just">
+              <a:buFont typeface="+mj-lt"/>
+              <a:buAutoNum type="arabicPeriod"/>
+            </a:pPr>
+            <a:r>
+              <a:rPr lang="en-US" sz="2800" dirty="0"/>
+              <a:t>Machine Learning Algorithms (the content is in progress)</a:t>
+            </a:r>
+          </a:p>
+          <a:p>
             <a:pPr algn="just"/>
-            <a:r>
-              <a:rPr lang="en-US" b="1" i="1" dirty="0" smtClean="0"/>
-              <a:t>Population</a:t>
-            </a:r>
-            <a:r>
-              <a:rPr lang="en-US" dirty="0" smtClean="0"/>
-              <a:t> is the finite data set comprising 100% of the info required to make the best analytical solution.</a:t>
-            </a:r>
+            <a:endParaRPr lang="en-US" sz="2800" dirty="0"/>
           </a:p>
           <a:p>
             <a:pPr algn="just"/>
-            <a:endParaRPr lang="en-US" dirty="0" smtClean="0"/>
+            <a:endParaRPr lang="en-US" sz="2800" dirty="0"/>
           </a:p>
           <a:p>
             <a:pPr algn="just"/>
             <a:r>
-              <a:rPr lang="en-US" b="1" i="1" dirty="0" smtClean="0"/>
-              <a:t>Sample</a:t>
-            </a:r>
-            <a:r>
-              <a:rPr lang="en-US" dirty="0" smtClean="0"/>
-              <a:t> is a part of the population. It has the identical structure, mean and variance </a:t>
-            </a:r>
-            <a:r>
-              <a:rPr lang="en-US" i="1" u="sng" dirty="0" smtClean="0"/>
-              <a:t>are close to </a:t>
-            </a:r>
-            <a:r>
-              <a:rPr lang="en-US" dirty="0" smtClean="0"/>
-              <a:t>population ones -&gt; it </a:t>
-            </a:r>
-            <a:r>
-              <a:rPr lang="en-US" i="1" u="sng" dirty="0" smtClean="0"/>
-              <a:t>is likely</a:t>
-            </a:r>
-            <a:r>
-              <a:rPr lang="en-US" dirty="0" smtClean="0"/>
-              <a:t> to make the approximate solution to population one. </a:t>
-            </a:r>
-            <a:endParaRPr lang="en-US" dirty="0"/>
+              <a:rPr lang="en-US" sz="2800" dirty="0"/>
+              <a:t>Detailed Syllabus is in ‘Course Content’.</a:t>
+            </a:r>
           </a:p>
           <a:p>
             <a:pPr algn="just"/>
-            <a:endParaRPr lang="en-US" dirty="0" smtClean="0"/>
+            <a:endParaRPr lang="en-US" sz="2800" dirty="0"/>
           </a:p>
           <a:p>
             <a:pPr algn="just"/>
-            <a:endParaRPr lang="en-US" dirty="0"/>
-          </a:p>
-          <a:p>
-            <a:pPr algn="just"/>
-            <a:r>
-              <a:rPr lang="en-US" dirty="0" smtClean="0"/>
-              <a:t>In real life it is </a:t>
-            </a:r>
-            <a:r>
-              <a:rPr lang="en-US" i="1" u="sng" dirty="0" smtClean="0"/>
-              <a:t>unlikely</a:t>
-            </a:r>
-            <a:r>
-              <a:rPr lang="en-US" dirty="0" smtClean="0"/>
-              <a:t> to encompass 100% of all info required -&gt; </a:t>
-            </a:r>
-            <a:r>
-              <a:rPr lang="en-US" b="1" dirty="0" smtClean="0"/>
-              <a:t>samples</a:t>
-            </a:r>
-            <a:r>
-              <a:rPr lang="en-US" dirty="0" smtClean="0"/>
-              <a:t> are used to work with.</a:t>
-            </a:r>
-          </a:p>
-          <a:p>
-            <a:pPr algn="just"/>
-            <a:endParaRPr lang="en-US" dirty="0" smtClean="0"/>
-          </a:p>
-          <a:p>
-            <a:pPr algn="just"/>
-            <a:r>
-              <a:rPr lang="en-US" b="1" dirty="0" smtClean="0"/>
-              <a:t>Thus, any sample is a population for subsamples and vice verse.</a:t>
-            </a:r>
-            <a:endParaRPr lang="ru-RU" b="1" dirty="0"/>
+            <a:r>
+              <a:rPr lang="en-US" sz="2800" dirty="0"/>
+              <a:t>R script to generate numeric values for slides is in ‘</a:t>
+            </a:r>
+            <a:r>
+              <a:rPr lang="en-US" sz="2800" dirty="0" err="1"/>
+              <a:t>draft.Rmd</a:t>
+            </a:r>
+            <a:r>
+              <a:rPr lang="en-US" sz="2800" dirty="0"/>
+              <a:t>’</a:t>
+            </a:r>
           </a:p>
         </p:txBody>
       </p:sp>
     </p:spTree>
     <p:extLst>
       <p:ext uri="{BB962C8B-B14F-4D97-AF65-F5344CB8AC3E}">
-        <p14:creationId xmlns:p14="http://schemas.microsoft.com/office/powerpoint/2010/main" val="2402529745"/>
+        <p14:creationId xmlns:p14="http://schemas.microsoft.com/office/powerpoint/2010/main" val="2343177825"/>
       </p:ext>
     </p:extLst>
   </p:cSld>
   <p:clrMapOvr>
     <a:masterClrMapping/>
   </p:clrMapOvr>
-  <p:timing>
-    <p:tnLst>
-      <p:par>
-        <p:cTn id="1" dur="indefinite" restart="never" nodeType="tmRoot"/>
-      </p:par>
-    </p:tnLst>
-  </p:timing>
 </p:sld>
 </file>
 
@@ -5873,32 +6024,33 @@
           <a:chExt cx="0" cy="0"/>
         </a:xfrm>
       </p:grpSpPr>
-      <p:sp>
-        <p:nvSpPr>
-          <p:cNvPr id="4" name="Номер слайда 3"/>
-          <p:cNvSpPr>
-            <a:spLocks noGrp="1"/>
-          </p:cNvSpPr>
-          <p:nvPr>
-            <p:ph type="sldNum" sz="quarter" idx="12"/>
-          </p:nvPr>
-        </p:nvSpPr>
-        <p:spPr/>
-        <p:txBody>
-          <a:bodyPr/>
-          <a:lstStyle/>
-          <a:p>
-            <a:fld id="{C936BD1D-689F-4FB2-8C94-2D2423F07E62}" type="slidenum">
-              <a:rPr lang="ru-RU" smtClean="0"/>
-              <a:t>3</a:t>
-            </a:fld>
-            <a:endParaRPr lang="ru-RU"/>
-          </a:p>
-        </p:txBody>
-      </p:sp>
-      <p:sp>
-        <p:nvSpPr>
-          <p:cNvPr id="5" name="Заголовок 1"/>
+      <p:pic>
+        <p:nvPicPr>
+          <p:cNvPr id="9" name="Рисунок 8"/>
+          <p:cNvPicPr>
+            <a:picLocks noChangeAspect="1"/>
+          </p:cNvPicPr>
+          <p:nvPr/>
+        </p:nvPicPr>
+        <p:blipFill>
+          <a:blip r:embed="rId2"/>
+          <a:stretch>
+            <a:fillRect/>
+          </a:stretch>
+        </p:blipFill>
+        <p:spPr>
+          <a:xfrm>
+            <a:off x="261937" y="790734"/>
+            <a:ext cx="3352062" cy="4619981"/>
+          </a:xfrm>
+          <a:prstGeom prst="rect">
+            <a:avLst/>
+          </a:prstGeom>
+        </p:spPr>
+      </p:pic>
+      <p:sp>
+        <p:nvSpPr>
+          <p:cNvPr id="10" name="Заголовок 1"/>
           <p:cNvSpPr txBox="1">
             <a:spLocks/>
           </p:cNvSpPr>
@@ -5906,7 +6058,7 @@
         </p:nvSpPr>
         <p:spPr>
           <a:xfrm>
-            <a:off x="121656" y="301752"/>
+            <a:off x="148816" y="319859"/>
             <a:ext cx="7886700" cy="331991"/>
           </a:xfrm>
           <a:prstGeom prst="rect">
@@ -5918,10 +6070,7 @@
             <a:noAutofit/>
           </a:bodyPr>
           <a:lstStyle>
-            <a:defPPr>
-              <a:defRPr lang="en-US"/>
-            </a:defPPr>
-            <a:lvl1pPr algn="ctr" defTabSz="914400">
+            <a:lvl1pPr algn="ctr" defTabSz="914400" rtl="0" eaLnBrk="1" latinLnBrk="0" hangingPunct="1">
               <a:lnSpc>
                 <a:spcPct val="90000"/>
               </a:lnSpc>
@@ -5929,9 +6078,9 @@
                 <a:spcPct val="0"/>
               </a:spcBef>
               <a:buNone/>
-              <a:defRPr sz="2400" b="1">
+              <a:defRPr sz="6000" kern="1200">
                 <a:solidFill>
-                  <a:srgbClr val="00B0F0"/>
+                  <a:schemeClr val="tx1"/>
                 </a:solidFill>
                 <a:latin typeface="+mj-lt"/>
                 <a:ea typeface="+mj-ea"/>
@@ -5941,184 +6090,133 @@
           </a:lstStyle>
           <a:p>
             <a:r>
-              <a:rPr lang="en-US" dirty="0"/>
-              <a:t>Types of </a:t>
-            </a:r>
-            <a:r>
-              <a:rPr lang="en-US" dirty="0" smtClean="0"/>
-              <a:t>data</a:t>
-            </a:r>
-            <a:endParaRPr lang="ru-RU" dirty="0"/>
-          </a:p>
-        </p:txBody>
-      </p:sp>
-      <p:sp>
-        <p:nvSpPr>
-          <p:cNvPr id="6" name="Прямоугольник 5"/>
-          <p:cNvSpPr/>
+              <a:rPr lang="en-US" sz="2400" b="1" dirty="0">
+                <a:solidFill>
+                  <a:srgbClr val="00B0F0"/>
+                </a:solidFill>
+              </a:rPr>
+              <a:t>Population vs. Sample</a:t>
+            </a:r>
+            <a:endParaRPr lang="ru-RU" sz="2400" b="1" dirty="0">
+              <a:solidFill>
+                <a:srgbClr val="00B0F0"/>
+              </a:solidFill>
+            </a:endParaRPr>
+          </a:p>
+        </p:txBody>
+      </p:sp>
+      <p:sp>
+        <p:nvSpPr>
+          <p:cNvPr id="11" name="TextBox 10"/>
+          <p:cNvSpPr txBox="1"/>
           <p:nvPr/>
         </p:nvSpPr>
         <p:spPr>
           <a:xfrm>
-            <a:off x="430478" y="736524"/>
-            <a:ext cx="8084872" cy="4708981"/>
+            <a:off x="3847361" y="787955"/>
+            <a:ext cx="5015982" cy="4247317"/>
           </a:xfrm>
           <a:prstGeom prst="rect">
             <a:avLst/>
           </a:prstGeom>
-        </p:spPr>
-        <p:txBody>
-          <a:bodyPr wrap="square">
+          <a:noFill/>
+        </p:spPr>
+        <p:txBody>
+          <a:bodyPr wrap="square" rtlCol="0">
             <a:spAutoFit/>
           </a:bodyPr>
           <a:lstStyle/>
           <a:p>
-            <a:endParaRPr lang="en-US" sz="2000" b="1" dirty="0" smtClean="0">
-              <a:latin typeface="Calibri" panose="020F0502020204030204" pitchFamily="34" charset="0"/>
-              <a:ea typeface="Calibri" panose="020F0502020204030204" pitchFamily="34" charset="0"/>
-              <a:cs typeface="Times New Roman" panose="02020603050405020304" pitchFamily="18" charset="0"/>
-            </a:endParaRPr>
-          </a:p>
-          <a:p>
-            <a:r>
-              <a:rPr lang="en-US" sz="2000" b="1" dirty="0" smtClean="0">
-                <a:latin typeface="Calibri" panose="020F0502020204030204" pitchFamily="34" charset="0"/>
-                <a:ea typeface="Calibri" panose="020F0502020204030204" pitchFamily="34" charset="0"/>
-                <a:cs typeface="Times New Roman" panose="02020603050405020304" pitchFamily="18" charset="0"/>
-              </a:rPr>
-              <a:t>Discrete</a:t>
-            </a:r>
-            <a:r>
-              <a:rPr lang="en-US" sz="2000" dirty="0" smtClean="0">
-                <a:latin typeface="Calibri" panose="020F0502020204030204" pitchFamily="34" charset="0"/>
-                <a:ea typeface="Calibri" panose="020F0502020204030204" pitchFamily="34" charset="0"/>
-                <a:cs typeface="Times New Roman" panose="02020603050405020304" pitchFamily="18" charset="0"/>
-              </a:rPr>
-              <a:t> – 1, 2 , 3, 5466, 0, 76832675, …</a:t>
-            </a:r>
-          </a:p>
-          <a:p>
-            <a:endParaRPr lang="en-US" sz="2000" dirty="0" smtClean="0">
-              <a:latin typeface="Calibri" panose="020F0502020204030204" pitchFamily="34" charset="0"/>
-              <a:ea typeface="Calibri" panose="020F0502020204030204" pitchFamily="34" charset="0"/>
-              <a:cs typeface="Times New Roman" panose="02020603050405020304" pitchFamily="18" charset="0"/>
-            </a:endParaRPr>
-          </a:p>
-          <a:p>
-            <a:endParaRPr lang="en-US" sz="2000" dirty="0" smtClean="0">
-              <a:latin typeface="Calibri" panose="020F0502020204030204" pitchFamily="34" charset="0"/>
-              <a:ea typeface="Calibri" panose="020F0502020204030204" pitchFamily="34" charset="0"/>
-              <a:cs typeface="Times New Roman" panose="02020603050405020304" pitchFamily="18" charset="0"/>
-            </a:endParaRPr>
-          </a:p>
-          <a:p>
-            <a:endParaRPr lang="en-US" sz="2000" dirty="0" smtClean="0">
-              <a:latin typeface="Calibri" panose="020F0502020204030204" pitchFamily="34" charset="0"/>
-              <a:ea typeface="Calibri" panose="020F0502020204030204" pitchFamily="34" charset="0"/>
-              <a:cs typeface="Times New Roman" panose="02020603050405020304" pitchFamily="18" charset="0"/>
-            </a:endParaRPr>
-          </a:p>
-          <a:p>
-            <a:r>
-              <a:rPr lang="en-US" sz="2000" b="1" dirty="0" smtClean="0">
-                <a:latin typeface="Calibri" panose="020F0502020204030204" pitchFamily="34" charset="0"/>
-                <a:ea typeface="Calibri" panose="020F0502020204030204" pitchFamily="34" charset="0"/>
-                <a:cs typeface="Times New Roman" panose="02020603050405020304" pitchFamily="18" charset="0"/>
-              </a:rPr>
-              <a:t>Continuous</a:t>
-            </a:r>
-            <a:r>
-              <a:rPr lang="en-US" sz="2000" dirty="0" smtClean="0">
-                <a:latin typeface="Calibri" panose="020F0502020204030204" pitchFamily="34" charset="0"/>
-                <a:ea typeface="Calibri" panose="020F0502020204030204" pitchFamily="34" charset="0"/>
-                <a:cs typeface="Times New Roman" panose="02020603050405020304" pitchFamily="18" charset="0"/>
-              </a:rPr>
-              <a:t> – 1.22, 1.223, 1.2234, 56.567, … </a:t>
-            </a:r>
-            <a:endParaRPr lang="en-US" sz="2000" dirty="0">
-              <a:latin typeface="Calibri" panose="020F0502020204030204" pitchFamily="34" charset="0"/>
-              <a:ea typeface="Calibri" panose="020F0502020204030204" pitchFamily="34" charset="0"/>
-              <a:cs typeface="Times New Roman" panose="02020603050405020304" pitchFamily="18" charset="0"/>
-            </a:endParaRPr>
-          </a:p>
-          <a:p>
-            <a:endParaRPr lang="en-US" sz="2000" dirty="0">
-              <a:latin typeface="Calibri" panose="020F0502020204030204" pitchFamily="34" charset="0"/>
-              <a:ea typeface="Calibri" panose="020F0502020204030204" pitchFamily="34" charset="0"/>
-              <a:cs typeface="Times New Roman" panose="02020603050405020304" pitchFamily="18" charset="0"/>
-            </a:endParaRPr>
-          </a:p>
-          <a:p>
-            <a:endParaRPr lang="en-US" sz="2000" dirty="0" smtClean="0">
-              <a:latin typeface="Calibri" panose="020F0502020204030204" pitchFamily="34" charset="0"/>
-              <a:ea typeface="Calibri" panose="020F0502020204030204" pitchFamily="34" charset="0"/>
-              <a:cs typeface="Times New Roman" panose="02020603050405020304" pitchFamily="18" charset="0"/>
-            </a:endParaRPr>
-          </a:p>
-          <a:p>
-            <a:endParaRPr lang="en-US" sz="2000" dirty="0" smtClean="0">
-              <a:latin typeface="Calibri" panose="020F0502020204030204" pitchFamily="34" charset="0"/>
-              <a:ea typeface="Calibri" panose="020F0502020204030204" pitchFamily="34" charset="0"/>
-              <a:cs typeface="Times New Roman" panose="02020603050405020304" pitchFamily="18" charset="0"/>
-            </a:endParaRPr>
-          </a:p>
-          <a:p>
-            <a:r>
-              <a:rPr lang="en-US" sz="2000" b="1" dirty="0" smtClean="0">
-                <a:latin typeface="Calibri" panose="020F0502020204030204" pitchFamily="34" charset="0"/>
-                <a:ea typeface="Calibri" panose="020F0502020204030204" pitchFamily="34" charset="0"/>
-                <a:cs typeface="Times New Roman" panose="02020603050405020304" pitchFamily="18" charset="0"/>
-              </a:rPr>
-              <a:t>Categorical</a:t>
-            </a:r>
-            <a:r>
-              <a:rPr lang="en-US" sz="2000" dirty="0" smtClean="0">
-                <a:latin typeface="Calibri" panose="020F0502020204030204" pitchFamily="34" charset="0"/>
-                <a:ea typeface="Calibri" panose="020F0502020204030204" pitchFamily="34" charset="0"/>
-                <a:cs typeface="Times New Roman" panose="02020603050405020304" pitchFamily="18" charset="0"/>
-              </a:rPr>
-              <a:t> – c(“Yes”, “No”, “Unknown”), c(“12/12/2019”, “31/12/2017”), … </a:t>
-            </a:r>
-          </a:p>
-          <a:p>
-            <a:r>
-              <a:rPr lang="en-US" sz="2000" dirty="0" smtClean="0">
-                <a:latin typeface="Calibri" panose="020F0502020204030204" pitchFamily="34" charset="0"/>
-                <a:ea typeface="Calibri" panose="020F0502020204030204" pitchFamily="34" charset="0"/>
-                <a:cs typeface="Times New Roman" panose="02020603050405020304" pitchFamily="18" charset="0"/>
-              </a:rPr>
-              <a:t> </a:t>
-            </a:r>
-          </a:p>
-          <a:p>
-            <a:endParaRPr lang="en-US" sz="2000" dirty="0" smtClean="0">
-              <a:latin typeface="Calibri" panose="020F0502020204030204" pitchFamily="34" charset="0"/>
-              <a:ea typeface="Calibri" panose="020F0502020204030204" pitchFamily="34" charset="0"/>
-              <a:cs typeface="Times New Roman" panose="02020603050405020304" pitchFamily="18" charset="0"/>
-            </a:endParaRPr>
-          </a:p>
-          <a:p>
-            <a:r>
-              <a:rPr lang="en-US" sz="2000" dirty="0" smtClean="0">
-                <a:latin typeface="Calibri" panose="020F0502020204030204" pitchFamily="34" charset="0"/>
-                <a:cs typeface="Times New Roman" panose="02020603050405020304" pitchFamily="18" charset="0"/>
-              </a:rPr>
-              <a:t>Categorical variables could be treated in different ways – mainly it is converting to numbers and processing as numbers.</a:t>
-            </a:r>
-            <a:endParaRPr lang="en-US" sz="2000" dirty="0">
-              <a:latin typeface="Calibri" panose="020F0502020204030204" pitchFamily="34" charset="0"/>
-              <a:cs typeface="Times New Roman" panose="02020603050405020304" pitchFamily="18" charset="0"/>
-            </a:endParaRPr>
-          </a:p>
-          <a:p>
-            <a:endParaRPr lang="ru-RU" sz="2000" dirty="0"/>
+            <a:pPr algn="just"/>
+            <a:r>
+              <a:rPr lang="en-US" b="1" i="1" dirty="0"/>
+              <a:t>Population</a:t>
+            </a:r>
+            <a:r>
+              <a:rPr lang="en-US" dirty="0"/>
+              <a:t> is the finite data set comprising 100% of the info required to make the best analytical solution.</a:t>
+            </a:r>
+          </a:p>
+          <a:p>
+            <a:pPr algn="just"/>
+            <a:endParaRPr lang="en-US" dirty="0"/>
+          </a:p>
+          <a:p>
+            <a:pPr algn="just"/>
+            <a:r>
+              <a:rPr lang="en-US" b="1" i="1" dirty="0"/>
+              <a:t>Sample</a:t>
+            </a:r>
+            <a:r>
+              <a:rPr lang="en-US" dirty="0"/>
+              <a:t> is a part of the population. It has the identical structure, mean and variance </a:t>
+            </a:r>
+            <a:r>
+              <a:rPr lang="en-US" i="1" u="sng" dirty="0"/>
+              <a:t>are close to </a:t>
+            </a:r>
+            <a:r>
+              <a:rPr lang="en-US" dirty="0"/>
+              <a:t>population ones -&gt; it </a:t>
+            </a:r>
+            <a:r>
+              <a:rPr lang="en-US" i="1" u="sng" dirty="0"/>
+              <a:t>is likely</a:t>
+            </a:r>
+            <a:r>
+              <a:rPr lang="en-US" dirty="0"/>
+              <a:t> to make the approximate solution to population one. </a:t>
+            </a:r>
+          </a:p>
+          <a:p>
+            <a:pPr algn="just"/>
+            <a:endParaRPr lang="en-US" dirty="0"/>
+          </a:p>
+          <a:p>
+            <a:pPr algn="just"/>
+            <a:endParaRPr lang="en-US" dirty="0"/>
+          </a:p>
+          <a:p>
+            <a:pPr algn="just"/>
+            <a:r>
+              <a:rPr lang="en-US" dirty="0"/>
+              <a:t>In real life it is </a:t>
+            </a:r>
+            <a:r>
+              <a:rPr lang="en-US" i="1" u="sng" dirty="0"/>
+              <a:t>unlikely</a:t>
+            </a:r>
+            <a:r>
+              <a:rPr lang="en-US" dirty="0"/>
+              <a:t> to encompass 100% of all info required -&gt; </a:t>
+            </a:r>
+            <a:r>
+              <a:rPr lang="en-US" b="1" dirty="0"/>
+              <a:t>samples</a:t>
+            </a:r>
+            <a:r>
+              <a:rPr lang="en-US" dirty="0"/>
+              <a:t> are used to work with.</a:t>
+            </a:r>
+          </a:p>
+          <a:p>
+            <a:pPr algn="just"/>
+            <a:endParaRPr lang="en-US" dirty="0"/>
+          </a:p>
+          <a:p>
+            <a:pPr algn="just"/>
+            <a:r>
+              <a:rPr lang="en-US" b="1" dirty="0"/>
+              <a:t>Thus, any sample is a population for subsamples and vice verse.</a:t>
+            </a:r>
+            <a:endParaRPr lang="ru-RU" b="1" dirty="0"/>
           </a:p>
         </p:txBody>
       </p:sp>
     </p:spTree>
     <p:extLst>
       <p:ext uri="{BB962C8B-B14F-4D97-AF65-F5344CB8AC3E}">
-        <p14:creationId xmlns:p14="http://schemas.microsoft.com/office/powerpoint/2010/main" val="2021448311"/>
+        <p14:creationId xmlns:p14="http://schemas.microsoft.com/office/powerpoint/2010/main" val="2402529745"/>
       </p:ext>
     </p:extLst>
   </p:cSld>
@@ -6147,45 +6245,6 @@
       </p:grpSpPr>
       <p:sp>
         <p:nvSpPr>
-          <p:cNvPr id="2" name="Заголовок 1"/>
-          <p:cNvSpPr>
-            <a:spLocks noGrp="1"/>
-          </p:cNvSpPr>
-          <p:nvPr>
-            <p:ph type="title"/>
-          </p:nvPr>
-        </p:nvSpPr>
-        <p:spPr>
-          <a:xfrm>
-            <a:off x="249536" y="174654"/>
-            <a:ext cx="8265814" cy="494952"/>
-          </a:xfrm>
-        </p:spPr>
-        <p:txBody>
-          <a:bodyPr vert="horz" lIns="91440" tIns="45720" rIns="91440" bIns="45720" rtlCol="0" anchor="b">
-            <a:noAutofit/>
-          </a:bodyPr>
-          <a:lstStyle/>
-          <a:p>
-            <a:pPr algn="ctr"/>
-            <a:r>
-              <a:rPr lang="en-US" sz="2400" b="1" dirty="0">
-                <a:solidFill>
-                  <a:srgbClr val="00B0F0"/>
-                </a:solidFill>
-              </a:rPr>
-              <a:t>MEAN</a:t>
-            </a:r>
-            <a:endParaRPr lang="ru-RU" sz="2400" b="1" dirty="0">
-              <a:solidFill>
-                <a:srgbClr val="00B0F0"/>
-              </a:solidFill>
-            </a:endParaRPr>
-          </a:p>
-        </p:txBody>
-      </p:sp>
-      <p:sp>
-        <p:nvSpPr>
           <p:cNvPr id="4" name="Номер слайда 3"/>
           <p:cNvSpPr>
             <a:spLocks noGrp="1"/>
@@ -6207,180 +6266,216 @@
           </a:p>
         </p:txBody>
       </p:sp>
-      <p:pic>
-        <p:nvPicPr>
-          <p:cNvPr id="6" name="Рисунок 5"/>
-          <p:cNvPicPr>
-            <a:picLocks noChangeAspect="1"/>
-          </p:cNvPicPr>
+      <p:sp>
+        <p:nvSpPr>
+          <p:cNvPr id="5" name="Заголовок 1"/>
+          <p:cNvSpPr txBox="1">
+            <a:spLocks/>
+          </p:cNvSpPr>
           <p:nvPr/>
-        </p:nvPicPr>
-        <p:blipFill>
-          <a:blip r:embed="rId2"/>
-          <a:stretch>
-            <a:fillRect/>
-          </a:stretch>
-        </p:blipFill>
-        <p:spPr>
-          <a:xfrm>
-            <a:off x="249536" y="774188"/>
-            <a:ext cx="5151566" cy="3139321"/>
+        </p:nvSpPr>
+        <p:spPr>
+          <a:xfrm>
+            <a:off x="121656" y="301752"/>
+            <a:ext cx="7886700" cy="331991"/>
           </a:xfrm>
           <a:prstGeom prst="rect">
             <a:avLst/>
           </a:prstGeom>
         </p:spPr>
-      </p:pic>
-      <p:sp>
-        <p:nvSpPr>
-          <p:cNvPr id="7" name="TextBox 6"/>
-          <p:cNvSpPr txBox="1"/>
+        <p:txBody>
+          <a:bodyPr vert="horz" lIns="91440" tIns="45720" rIns="91440" bIns="45720" rtlCol="0" anchor="b">
+            <a:noAutofit/>
+          </a:bodyPr>
+          <a:lstStyle>
+            <a:defPPr>
+              <a:defRPr lang="en-US"/>
+            </a:defPPr>
+            <a:lvl1pPr algn="ctr" defTabSz="914400">
+              <a:lnSpc>
+                <a:spcPct val="90000"/>
+              </a:lnSpc>
+              <a:spcBef>
+                <a:spcPct val="0"/>
+              </a:spcBef>
+              <a:buNone/>
+              <a:defRPr sz="2400" b="1">
+                <a:solidFill>
+                  <a:srgbClr val="00B0F0"/>
+                </a:solidFill>
+                <a:latin typeface="+mj-lt"/>
+                <a:ea typeface="+mj-ea"/>
+                <a:cs typeface="+mj-cs"/>
+              </a:defRPr>
+            </a:lvl1pPr>
+          </a:lstStyle>
+          <a:p>
+            <a:r>
+              <a:rPr lang="en-US" dirty="0"/>
+              <a:t>Types of data</a:t>
+            </a:r>
+            <a:endParaRPr lang="ru-RU" dirty="0"/>
+          </a:p>
+        </p:txBody>
+      </p:sp>
+      <p:sp>
+        <p:nvSpPr>
+          <p:cNvPr id="6" name="Прямоугольник 5"/>
+          <p:cNvSpPr/>
           <p:nvPr/>
         </p:nvSpPr>
         <p:spPr>
           <a:xfrm>
-            <a:off x="5558828" y="774188"/>
-            <a:ext cx="3313568" cy="3139321"/>
+            <a:off x="430478" y="736524"/>
+            <a:ext cx="8084872" cy="4708981"/>
           </a:xfrm>
           <a:prstGeom prst="rect">
             <a:avLst/>
           </a:prstGeom>
-          <a:noFill/>
-        </p:spPr>
-        <p:txBody>
-          <a:bodyPr wrap="square" rtlCol="0">
+        </p:spPr>
+        <p:txBody>
+          <a:bodyPr wrap="square">
             <a:spAutoFit/>
           </a:bodyPr>
           <a:lstStyle/>
           <a:p>
-            <a:pPr algn="just"/>
-            <a:r>
-              <a:rPr lang="en-US" b="1" dirty="0" smtClean="0"/>
-              <a:t>The ultimate idea </a:t>
-            </a:r>
-            <a:r>
-              <a:rPr lang="en-US" dirty="0" smtClean="0"/>
-              <a:t>of the mean is to extract the central tendency (value grouping) of the  specific data set.</a:t>
-            </a:r>
-          </a:p>
-          <a:p>
-            <a:pPr algn="just"/>
-            <a:endParaRPr lang="en-US" dirty="0"/>
-          </a:p>
-          <a:p>
-            <a:pPr algn="just"/>
-            <a:r>
-              <a:rPr lang="en-US" b="1" dirty="0" smtClean="0"/>
-              <a:t>The mean</a:t>
-            </a:r>
-            <a:r>
-              <a:rPr lang="en-US" dirty="0" smtClean="0"/>
-              <a:t> can be describe in different way depending of the applied domain – statistics, theory of probability, etc. - </a:t>
-            </a:r>
-            <a:r>
-              <a:rPr lang="en-US" dirty="0">
-                <a:hlinkClick r:id="rId3"/>
+            <a:endParaRPr lang="en-US" sz="2000" b="1" dirty="0">
+              <a:latin typeface="Calibri" panose="020F0502020204030204" pitchFamily="34" charset="0"/>
+              <a:ea typeface="Calibri" panose="020F0502020204030204" pitchFamily="34" charset="0"/>
+              <a:cs typeface="Times New Roman" panose="02020603050405020304" pitchFamily="18" charset="0"/>
+            </a:endParaRPr>
+          </a:p>
+          <a:p>
+            <a:r>
+              <a:rPr lang="en-US" sz="2000" b="1" dirty="0">
+                <a:latin typeface="Calibri" panose="020F0502020204030204" pitchFamily="34" charset="0"/>
+                <a:ea typeface="Calibri" panose="020F0502020204030204" pitchFamily="34" charset="0"/>
+                <a:cs typeface="Times New Roman" panose="02020603050405020304" pitchFamily="18" charset="0"/>
               </a:rPr>
-              <a:t>https://en.wikipedia.org/wiki/Mean</a:t>
-            </a:r>
-            <a:r>
-              <a:rPr lang="en-US" dirty="0" smtClean="0"/>
-              <a:t>)</a:t>
-            </a:r>
-            <a:endParaRPr lang="ru-RU" dirty="0"/>
-          </a:p>
-        </p:txBody>
-      </p:sp>
-      <p:sp>
-        <p:nvSpPr>
-          <p:cNvPr id="10" name="TextBox 9"/>
-          <p:cNvSpPr txBox="1"/>
-          <p:nvPr/>
-        </p:nvSpPr>
-        <p:spPr>
-          <a:xfrm>
-            <a:off x="249536" y="4268724"/>
-            <a:ext cx="3313568" cy="2031325"/>
-          </a:xfrm>
-          <a:prstGeom prst="rect">
-            <a:avLst/>
-          </a:prstGeom>
-          <a:noFill/>
-        </p:spPr>
-        <p:txBody>
-          <a:bodyPr wrap="square" rtlCol="0">
-            <a:spAutoFit/>
-          </a:bodyPr>
-          <a:lstStyle/>
-          <a:p>
-            <a:pPr algn="just"/>
-            <a:r>
-              <a:rPr lang="en-US" i="1" u="sng" dirty="0" smtClean="0"/>
-              <a:t>The types of mean</a:t>
-            </a:r>
-            <a:r>
-              <a:rPr lang="en-US" dirty="0" smtClean="0"/>
-              <a:t>:</a:t>
-            </a:r>
-          </a:p>
-          <a:p>
-            <a:pPr marL="285750" indent="-285750" algn="just">
-              <a:buFont typeface="Arial" panose="020B0604020202020204" pitchFamily="34" charset="0"/>
-              <a:buChar char="•"/>
-            </a:pPr>
-            <a:endParaRPr lang="en-US" dirty="0" smtClean="0"/>
-          </a:p>
-          <a:p>
-            <a:pPr marL="285750" indent="-285750" algn="just">
-              <a:buFont typeface="Arial" panose="020B0604020202020204" pitchFamily="34" charset="0"/>
-              <a:buChar char="•"/>
-            </a:pPr>
-            <a:r>
-              <a:rPr lang="en-US" dirty="0" smtClean="0"/>
-              <a:t>arithmetic mean (AM)</a:t>
-            </a:r>
-          </a:p>
-          <a:p>
-            <a:pPr marL="285750" indent="-285750" algn="just">
-              <a:buFont typeface="Arial" panose="020B0604020202020204" pitchFamily="34" charset="0"/>
-              <a:buChar char="•"/>
-            </a:pPr>
-            <a:endParaRPr lang="en-US" dirty="0" smtClean="0"/>
-          </a:p>
-          <a:p>
-            <a:pPr marL="285750" indent="-285750" algn="just">
-              <a:buFont typeface="Arial" panose="020B0604020202020204" pitchFamily="34" charset="0"/>
-              <a:buChar char="•"/>
-            </a:pPr>
-            <a:r>
-              <a:rPr lang="en-US" dirty="0" smtClean="0"/>
-              <a:t>geometric mean (GM)</a:t>
-            </a:r>
-          </a:p>
-          <a:p>
-            <a:pPr marL="285750" indent="-285750" algn="just">
-              <a:buFont typeface="Arial" panose="020B0604020202020204" pitchFamily="34" charset="0"/>
-              <a:buChar char="•"/>
-            </a:pPr>
-            <a:endParaRPr lang="en-US" dirty="0" smtClean="0"/>
-          </a:p>
-          <a:p>
-            <a:pPr marL="285750" indent="-285750" algn="just">
-              <a:buFont typeface="Arial" panose="020B0604020202020204" pitchFamily="34" charset="0"/>
-              <a:buChar char="•"/>
-            </a:pPr>
-            <a:r>
-              <a:rPr lang="en-US" dirty="0" smtClean="0"/>
-              <a:t>harmonic mean (HM)</a:t>
-            </a:r>
-            <a:endParaRPr lang="ru-RU" dirty="0"/>
+              <a:t>Discrete</a:t>
+            </a:r>
+            <a:r>
+              <a:rPr lang="en-US" sz="2000" dirty="0">
+                <a:latin typeface="Calibri" panose="020F0502020204030204" pitchFamily="34" charset="0"/>
+                <a:ea typeface="Calibri" panose="020F0502020204030204" pitchFamily="34" charset="0"/>
+                <a:cs typeface="Times New Roman" panose="02020603050405020304" pitchFamily="18" charset="0"/>
+              </a:rPr>
+              <a:t> – 1, 2 , 3, 5466, 0, 76832675, …</a:t>
+            </a:r>
+          </a:p>
+          <a:p>
+            <a:endParaRPr lang="en-US" sz="2000" dirty="0">
+              <a:latin typeface="Calibri" panose="020F0502020204030204" pitchFamily="34" charset="0"/>
+              <a:ea typeface="Calibri" panose="020F0502020204030204" pitchFamily="34" charset="0"/>
+              <a:cs typeface="Times New Roman" panose="02020603050405020304" pitchFamily="18" charset="0"/>
+            </a:endParaRPr>
+          </a:p>
+          <a:p>
+            <a:endParaRPr lang="en-US" sz="2000" dirty="0">
+              <a:latin typeface="Calibri" panose="020F0502020204030204" pitchFamily="34" charset="0"/>
+              <a:ea typeface="Calibri" panose="020F0502020204030204" pitchFamily="34" charset="0"/>
+              <a:cs typeface="Times New Roman" panose="02020603050405020304" pitchFamily="18" charset="0"/>
+            </a:endParaRPr>
+          </a:p>
+          <a:p>
+            <a:endParaRPr lang="en-US" sz="2000" dirty="0">
+              <a:latin typeface="Calibri" panose="020F0502020204030204" pitchFamily="34" charset="0"/>
+              <a:ea typeface="Calibri" panose="020F0502020204030204" pitchFamily="34" charset="0"/>
+              <a:cs typeface="Times New Roman" panose="02020603050405020304" pitchFamily="18" charset="0"/>
+            </a:endParaRPr>
+          </a:p>
+          <a:p>
+            <a:r>
+              <a:rPr lang="en-US" sz="2000" b="1" dirty="0">
+                <a:latin typeface="Calibri" panose="020F0502020204030204" pitchFamily="34" charset="0"/>
+                <a:ea typeface="Calibri" panose="020F0502020204030204" pitchFamily="34" charset="0"/>
+                <a:cs typeface="Times New Roman" panose="02020603050405020304" pitchFamily="18" charset="0"/>
+              </a:rPr>
+              <a:t>Continuous</a:t>
+            </a:r>
+            <a:r>
+              <a:rPr lang="en-US" sz="2000" dirty="0">
+                <a:latin typeface="Calibri" panose="020F0502020204030204" pitchFamily="34" charset="0"/>
+                <a:ea typeface="Calibri" panose="020F0502020204030204" pitchFamily="34" charset="0"/>
+                <a:cs typeface="Times New Roman" panose="02020603050405020304" pitchFamily="18" charset="0"/>
+              </a:rPr>
+              <a:t> – 1.22, 1.223, 1.2234, 56.567, … </a:t>
+            </a:r>
+          </a:p>
+          <a:p>
+            <a:endParaRPr lang="en-US" sz="2000" dirty="0">
+              <a:latin typeface="Calibri" panose="020F0502020204030204" pitchFamily="34" charset="0"/>
+              <a:ea typeface="Calibri" panose="020F0502020204030204" pitchFamily="34" charset="0"/>
+              <a:cs typeface="Times New Roman" panose="02020603050405020304" pitchFamily="18" charset="0"/>
+            </a:endParaRPr>
+          </a:p>
+          <a:p>
+            <a:endParaRPr lang="en-US" sz="2000" dirty="0">
+              <a:latin typeface="Calibri" panose="020F0502020204030204" pitchFamily="34" charset="0"/>
+              <a:ea typeface="Calibri" panose="020F0502020204030204" pitchFamily="34" charset="0"/>
+              <a:cs typeface="Times New Roman" panose="02020603050405020304" pitchFamily="18" charset="0"/>
+            </a:endParaRPr>
+          </a:p>
+          <a:p>
+            <a:endParaRPr lang="en-US" sz="2000" dirty="0">
+              <a:latin typeface="Calibri" panose="020F0502020204030204" pitchFamily="34" charset="0"/>
+              <a:ea typeface="Calibri" panose="020F0502020204030204" pitchFamily="34" charset="0"/>
+              <a:cs typeface="Times New Roman" panose="02020603050405020304" pitchFamily="18" charset="0"/>
+            </a:endParaRPr>
+          </a:p>
+          <a:p>
+            <a:r>
+              <a:rPr lang="en-US" sz="2000" b="1" dirty="0">
+                <a:latin typeface="Calibri" panose="020F0502020204030204" pitchFamily="34" charset="0"/>
+                <a:ea typeface="Calibri" panose="020F0502020204030204" pitchFamily="34" charset="0"/>
+                <a:cs typeface="Times New Roman" panose="02020603050405020304" pitchFamily="18" charset="0"/>
+              </a:rPr>
+              <a:t>Categorical</a:t>
+            </a:r>
+            <a:r>
+              <a:rPr lang="en-US" sz="2000" dirty="0">
+                <a:latin typeface="Calibri" panose="020F0502020204030204" pitchFamily="34" charset="0"/>
+                <a:ea typeface="Calibri" panose="020F0502020204030204" pitchFamily="34" charset="0"/>
+                <a:cs typeface="Times New Roman" panose="02020603050405020304" pitchFamily="18" charset="0"/>
+              </a:rPr>
+              <a:t> – c(“Yes”, “No”, “Unknown”), c(“12/12/2019”, “31/12/2017”), … </a:t>
+            </a:r>
+          </a:p>
+          <a:p>
+            <a:r>
+              <a:rPr lang="en-US" sz="2000" dirty="0">
+                <a:latin typeface="Calibri" panose="020F0502020204030204" pitchFamily="34" charset="0"/>
+                <a:ea typeface="Calibri" panose="020F0502020204030204" pitchFamily="34" charset="0"/>
+                <a:cs typeface="Times New Roman" panose="02020603050405020304" pitchFamily="18" charset="0"/>
+              </a:rPr>
+              <a:t> </a:t>
+            </a:r>
+          </a:p>
+          <a:p>
+            <a:endParaRPr lang="en-US" sz="2000" dirty="0">
+              <a:latin typeface="Calibri" panose="020F0502020204030204" pitchFamily="34" charset="0"/>
+              <a:ea typeface="Calibri" panose="020F0502020204030204" pitchFamily="34" charset="0"/>
+              <a:cs typeface="Times New Roman" panose="02020603050405020304" pitchFamily="18" charset="0"/>
+            </a:endParaRPr>
+          </a:p>
+          <a:p>
+            <a:r>
+              <a:rPr lang="en-US" sz="2000" dirty="0">
+                <a:latin typeface="Calibri" panose="020F0502020204030204" pitchFamily="34" charset="0"/>
+                <a:cs typeface="Times New Roman" panose="02020603050405020304" pitchFamily="18" charset="0"/>
+              </a:rPr>
+              <a:t>Categorical variables could be treated in different ways – mainly it is converting to numbers and processing as numbers.</a:t>
+            </a:r>
+          </a:p>
+          <a:p>
+            <a:endParaRPr lang="ru-RU" sz="2000" dirty="0"/>
           </a:p>
         </p:txBody>
       </p:sp>
     </p:spTree>
     <p:extLst>
       <p:ext uri="{BB962C8B-B14F-4D97-AF65-F5344CB8AC3E}">
-        <p14:creationId xmlns:p14="http://schemas.microsoft.com/office/powerpoint/2010/main" val="547500154"/>
+        <p14:creationId xmlns:p14="http://schemas.microsoft.com/office/powerpoint/2010/main" val="2021448311"/>
       </p:ext>
     </p:extLst>
   </p:cSld>
@@ -6409,6 +6504,45 @@
       </p:grpSpPr>
       <p:sp>
         <p:nvSpPr>
+          <p:cNvPr id="2" name="Заголовок 1"/>
+          <p:cNvSpPr>
+            <a:spLocks noGrp="1"/>
+          </p:cNvSpPr>
+          <p:nvPr>
+            <p:ph type="title"/>
+          </p:nvPr>
+        </p:nvSpPr>
+        <p:spPr>
+          <a:xfrm>
+            <a:off x="249536" y="174654"/>
+            <a:ext cx="8265814" cy="494952"/>
+          </a:xfrm>
+        </p:spPr>
+        <p:txBody>
+          <a:bodyPr vert="horz" lIns="91440" tIns="45720" rIns="91440" bIns="45720" rtlCol="0" anchor="b">
+            <a:noAutofit/>
+          </a:bodyPr>
+          <a:lstStyle/>
+          <a:p>
+            <a:pPr algn="ctr"/>
+            <a:r>
+              <a:rPr lang="en-US" sz="2400" b="1" dirty="0">
+                <a:solidFill>
+                  <a:srgbClr val="00B0F0"/>
+                </a:solidFill>
+              </a:rPr>
+              <a:t>MEAN</a:t>
+            </a:r>
+            <a:endParaRPr lang="ru-RU" sz="2400" b="1" dirty="0">
+              <a:solidFill>
+                <a:srgbClr val="00B0F0"/>
+              </a:solidFill>
+            </a:endParaRPr>
+          </a:p>
+        </p:txBody>
+      </p:sp>
+      <p:sp>
+        <p:nvSpPr>
           <p:cNvPr id="4" name="Номер слайда 3"/>
           <p:cNvSpPr>
             <a:spLocks noGrp="1"/>
@@ -6430,117 +6564,9 @@
           </a:p>
         </p:txBody>
       </p:sp>
-      <p:sp>
-        <p:nvSpPr>
-          <p:cNvPr id="5" name="Заголовок 1"/>
-          <p:cNvSpPr>
-            <a:spLocks noGrp="1"/>
-          </p:cNvSpPr>
-          <p:nvPr>
-            <p:ph type="title"/>
-          </p:nvPr>
-        </p:nvSpPr>
-        <p:spPr>
-          <a:xfrm>
-            <a:off x="249536" y="174654"/>
-            <a:ext cx="8265814" cy="494952"/>
-          </a:xfrm>
-        </p:spPr>
-        <p:txBody>
-          <a:bodyPr vert="horz" lIns="91440" tIns="45720" rIns="91440" bIns="45720" rtlCol="0" anchor="b">
-            <a:noAutofit/>
-          </a:bodyPr>
-          <a:lstStyle/>
-          <a:p>
-            <a:pPr algn="ctr"/>
-            <a:r>
-              <a:rPr lang="en-US" sz="2400" b="1" dirty="0" smtClean="0">
-                <a:solidFill>
-                  <a:srgbClr val="00B0F0"/>
-                </a:solidFill>
-              </a:rPr>
-              <a:t>Types of Mean</a:t>
-            </a:r>
-            <a:endParaRPr lang="ru-RU" sz="2400" b="1" dirty="0">
-              <a:solidFill>
-                <a:srgbClr val="00B0F0"/>
-              </a:solidFill>
-            </a:endParaRPr>
-          </a:p>
-        </p:txBody>
-      </p:sp>
-      <p:sp>
-        <p:nvSpPr>
-          <p:cNvPr id="6" name="TextBox 5"/>
-          <p:cNvSpPr txBox="1"/>
-          <p:nvPr/>
-        </p:nvSpPr>
-        <p:spPr>
-          <a:xfrm>
-            <a:off x="479833" y="774188"/>
-            <a:ext cx="2580237" cy="369332"/>
-          </a:xfrm>
-          <a:prstGeom prst="rect">
-            <a:avLst/>
-          </a:prstGeom>
-          <a:noFill/>
-        </p:spPr>
-        <p:txBody>
-          <a:bodyPr wrap="square" rtlCol="0">
-            <a:spAutoFit/>
-          </a:bodyPr>
-          <a:lstStyle/>
-          <a:p>
-            <a:pPr algn="just"/>
-            <a:r>
-              <a:rPr lang="en-US" b="1" dirty="0" smtClean="0"/>
-              <a:t>Arithmetic Mean (AM):</a:t>
-            </a:r>
-          </a:p>
-        </p:txBody>
-      </p:sp>
-      <p:sp>
-        <p:nvSpPr>
-          <p:cNvPr id="7" name="AutoShape 2" descr="{\displaystyle {\bar {x}}={\frac {1}{n}}\left(\sum _{i=1}^{n}{x_{i}}\right)={\frac {x_{1}+x_{2}+\cdots +x_{n}}{n}}}"/>
-          <p:cNvSpPr>
-            <a:spLocks noChangeAspect="1" noChangeArrowheads="1"/>
-          </p:cNvSpPr>
-          <p:nvPr/>
-        </p:nvSpPr>
-        <p:spPr bwMode="auto">
-          <a:xfrm>
-            <a:off x="155575" y="-144463"/>
-            <a:ext cx="304800" cy="304801"/>
-          </a:xfrm>
-          <a:prstGeom prst="rect">
-            <a:avLst/>
-          </a:prstGeom>
-          <a:noFill/>
-          <a:extLst>
-            <a:ext uri="{909E8E84-426E-40DD-AFC4-6F175D3DCCD1}">
-              <a14:hiddenFill xmlns:a14="http://schemas.microsoft.com/office/drawing/2010/main">
-                <a:solidFill>
-                  <a:srgbClr val="FFFFFF"/>
-                </a:solidFill>
-              </a14:hiddenFill>
-            </a:ext>
-          </a:extLst>
-        </p:spPr>
-        <p:txBody>
-          <a:bodyPr vert="horz" wrap="square" lIns="91440" tIns="45720" rIns="91440" bIns="45720" numCol="1" anchor="t" anchorCtr="0" compatLnSpc="1">
-            <a:prstTxWarp prst="textNoShape">
-              <a:avLst/>
-            </a:prstTxWarp>
-          </a:bodyPr>
-          <a:lstStyle/>
-          <a:p>
-            <a:endParaRPr lang="ru-RU"/>
-          </a:p>
-        </p:txBody>
-      </p:sp>
       <p:pic>
         <p:nvPicPr>
-          <p:cNvPr id="22" name="Рисунок 21"/>
+          <p:cNvPr id="6" name="Рисунок 5"/>
           <p:cNvPicPr>
             <a:picLocks noChangeAspect="1"/>
           </p:cNvPicPr>
@@ -6554,8 +6580,8 @@
         </p:blipFill>
         <p:spPr>
           <a:xfrm>
-            <a:off x="479834" y="1198900"/>
-            <a:ext cx="2781300" cy="523875"/>
+            <a:off x="249536" y="774188"/>
+            <a:ext cx="5151566" cy="3139321"/>
           </a:xfrm>
           <a:prstGeom prst="rect">
             <a:avLst/>
@@ -6564,14 +6590,14 @@
       </p:pic>
       <p:sp>
         <p:nvSpPr>
-          <p:cNvPr id="24" name="TextBox 23"/>
+          <p:cNvPr id="7" name="TextBox 6"/>
           <p:cNvSpPr txBox="1"/>
           <p:nvPr/>
         </p:nvSpPr>
         <p:spPr>
           <a:xfrm>
-            <a:off x="479834" y="1778155"/>
-            <a:ext cx="3259247" cy="307777"/>
+            <a:off x="5558828" y="774188"/>
+            <a:ext cx="3313568" cy="3139321"/>
           </a:xfrm>
           <a:prstGeom prst="rect">
             <a:avLst/>
@@ -6586,26 +6612,52 @@
           <a:p>
             <a:pPr algn="just"/>
             <a:r>
-              <a:rPr lang="en-US" sz="1400" dirty="0"/>
-              <a:t>w</a:t>
-            </a:r>
-            <a:r>
-              <a:rPr lang="en-US" sz="1400" dirty="0" smtClean="0"/>
-              <a:t>here Xi is values, n – quantity of values.</a:t>
-            </a:r>
-          </a:p>
-        </p:txBody>
-      </p:sp>
-      <p:sp>
-        <p:nvSpPr>
-          <p:cNvPr id="25" name="TextBox 24"/>
+              <a:rPr lang="en-US" b="1" dirty="0"/>
+              <a:t>The ultimate idea </a:t>
+            </a:r>
+            <a:r>
+              <a:rPr lang="en-US" dirty="0"/>
+              <a:t>of the mean is to extract the central tendency (value grouping) of the  specific data set.</a:t>
+            </a:r>
+          </a:p>
+          <a:p>
+            <a:pPr algn="just"/>
+            <a:endParaRPr lang="en-US" dirty="0"/>
+          </a:p>
+          <a:p>
+            <a:pPr algn="just"/>
+            <a:r>
+              <a:rPr lang="en-US" b="1" dirty="0"/>
+              <a:t>The mean</a:t>
+            </a:r>
+            <a:r>
+              <a:rPr lang="en-US" dirty="0"/>
+              <a:t> can be describe in different way depending of the applied domain – statistics, theory of probability, etc. - </a:t>
+            </a:r>
+            <a:r>
+              <a:rPr lang="en-US" dirty="0">
+                <a:hlinkClick r:id="rId3"/>
+              </a:rPr>
+              <a:t>https://en.wikipedia.org/wiki/Mean</a:t>
+            </a:r>
+            <a:r>
+              <a:rPr lang="en-US" dirty="0"/>
+              <a:t>)</a:t>
+            </a:r>
+            <a:endParaRPr lang="ru-RU" dirty="0"/>
+          </a:p>
+        </p:txBody>
+      </p:sp>
+      <p:sp>
+        <p:nvSpPr>
+          <p:cNvPr id="10" name="TextBox 9"/>
           <p:cNvSpPr txBox="1"/>
           <p:nvPr/>
         </p:nvSpPr>
         <p:spPr>
           <a:xfrm>
-            <a:off x="460375" y="2347983"/>
-            <a:ext cx="2580237" cy="369332"/>
+            <a:off x="249536" y="4268724"/>
+            <a:ext cx="3313568" cy="2031325"/>
           </a:xfrm>
           <a:prstGeom prst="rect">
             <a:avLst/>
@@ -6620,282 +6672,63 @@
           <a:p>
             <a:pPr algn="just"/>
             <a:r>
-              <a:rPr lang="en-US" b="1" dirty="0" smtClean="0"/>
-              <a:t>Geometric Mean (GM):</a:t>
-            </a:r>
-          </a:p>
-        </p:txBody>
-      </p:sp>
-      <p:pic>
-        <p:nvPicPr>
-          <p:cNvPr id="26" name="Рисунок 25"/>
-          <p:cNvPicPr>
-            <a:picLocks noChangeAspect="1"/>
-          </p:cNvPicPr>
-          <p:nvPr/>
-        </p:nvPicPr>
-        <p:blipFill>
-          <a:blip r:embed="rId3"/>
-          <a:stretch>
-            <a:fillRect/>
-          </a:stretch>
-        </p:blipFill>
-        <p:spPr>
-          <a:xfrm>
-            <a:off x="460375" y="2711140"/>
-            <a:ext cx="2400300" cy="638175"/>
-          </a:xfrm>
-          <a:prstGeom prst="rect">
-            <a:avLst/>
-          </a:prstGeom>
-        </p:spPr>
-      </p:pic>
-      <p:pic>
-        <p:nvPicPr>
-          <p:cNvPr id="27" name="Рисунок 26"/>
-          <p:cNvPicPr>
-            <a:picLocks noChangeAspect="1"/>
-          </p:cNvPicPr>
-          <p:nvPr/>
-        </p:nvPicPr>
-        <p:blipFill>
-          <a:blip r:embed="rId4"/>
-          <a:stretch>
-            <a:fillRect/>
-          </a:stretch>
-        </p:blipFill>
-        <p:spPr>
-          <a:xfrm>
-            <a:off x="481531" y="3430341"/>
-            <a:ext cx="3257550" cy="285750"/>
-          </a:xfrm>
-          <a:prstGeom prst="rect">
-            <a:avLst/>
-          </a:prstGeom>
-        </p:spPr>
-      </p:pic>
-      <p:sp>
-        <p:nvSpPr>
-          <p:cNvPr id="28" name="TextBox 27"/>
-          <p:cNvSpPr txBox="1"/>
-          <p:nvPr/>
-        </p:nvSpPr>
-        <p:spPr>
-          <a:xfrm>
-            <a:off x="479832" y="3931938"/>
-            <a:ext cx="2580237" cy="369332"/>
-          </a:xfrm>
-          <a:prstGeom prst="rect">
-            <a:avLst/>
-          </a:prstGeom>
-          <a:noFill/>
-        </p:spPr>
-        <p:txBody>
-          <a:bodyPr wrap="square" rtlCol="0">
-            <a:spAutoFit/>
-          </a:bodyPr>
-          <a:lstStyle/>
-          <a:p>
-            <a:pPr algn="just"/>
-            <a:r>
-              <a:rPr lang="en-US" b="1" dirty="0" smtClean="0"/>
-              <a:t>Harmonic Mean (HM):</a:t>
-            </a:r>
-          </a:p>
-        </p:txBody>
-      </p:sp>
-      <p:pic>
-        <p:nvPicPr>
-          <p:cNvPr id="29" name="Рисунок 28"/>
-          <p:cNvPicPr>
-            <a:picLocks noChangeAspect="1"/>
-          </p:cNvPicPr>
-          <p:nvPr/>
-        </p:nvPicPr>
-        <p:blipFill>
-          <a:blip r:embed="rId5"/>
-          <a:stretch>
-            <a:fillRect/>
-          </a:stretch>
-        </p:blipFill>
-        <p:spPr>
-          <a:xfrm>
-            <a:off x="411712" y="4883893"/>
-            <a:ext cx="2628900" cy="466725"/>
-          </a:xfrm>
-          <a:prstGeom prst="rect">
-            <a:avLst/>
-          </a:prstGeom>
-        </p:spPr>
-      </p:pic>
-      <p:pic>
-        <p:nvPicPr>
-          <p:cNvPr id="30" name="Рисунок 29"/>
-          <p:cNvPicPr>
-            <a:picLocks noChangeAspect="1"/>
-          </p:cNvPicPr>
-          <p:nvPr/>
-        </p:nvPicPr>
-        <p:blipFill>
-          <a:blip r:embed="rId6"/>
-          <a:stretch>
-            <a:fillRect/>
-          </a:stretch>
-        </p:blipFill>
-        <p:spPr>
-          <a:xfrm>
-            <a:off x="565559" y="4302868"/>
-            <a:ext cx="1304925" cy="581025"/>
-          </a:xfrm>
-          <a:prstGeom prst="rect">
-            <a:avLst/>
-          </a:prstGeom>
-        </p:spPr>
-      </p:pic>
-      <p:pic>
-        <p:nvPicPr>
-          <p:cNvPr id="31" name="Рисунок 30"/>
-          <p:cNvPicPr>
-            <a:picLocks noChangeAspect="1"/>
-          </p:cNvPicPr>
-          <p:nvPr/>
-        </p:nvPicPr>
-        <p:blipFill>
-          <a:blip r:embed="rId7"/>
-          <a:stretch>
-            <a:fillRect/>
-          </a:stretch>
-        </p:blipFill>
-        <p:spPr>
-          <a:xfrm>
-            <a:off x="546509" y="5965970"/>
-            <a:ext cx="1323975" cy="171450"/>
-          </a:xfrm>
-          <a:prstGeom prst="rect">
-            <a:avLst/>
-          </a:prstGeom>
-        </p:spPr>
-      </p:pic>
-      <p:sp>
-        <p:nvSpPr>
-          <p:cNvPr id="32" name="TextBox 31"/>
-          <p:cNvSpPr txBox="1"/>
-          <p:nvPr/>
-        </p:nvSpPr>
-        <p:spPr>
-          <a:xfrm>
-            <a:off x="479831" y="5517865"/>
-            <a:ext cx="3105341" cy="369332"/>
-          </a:xfrm>
-          <a:prstGeom prst="rect">
-            <a:avLst/>
-          </a:prstGeom>
-          <a:noFill/>
-        </p:spPr>
-        <p:txBody>
-          <a:bodyPr wrap="square" rtlCol="0">
-            <a:spAutoFit/>
-          </a:bodyPr>
-          <a:lstStyle/>
-          <a:p>
-            <a:pPr algn="just"/>
-            <a:r>
-              <a:rPr lang="en-US" b="1" dirty="0" smtClean="0"/>
-              <a:t>Relationship of Means (AM):</a:t>
-            </a:r>
-          </a:p>
-        </p:txBody>
-      </p:sp>
-      <p:sp>
-        <p:nvSpPr>
-          <p:cNvPr id="33" name="TextBox 32"/>
-          <p:cNvSpPr txBox="1"/>
-          <p:nvPr/>
-        </p:nvSpPr>
-        <p:spPr>
-          <a:xfrm>
-            <a:off x="4185530" y="774188"/>
-            <a:ext cx="4544840" cy="3693319"/>
-          </a:xfrm>
-          <a:prstGeom prst="rect">
-            <a:avLst/>
-          </a:prstGeom>
-          <a:noFill/>
-        </p:spPr>
-        <p:txBody>
-          <a:bodyPr wrap="square" rtlCol="0">
-            <a:spAutoFit/>
-          </a:bodyPr>
-          <a:lstStyle/>
-          <a:p>
-            <a:r>
-              <a:rPr lang="en-US" i="1" u="sng" dirty="0" smtClean="0"/>
-              <a:t>The best way to use the mean:</a:t>
-            </a:r>
-          </a:p>
-          <a:p>
-            <a:endParaRPr lang="en-US" i="1" u="sng" dirty="0" smtClean="0"/>
-          </a:p>
-          <a:p>
-            <a:pPr marL="285750" indent="-285750">
-              <a:buFont typeface="Wingdings" panose="05000000000000000000" pitchFamily="2" charset="2"/>
-              <a:buChar char="§"/>
-            </a:pPr>
-            <a:r>
-              <a:rPr lang="en-US" dirty="0" smtClean="0"/>
-              <a:t>to measure the average values of the data set – AM</a:t>
-            </a:r>
-          </a:p>
-          <a:p>
-            <a:endParaRPr lang="en-US" dirty="0" smtClean="0"/>
-          </a:p>
-          <a:p>
-            <a:endParaRPr lang="en-US" dirty="0" smtClean="0"/>
-          </a:p>
-          <a:p>
-            <a:pPr marL="285750" indent="-285750">
-              <a:buFont typeface="Wingdings" panose="05000000000000000000" pitchFamily="2" charset="2"/>
-              <a:buChar char="§"/>
-            </a:pPr>
-            <a:r>
-              <a:rPr lang="en-US" dirty="0" smtClean="0"/>
-              <a:t>to measure the average pace of dynamics (movement) - GM</a:t>
-            </a:r>
-          </a:p>
-          <a:p>
-            <a:pPr marL="285750" indent="-285750">
-              <a:buFont typeface="Wingdings" panose="05000000000000000000" pitchFamily="2" charset="2"/>
-              <a:buChar char="§"/>
-            </a:pPr>
-            <a:endParaRPr lang="en-US" dirty="0" smtClean="0"/>
-          </a:p>
-          <a:p>
-            <a:pPr marL="285750" indent="-285750">
-              <a:buFont typeface="Wingdings" panose="05000000000000000000" pitchFamily="2" charset="2"/>
-              <a:buChar char="§"/>
+              <a:rPr lang="en-US" i="1" u="sng" dirty="0"/>
+              <a:t>The types of mean</a:t>
+            </a:r>
+            <a:r>
+              <a:rPr lang="en-US" dirty="0"/>
+              <a:t>:</a:t>
+            </a:r>
+          </a:p>
+          <a:p>
+            <a:pPr marL="285750" indent="-285750" algn="just">
+              <a:buFont typeface="Arial" panose="020B0604020202020204" pitchFamily="34" charset="0"/>
+              <a:buChar char="•"/>
             </a:pPr>
             <a:endParaRPr lang="en-US" dirty="0"/>
           </a:p>
           <a:p>
-            <a:pPr marL="285750" indent="-285750">
-              <a:buFont typeface="Wingdings" panose="05000000000000000000" pitchFamily="2" charset="2"/>
-              <a:buChar char="§"/>
+            <a:pPr marL="285750" indent="-285750" algn="just">
+              <a:buFont typeface="Arial" panose="020B0604020202020204" pitchFamily="34" charset="0"/>
+              <a:buChar char="•"/>
             </a:pPr>
             <a:r>
               <a:rPr lang="en-US" dirty="0"/>
-              <a:t> </a:t>
-            </a:r>
-            <a:r>
-              <a:rPr lang="en-US" dirty="0" smtClean="0"/>
-              <a:t>to deal </a:t>
-            </a:r>
+              <a:t>arithmetic mean (AM)</a:t>
+            </a:r>
+          </a:p>
+          <a:p>
+            <a:pPr marL="285750" indent="-285750" algn="just">
+              <a:buFont typeface="Arial" panose="020B0604020202020204" pitchFamily="34" charset="0"/>
+              <a:buChar char="•"/>
+            </a:pPr>
+            <a:endParaRPr lang="en-US" dirty="0"/>
+          </a:p>
+          <a:p>
+            <a:pPr marL="285750" indent="-285750" algn="just">
+              <a:buFont typeface="Arial" panose="020B0604020202020204" pitchFamily="34" charset="0"/>
+              <a:buChar char="•"/>
+            </a:pPr>
             <a:r>
               <a:rPr lang="en-US" dirty="0"/>
-              <a:t>with datasets of rates or ratios (i.e. fractions) over different lengths or </a:t>
-            </a:r>
-            <a:r>
-              <a:rPr lang="en-US" dirty="0" smtClean="0"/>
-              <a:t>periods – HM.</a:t>
+              <a:t>geometric mean (GM)</a:t>
+            </a:r>
+          </a:p>
+          <a:p>
+            <a:pPr marL="285750" indent="-285750" algn="just">
+              <a:buFont typeface="Arial" panose="020B0604020202020204" pitchFamily="34" charset="0"/>
+              <a:buChar char="•"/>
+            </a:pPr>
+            <a:endParaRPr lang="en-US" dirty="0"/>
+          </a:p>
+          <a:p>
+            <a:pPr marL="285750" indent="-285750" algn="just">
+              <a:buFont typeface="Arial" panose="020B0604020202020204" pitchFamily="34" charset="0"/>
+              <a:buChar char="•"/>
+            </a:pPr>
+            <a:r>
+              <a:rPr lang="en-US" dirty="0"/>
+              <a:t>harmonic mean (HM)</a:t>
             </a:r>
             <a:endParaRPr lang="ru-RU" dirty="0"/>
           </a:p>
@@ -6904,7 +6737,7 @@
     </p:spTree>
     <p:extLst>
       <p:ext uri="{BB962C8B-B14F-4D97-AF65-F5344CB8AC3E}">
-        <p14:creationId xmlns:p14="http://schemas.microsoft.com/office/powerpoint/2010/main" val="1685190179"/>
+        <p14:creationId xmlns:p14="http://schemas.microsoft.com/office/powerpoint/2010/main" val="547500154"/>
       </p:ext>
     </p:extLst>
   </p:cSld>
@@ -6954,9 +6787,117 @@
           </a:p>
         </p:txBody>
       </p:sp>
+      <p:sp>
+        <p:nvSpPr>
+          <p:cNvPr id="5" name="Заголовок 1"/>
+          <p:cNvSpPr>
+            <a:spLocks noGrp="1"/>
+          </p:cNvSpPr>
+          <p:nvPr>
+            <p:ph type="title"/>
+          </p:nvPr>
+        </p:nvSpPr>
+        <p:spPr>
+          <a:xfrm>
+            <a:off x="249536" y="174654"/>
+            <a:ext cx="8265814" cy="494952"/>
+          </a:xfrm>
+        </p:spPr>
+        <p:txBody>
+          <a:bodyPr vert="horz" lIns="91440" tIns="45720" rIns="91440" bIns="45720" rtlCol="0" anchor="b">
+            <a:noAutofit/>
+          </a:bodyPr>
+          <a:lstStyle/>
+          <a:p>
+            <a:pPr algn="ctr"/>
+            <a:r>
+              <a:rPr lang="en-US" sz="2400" b="1" dirty="0">
+                <a:solidFill>
+                  <a:srgbClr val="00B0F0"/>
+                </a:solidFill>
+              </a:rPr>
+              <a:t>Types of Mean</a:t>
+            </a:r>
+            <a:endParaRPr lang="ru-RU" sz="2400" b="1" dirty="0">
+              <a:solidFill>
+                <a:srgbClr val="00B0F0"/>
+              </a:solidFill>
+            </a:endParaRPr>
+          </a:p>
+        </p:txBody>
+      </p:sp>
+      <p:sp>
+        <p:nvSpPr>
+          <p:cNvPr id="6" name="TextBox 5"/>
+          <p:cNvSpPr txBox="1"/>
+          <p:nvPr/>
+        </p:nvSpPr>
+        <p:spPr>
+          <a:xfrm>
+            <a:off x="479833" y="774188"/>
+            <a:ext cx="2580237" cy="369332"/>
+          </a:xfrm>
+          <a:prstGeom prst="rect">
+            <a:avLst/>
+          </a:prstGeom>
+          <a:noFill/>
+        </p:spPr>
+        <p:txBody>
+          <a:bodyPr wrap="square" rtlCol="0">
+            <a:spAutoFit/>
+          </a:bodyPr>
+          <a:lstStyle/>
+          <a:p>
+            <a:pPr algn="just"/>
+            <a:r>
+              <a:rPr lang="en-US" b="1" dirty="0"/>
+              <a:t>Arithmetic Mean (AM):</a:t>
+            </a:r>
+          </a:p>
+        </p:txBody>
+      </p:sp>
+      <p:sp>
+        <p:nvSpPr>
+          <p:cNvPr id="7" name="AutoShape 2" descr="{\displaystyle {\bar {x}}={\frac {1}{n}}\left(\sum _{i=1}^{n}{x_{i}}\right)={\frac {x_{1}+x_{2}+\cdots +x_{n}}{n}}}"/>
+          <p:cNvSpPr>
+            <a:spLocks noChangeAspect="1" noChangeArrowheads="1"/>
+          </p:cNvSpPr>
+          <p:nvPr/>
+        </p:nvSpPr>
+        <p:spPr bwMode="auto">
+          <a:xfrm>
+            <a:off x="155575" y="-144463"/>
+            <a:ext cx="304800" cy="304801"/>
+          </a:xfrm>
+          <a:prstGeom prst="rect">
+            <a:avLst/>
+          </a:prstGeom>
+          <a:noFill/>
+          <a:extLst>
+            <a:ext uri="{909E8E84-426E-40DD-AFC4-6F175D3DCCD1}">
+              <a14:hiddenFill xmlns:a14="http://schemas.microsoft.com/office/drawing/2010/main">
+                <a:solidFill>
+                  <a:srgbClr val="FFFFFF"/>
+                </a:solidFill>
+              </a14:hiddenFill>
+            </a:ext>
+          </a:extLst>
+        </p:spPr>
+        <p:txBody>
+          <a:bodyPr vert="horz" wrap="square" lIns="91440" tIns="45720" rIns="91440" bIns="45720" numCol="1" anchor="t" anchorCtr="0" compatLnSpc="1">
+            <a:prstTxWarp prst="textNoShape">
+              <a:avLst/>
+            </a:prstTxWarp>
+          </a:bodyPr>
+          <a:lstStyle/>
+          <a:p>
+            <a:endParaRPr lang="ru-RU"/>
+          </a:p>
+        </p:txBody>
+      </p:sp>
       <p:pic>
         <p:nvPicPr>
-          <p:cNvPr id="5" name="Рисунок 4"/>
+          <p:cNvPr id="22" name="Рисунок 21"/>
           <p:cNvPicPr>
             <a:picLocks noChangeAspect="1"/>
           </p:cNvPicPr>
@@ -6970,8 +6911,8 @@
         </p:blipFill>
         <p:spPr>
           <a:xfrm>
-            <a:off x="529062" y="1100114"/>
-            <a:ext cx="7886700" cy="4006040"/>
+            <a:off x="479834" y="1198900"/>
+            <a:ext cx="2781300" cy="523875"/>
           </a:xfrm>
           <a:prstGeom prst="rect">
             <a:avLst/>
@@ -6980,47 +6921,331 @@
       </p:pic>
       <p:sp>
         <p:nvSpPr>
-          <p:cNvPr id="6" name="Заголовок 1"/>
-          <p:cNvSpPr>
-            <a:spLocks noGrp="1"/>
-          </p:cNvSpPr>
-          <p:nvPr>
-            <p:ph type="title"/>
-          </p:nvPr>
-        </p:nvSpPr>
-        <p:spPr>
-          <a:xfrm>
-            <a:off x="249536" y="174654"/>
-            <a:ext cx="8265814" cy="494952"/>
-          </a:xfrm>
-        </p:spPr>
-        <p:txBody>
-          <a:bodyPr vert="horz" lIns="91440" tIns="45720" rIns="91440" bIns="45720" rtlCol="0" anchor="b">
-            <a:noAutofit/>
+          <p:cNvPr id="24" name="TextBox 23"/>
+          <p:cNvSpPr txBox="1"/>
+          <p:nvPr/>
+        </p:nvSpPr>
+        <p:spPr>
+          <a:xfrm>
+            <a:off x="479834" y="1778155"/>
+            <a:ext cx="3259247" cy="307777"/>
+          </a:xfrm>
+          <a:prstGeom prst="rect">
+            <a:avLst/>
+          </a:prstGeom>
+          <a:noFill/>
+        </p:spPr>
+        <p:txBody>
+          <a:bodyPr wrap="square" rtlCol="0">
+            <a:spAutoFit/>
           </a:bodyPr>
           <a:lstStyle/>
           <a:p>
-            <a:pPr algn="ctr"/>
-            <a:r>
-              <a:rPr lang="en-US" sz="2400" b="1" dirty="0" smtClean="0">
-                <a:solidFill>
-                  <a:srgbClr val="00B0F0"/>
-                </a:solidFill>
-              </a:rPr>
-              <a:t>Mean Visualization</a:t>
-            </a:r>
-            <a:endParaRPr lang="ru-RU" sz="2400" b="1" dirty="0">
-              <a:solidFill>
-                <a:srgbClr val="00B0F0"/>
-              </a:solidFill>
-            </a:endParaRPr>
+            <a:pPr algn="just"/>
+            <a:r>
+              <a:rPr lang="en-US" sz="1400" dirty="0"/>
+              <a:t>where Xi is values, n – quantity of values.</a:t>
+            </a:r>
+          </a:p>
+        </p:txBody>
+      </p:sp>
+      <p:sp>
+        <p:nvSpPr>
+          <p:cNvPr id="25" name="TextBox 24"/>
+          <p:cNvSpPr txBox="1"/>
+          <p:nvPr/>
+        </p:nvSpPr>
+        <p:spPr>
+          <a:xfrm>
+            <a:off x="460375" y="2347983"/>
+            <a:ext cx="2580237" cy="369332"/>
+          </a:xfrm>
+          <a:prstGeom prst="rect">
+            <a:avLst/>
+          </a:prstGeom>
+          <a:noFill/>
+        </p:spPr>
+        <p:txBody>
+          <a:bodyPr wrap="square" rtlCol="0">
+            <a:spAutoFit/>
+          </a:bodyPr>
+          <a:lstStyle/>
+          <a:p>
+            <a:pPr algn="just"/>
+            <a:r>
+              <a:rPr lang="en-US" b="1" dirty="0"/>
+              <a:t>Geometric Mean (GM):</a:t>
+            </a:r>
+          </a:p>
+        </p:txBody>
+      </p:sp>
+      <p:pic>
+        <p:nvPicPr>
+          <p:cNvPr id="26" name="Рисунок 25"/>
+          <p:cNvPicPr>
+            <a:picLocks noChangeAspect="1"/>
+          </p:cNvPicPr>
+          <p:nvPr/>
+        </p:nvPicPr>
+        <p:blipFill>
+          <a:blip r:embed="rId3"/>
+          <a:stretch>
+            <a:fillRect/>
+          </a:stretch>
+        </p:blipFill>
+        <p:spPr>
+          <a:xfrm>
+            <a:off x="460375" y="2711140"/>
+            <a:ext cx="2400300" cy="638175"/>
+          </a:xfrm>
+          <a:prstGeom prst="rect">
+            <a:avLst/>
+          </a:prstGeom>
+        </p:spPr>
+      </p:pic>
+      <p:pic>
+        <p:nvPicPr>
+          <p:cNvPr id="27" name="Рисунок 26"/>
+          <p:cNvPicPr>
+            <a:picLocks noChangeAspect="1"/>
+          </p:cNvPicPr>
+          <p:nvPr/>
+        </p:nvPicPr>
+        <p:blipFill>
+          <a:blip r:embed="rId4"/>
+          <a:stretch>
+            <a:fillRect/>
+          </a:stretch>
+        </p:blipFill>
+        <p:spPr>
+          <a:xfrm>
+            <a:off x="481531" y="3430341"/>
+            <a:ext cx="3257550" cy="285750"/>
+          </a:xfrm>
+          <a:prstGeom prst="rect">
+            <a:avLst/>
+          </a:prstGeom>
+        </p:spPr>
+      </p:pic>
+      <p:sp>
+        <p:nvSpPr>
+          <p:cNvPr id="28" name="TextBox 27"/>
+          <p:cNvSpPr txBox="1"/>
+          <p:nvPr/>
+        </p:nvSpPr>
+        <p:spPr>
+          <a:xfrm>
+            <a:off x="479832" y="3931938"/>
+            <a:ext cx="2580237" cy="369332"/>
+          </a:xfrm>
+          <a:prstGeom prst="rect">
+            <a:avLst/>
+          </a:prstGeom>
+          <a:noFill/>
+        </p:spPr>
+        <p:txBody>
+          <a:bodyPr wrap="square" rtlCol="0">
+            <a:spAutoFit/>
+          </a:bodyPr>
+          <a:lstStyle/>
+          <a:p>
+            <a:pPr algn="just"/>
+            <a:r>
+              <a:rPr lang="en-US" b="1" dirty="0"/>
+              <a:t>Harmonic Mean (HM):</a:t>
+            </a:r>
+          </a:p>
+        </p:txBody>
+      </p:sp>
+      <p:pic>
+        <p:nvPicPr>
+          <p:cNvPr id="29" name="Рисунок 28"/>
+          <p:cNvPicPr>
+            <a:picLocks noChangeAspect="1"/>
+          </p:cNvPicPr>
+          <p:nvPr/>
+        </p:nvPicPr>
+        <p:blipFill>
+          <a:blip r:embed="rId5"/>
+          <a:stretch>
+            <a:fillRect/>
+          </a:stretch>
+        </p:blipFill>
+        <p:spPr>
+          <a:xfrm>
+            <a:off x="411712" y="4883893"/>
+            <a:ext cx="2628900" cy="466725"/>
+          </a:xfrm>
+          <a:prstGeom prst="rect">
+            <a:avLst/>
+          </a:prstGeom>
+        </p:spPr>
+      </p:pic>
+      <p:pic>
+        <p:nvPicPr>
+          <p:cNvPr id="30" name="Рисунок 29"/>
+          <p:cNvPicPr>
+            <a:picLocks noChangeAspect="1"/>
+          </p:cNvPicPr>
+          <p:nvPr/>
+        </p:nvPicPr>
+        <p:blipFill>
+          <a:blip r:embed="rId6"/>
+          <a:stretch>
+            <a:fillRect/>
+          </a:stretch>
+        </p:blipFill>
+        <p:spPr>
+          <a:xfrm>
+            <a:off x="565559" y="4302868"/>
+            <a:ext cx="1304925" cy="581025"/>
+          </a:xfrm>
+          <a:prstGeom prst="rect">
+            <a:avLst/>
+          </a:prstGeom>
+        </p:spPr>
+      </p:pic>
+      <p:pic>
+        <p:nvPicPr>
+          <p:cNvPr id="31" name="Рисунок 30"/>
+          <p:cNvPicPr>
+            <a:picLocks noChangeAspect="1"/>
+          </p:cNvPicPr>
+          <p:nvPr/>
+        </p:nvPicPr>
+        <p:blipFill>
+          <a:blip r:embed="rId7"/>
+          <a:stretch>
+            <a:fillRect/>
+          </a:stretch>
+        </p:blipFill>
+        <p:spPr>
+          <a:xfrm>
+            <a:off x="546509" y="5965970"/>
+            <a:ext cx="1323975" cy="171450"/>
+          </a:xfrm>
+          <a:prstGeom prst="rect">
+            <a:avLst/>
+          </a:prstGeom>
+        </p:spPr>
+      </p:pic>
+      <p:sp>
+        <p:nvSpPr>
+          <p:cNvPr id="32" name="TextBox 31"/>
+          <p:cNvSpPr txBox="1"/>
+          <p:nvPr/>
+        </p:nvSpPr>
+        <p:spPr>
+          <a:xfrm>
+            <a:off x="479831" y="5517865"/>
+            <a:ext cx="3105341" cy="369332"/>
+          </a:xfrm>
+          <a:prstGeom prst="rect">
+            <a:avLst/>
+          </a:prstGeom>
+          <a:noFill/>
+        </p:spPr>
+        <p:txBody>
+          <a:bodyPr wrap="square" rtlCol="0">
+            <a:spAutoFit/>
+          </a:bodyPr>
+          <a:lstStyle/>
+          <a:p>
+            <a:pPr algn="just"/>
+            <a:r>
+              <a:rPr lang="en-US" b="1" dirty="0"/>
+              <a:t>Relationship of Means (AM):</a:t>
+            </a:r>
+          </a:p>
+        </p:txBody>
+      </p:sp>
+      <p:sp>
+        <p:nvSpPr>
+          <p:cNvPr id="33" name="TextBox 32"/>
+          <p:cNvSpPr txBox="1"/>
+          <p:nvPr/>
+        </p:nvSpPr>
+        <p:spPr>
+          <a:xfrm>
+            <a:off x="4185530" y="774188"/>
+            <a:ext cx="4544840" cy="3693319"/>
+          </a:xfrm>
+          <a:prstGeom prst="rect">
+            <a:avLst/>
+          </a:prstGeom>
+          <a:noFill/>
+        </p:spPr>
+        <p:txBody>
+          <a:bodyPr wrap="square" rtlCol="0">
+            <a:spAutoFit/>
+          </a:bodyPr>
+          <a:lstStyle/>
+          <a:p>
+            <a:r>
+              <a:rPr lang="en-US" i="1" u="sng" dirty="0"/>
+              <a:t>The best way to use the mean:</a:t>
+            </a:r>
+          </a:p>
+          <a:p>
+            <a:endParaRPr lang="en-US" i="1" u="sng" dirty="0"/>
+          </a:p>
+          <a:p>
+            <a:pPr marL="285750" indent="-285750">
+              <a:buFont typeface="Wingdings" panose="05000000000000000000" pitchFamily="2" charset="2"/>
+              <a:buChar char="§"/>
+            </a:pPr>
+            <a:r>
+              <a:rPr lang="en-US" dirty="0"/>
+              <a:t>to measure the average values of the data set – AM</a:t>
+            </a:r>
+          </a:p>
+          <a:p>
+            <a:endParaRPr lang="en-US" dirty="0"/>
+          </a:p>
+          <a:p>
+            <a:endParaRPr lang="en-US" dirty="0"/>
+          </a:p>
+          <a:p>
+            <a:pPr marL="285750" indent="-285750">
+              <a:buFont typeface="Wingdings" panose="05000000000000000000" pitchFamily="2" charset="2"/>
+              <a:buChar char="§"/>
+            </a:pPr>
+            <a:r>
+              <a:rPr lang="en-US" dirty="0"/>
+              <a:t>to measure the average pace of dynamics (movement) - GM</a:t>
+            </a:r>
+          </a:p>
+          <a:p>
+            <a:pPr marL="285750" indent="-285750">
+              <a:buFont typeface="Wingdings" panose="05000000000000000000" pitchFamily="2" charset="2"/>
+              <a:buChar char="§"/>
+            </a:pPr>
+            <a:endParaRPr lang="en-US" dirty="0"/>
+          </a:p>
+          <a:p>
+            <a:pPr marL="285750" indent="-285750">
+              <a:buFont typeface="Wingdings" panose="05000000000000000000" pitchFamily="2" charset="2"/>
+              <a:buChar char="§"/>
+            </a:pPr>
+            <a:endParaRPr lang="en-US" dirty="0"/>
+          </a:p>
+          <a:p>
+            <a:pPr marL="285750" indent="-285750">
+              <a:buFont typeface="Wingdings" panose="05000000000000000000" pitchFamily="2" charset="2"/>
+              <a:buChar char="§"/>
+            </a:pPr>
+            <a:r>
+              <a:rPr lang="en-US" dirty="0"/>
+              <a:t> to deal with datasets of rates or ratios (i.e. fractions) over different lengths or periods – HM.</a:t>
+            </a:r>
+            <a:endParaRPr lang="ru-RU" dirty="0"/>
           </a:p>
         </p:txBody>
       </p:sp>
     </p:spTree>
     <p:extLst>
       <p:ext uri="{BB962C8B-B14F-4D97-AF65-F5344CB8AC3E}">
-        <p14:creationId xmlns:p14="http://schemas.microsoft.com/office/powerpoint/2010/main" val="3507575105"/>
+        <p14:creationId xmlns:p14="http://schemas.microsoft.com/office/powerpoint/2010/main" val="1685190179"/>
       </p:ext>
     </p:extLst>
   </p:cSld>
@@ -7070,48 +7295,9 @@
           </a:p>
         </p:txBody>
       </p:sp>
-      <p:sp>
-        <p:nvSpPr>
-          <p:cNvPr id="5" name="Заголовок 1"/>
-          <p:cNvSpPr>
-            <a:spLocks noGrp="1"/>
-          </p:cNvSpPr>
-          <p:nvPr>
-            <p:ph type="title"/>
-          </p:nvPr>
-        </p:nvSpPr>
-        <p:spPr>
-          <a:xfrm>
-            <a:off x="249536" y="174654"/>
-            <a:ext cx="8265814" cy="494952"/>
-          </a:xfrm>
-        </p:spPr>
-        <p:txBody>
-          <a:bodyPr vert="horz" lIns="91440" tIns="45720" rIns="91440" bIns="45720" rtlCol="0" anchor="b">
-            <a:noAutofit/>
-          </a:bodyPr>
-          <a:lstStyle/>
-          <a:p>
-            <a:pPr algn="ctr"/>
-            <a:r>
-              <a:rPr lang="en-US" sz="2400" b="1" dirty="0" smtClean="0">
-                <a:solidFill>
-                  <a:srgbClr val="00B0F0"/>
-                </a:solidFill>
-              </a:rPr>
-              <a:t>Mean Derivatives</a:t>
-            </a:r>
-            <a:endParaRPr lang="ru-RU" sz="2400" b="1" dirty="0">
-              <a:solidFill>
-                <a:srgbClr val="00B0F0"/>
-              </a:solidFill>
-            </a:endParaRPr>
-          </a:p>
-        </p:txBody>
-      </p:sp>
       <p:pic>
         <p:nvPicPr>
-          <p:cNvPr id="6" name="Рисунок 5"/>
+          <p:cNvPr id="5" name="Рисунок 4"/>
           <p:cNvPicPr>
             <a:picLocks noChangeAspect="1"/>
           </p:cNvPicPr>
@@ -7125,8 +7311,8 @@
         </p:blipFill>
         <p:spPr>
           <a:xfrm>
-            <a:off x="1532755" y="669606"/>
-            <a:ext cx="5101846" cy="2237462"/>
+            <a:off x="529062" y="1100114"/>
+            <a:ext cx="7886700" cy="4006040"/>
           </a:xfrm>
           <a:prstGeom prst="rect">
             <a:avLst/>
@@ -7135,113 +7321,47 @@
       </p:pic>
       <p:sp>
         <p:nvSpPr>
-          <p:cNvPr id="7" name="TextBox 6"/>
-          <p:cNvSpPr txBox="1"/>
-          <p:nvPr/>
-        </p:nvSpPr>
-        <p:spPr>
-          <a:xfrm>
-            <a:off x="249535" y="3078179"/>
-            <a:ext cx="8640967" cy="3416320"/>
-          </a:xfrm>
-          <a:prstGeom prst="rect">
-            <a:avLst/>
-          </a:prstGeom>
-          <a:noFill/>
-        </p:spPr>
-        <p:txBody>
-          <a:bodyPr wrap="square" rtlCol="0">
-            <a:spAutoFit/>
+          <p:cNvPr id="6" name="Заголовок 1"/>
+          <p:cNvSpPr>
+            <a:spLocks noGrp="1"/>
+          </p:cNvSpPr>
+          <p:nvPr>
+            <p:ph type="title"/>
+          </p:nvPr>
+        </p:nvSpPr>
+        <p:spPr>
+          <a:xfrm>
+            <a:off x="249536" y="174654"/>
+            <a:ext cx="8265814" cy="494952"/>
+          </a:xfrm>
+        </p:spPr>
+        <p:txBody>
+          <a:bodyPr vert="horz" lIns="91440" tIns="45720" rIns="91440" bIns="45720" rtlCol="0" anchor="b">
+            <a:noAutofit/>
           </a:bodyPr>
           <a:lstStyle/>
           <a:p>
-            <a:r>
-              <a:rPr lang="en-US" b="1" dirty="0" smtClean="0"/>
-              <a:t>Mode </a:t>
-            </a:r>
-            <a:r>
-              <a:rPr lang="en-US" dirty="0" smtClean="0"/>
-              <a:t>is the value with the highest frequency rate.</a:t>
-            </a:r>
-          </a:p>
-          <a:p>
-            <a:endParaRPr lang="en-US" dirty="0" smtClean="0"/>
-          </a:p>
-          <a:p>
-            <a:pPr algn="just"/>
-            <a:r>
-              <a:rPr lang="en-US" b="1" dirty="0" smtClean="0"/>
-              <a:t>Median</a:t>
-            </a:r>
-            <a:r>
-              <a:rPr lang="en-US" dirty="0" smtClean="0"/>
-              <a:t> is the value splitting the ordered data set in two equal subsamples. </a:t>
-            </a:r>
-          </a:p>
-          <a:p>
-            <a:endParaRPr lang="en-US" dirty="0"/>
-          </a:p>
-          <a:p>
-            <a:r>
-              <a:rPr lang="en-US" dirty="0" smtClean="0"/>
-              <a:t>This indicator </a:t>
-            </a:r>
-            <a:r>
-              <a:rPr lang="en-US" i="1" u="sng" dirty="0" smtClean="0"/>
-              <a:t>are used to evaluate</a:t>
-            </a:r>
-            <a:r>
-              <a:rPr lang="en-US" dirty="0" smtClean="0"/>
-              <a:t> initial homogeneity of the data set -&gt; AMT_ANNUITY and AMT_GOODS_PRICE are the most homogenous.</a:t>
-            </a:r>
-          </a:p>
-          <a:p>
-            <a:endParaRPr lang="en-US" dirty="0"/>
-          </a:p>
-          <a:p>
-            <a:r>
-              <a:rPr lang="en-US" dirty="0" smtClean="0"/>
-              <a:t>The </a:t>
-            </a:r>
-            <a:r>
-              <a:rPr lang="en-US" i="1" u="sng" dirty="0" smtClean="0"/>
-              <a:t>less</a:t>
-            </a:r>
-            <a:r>
-              <a:rPr lang="en-US" dirty="0" smtClean="0"/>
-              <a:t> data set is homogenous -&gt; </a:t>
-            </a:r>
-            <a:r>
-              <a:rPr lang="en-US" i="1" u="sng" dirty="0" smtClean="0"/>
-              <a:t>more</a:t>
-            </a:r>
-            <a:r>
-              <a:rPr lang="en-US" dirty="0" smtClean="0"/>
-              <a:t>  preprocessing steps have to be taken to compile the homogeneous data set.</a:t>
-            </a:r>
-          </a:p>
-          <a:p>
-            <a:endParaRPr lang="en-US" dirty="0" smtClean="0"/>
-          </a:p>
-          <a:p>
-            <a:r>
-              <a:rPr lang="en-US" b="1" dirty="0" smtClean="0"/>
-              <a:t>Relationship of AM, Mode and Median:</a:t>
-            </a:r>
-            <a:endParaRPr lang="en-US" b="1" dirty="0"/>
-          </a:p>
-          <a:p>
-            <a:r>
-              <a:rPr lang="en-US" dirty="0" smtClean="0"/>
-              <a:t>The best data set means AM ~ Mode ~ Median.</a:t>
-            </a:r>
+            <a:pPr algn="ctr"/>
+            <a:r>
+              <a:rPr lang="en-US" sz="2400" b="1" dirty="0">
+                <a:solidFill>
+                  <a:srgbClr val="00B0F0"/>
+                </a:solidFill>
+              </a:rPr>
+              <a:t>Mean Visualization</a:t>
+            </a:r>
+            <a:endParaRPr lang="ru-RU" sz="2400" b="1" dirty="0">
+              <a:solidFill>
+                <a:srgbClr val="00B0F0"/>
+              </a:solidFill>
+            </a:endParaRPr>
           </a:p>
         </p:txBody>
       </p:sp>
     </p:spTree>
     <p:extLst>
       <p:ext uri="{BB962C8B-B14F-4D97-AF65-F5344CB8AC3E}">
-        <p14:creationId xmlns:p14="http://schemas.microsoft.com/office/powerpoint/2010/main" val="604695766"/>
+        <p14:creationId xmlns:p14="http://schemas.microsoft.com/office/powerpoint/2010/main" val="3507575105"/>
       </p:ext>
     </p:extLst>
   </p:cSld>
@@ -7270,7 +7390,30 @@
       </p:grpSpPr>
       <p:sp>
         <p:nvSpPr>
-          <p:cNvPr id="2" name="Заголовок 1"/>
+          <p:cNvPr id="4" name="Номер слайда 3"/>
+          <p:cNvSpPr>
+            <a:spLocks noGrp="1"/>
+          </p:cNvSpPr>
+          <p:nvPr>
+            <p:ph type="sldNum" sz="quarter" idx="12"/>
+          </p:nvPr>
+        </p:nvSpPr>
+        <p:spPr/>
+        <p:txBody>
+          <a:bodyPr/>
+          <a:lstStyle/>
+          <a:p>
+            <a:fld id="{C936BD1D-689F-4FB2-8C94-2D2423F07E62}" type="slidenum">
+              <a:rPr lang="ru-RU" smtClean="0"/>
+              <a:t>8</a:t>
+            </a:fld>
+            <a:endParaRPr lang="ru-RU"/>
+          </a:p>
+        </p:txBody>
+      </p:sp>
+      <p:sp>
+        <p:nvSpPr>
+          <p:cNvPr id="5" name="Заголовок 1"/>
           <p:cNvSpPr>
             <a:spLocks noGrp="1"/>
           </p:cNvSpPr>
@@ -7280,8 +7423,8 @@
         </p:nvSpPr>
         <p:spPr>
           <a:xfrm>
-            <a:off x="628650" y="365126"/>
-            <a:ext cx="7886700" cy="422525"/>
+            <a:off x="249536" y="174654"/>
+            <a:ext cx="8265814" cy="494952"/>
           </a:xfrm>
         </p:spPr>
         <p:txBody>
@@ -7297,7 +7440,7 @@
                   <a:srgbClr val="00B0F0"/>
                 </a:solidFill>
               </a:rPr>
-              <a:t>Outliers</a:t>
+              <a:t>Mean Derivatives</a:t>
             </a:r>
             <a:endParaRPr lang="ru-RU" sz="2400" b="1" dirty="0">
               <a:solidFill>
@@ -7307,91 +7450,9 @@
           </a:p>
         </p:txBody>
       </p:sp>
-      <p:sp>
-        <p:nvSpPr>
-          <p:cNvPr id="4" name="Номер слайда 3"/>
-          <p:cNvSpPr>
-            <a:spLocks noGrp="1"/>
-          </p:cNvSpPr>
-          <p:nvPr>
-            <p:ph type="sldNum" sz="quarter" idx="12"/>
-          </p:nvPr>
-        </p:nvSpPr>
-        <p:spPr/>
-        <p:txBody>
-          <a:bodyPr/>
-          <a:lstStyle/>
-          <a:p>
-            <a:fld id="{C936BD1D-689F-4FB2-8C94-2D2423F07E62}" type="slidenum">
-              <a:rPr lang="ru-RU" smtClean="0"/>
-              <a:t>8</a:t>
-            </a:fld>
-            <a:endParaRPr lang="ru-RU"/>
-          </a:p>
-        </p:txBody>
-      </p:sp>
-      <p:sp>
-        <p:nvSpPr>
-          <p:cNvPr id="5" name="TextBox 4"/>
-          <p:cNvSpPr txBox="1"/>
-          <p:nvPr/>
-        </p:nvSpPr>
-        <p:spPr>
-          <a:xfrm>
-            <a:off x="202779" y="787651"/>
-            <a:ext cx="8705831" cy="2308324"/>
-          </a:xfrm>
-          <a:prstGeom prst="rect">
-            <a:avLst/>
-          </a:prstGeom>
-          <a:noFill/>
-        </p:spPr>
-        <p:txBody>
-          <a:bodyPr wrap="square" rtlCol="0">
-            <a:spAutoFit/>
-          </a:bodyPr>
-          <a:lstStyle/>
-          <a:p>
-            <a:r>
-              <a:rPr lang="en-US" b="1" dirty="0" smtClean="0"/>
-              <a:t>Outliers</a:t>
-            </a:r>
-            <a:r>
-              <a:rPr lang="en-US" dirty="0" smtClean="0"/>
-              <a:t> are extreme values which are limited in quantity but have a material effect to calculated values.</a:t>
-            </a:r>
-          </a:p>
-          <a:p>
-            <a:endParaRPr lang="en-US" dirty="0"/>
-          </a:p>
-          <a:p>
-            <a:r>
-              <a:rPr lang="en-US" dirty="0" smtClean="0"/>
-              <a:t>From practical point of view outliers can be defined in different ways but main approaches are </a:t>
-            </a:r>
-            <a:r>
-              <a:rPr lang="en-US" i="1" u="sng" dirty="0" smtClean="0"/>
-              <a:t>expert and analytical</a:t>
-            </a:r>
-            <a:r>
-              <a:rPr lang="en-US" dirty="0" smtClean="0"/>
-              <a:t>.</a:t>
-            </a:r>
-          </a:p>
-          <a:p>
-            <a:endParaRPr lang="en-US" dirty="0"/>
-          </a:p>
-          <a:p>
-            <a:r>
-              <a:rPr lang="en-US" dirty="0" smtClean="0"/>
-              <a:t>In  a small example we have excluded TOP 12 (expert approach) of 48,745 records -&gt; AM is impacted immaterially.</a:t>
-            </a:r>
-          </a:p>
-        </p:txBody>
-      </p:sp>
       <p:pic>
         <p:nvPicPr>
-          <p:cNvPr id="7" name="Рисунок 6"/>
+          <p:cNvPr id="6" name="Рисунок 5"/>
           <p:cNvPicPr>
             <a:picLocks noChangeAspect="1"/>
           </p:cNvPicPr>
@@ -7405,48 +7466,24 @@
         </p:blipFill>
         <p:spPr>
           <a:xfrm>
-            <a:off x="202779" y="3113137"/>
-            <a:ext cx="4296794" cy="1884399"/>
+            <a:off x="1532755" y="669606"/>
+            <a:ext cx="5101846" cy="2237462"/>
           </a:xfrm>
           <a:prstGeom prst="rect">
             <a:avLst/>
           </a:prstGeom>
         </p:spPr>
       </p:pic>
-      <p:pic>
-        <p:nvPicPr>
-          <p:cNvPr id="9" name="Рисунок 8"/>
-          <p:cNvPicPr>
-            <a:picLocks noChangeAspect="1"/>
-          </p:cNvPicPr>
-          <p:nvPr/>
-        </p:nvPicPr>
-        <p:blipFill>
-          <a:blip r:embed="rId3"/>
-          <a:stretch>
-            <a:fillRect/>
-          </a:stretch>
-        </p:blipFill>
-        <p:spPr>
-          <a:xfrm>
-            <a:off x="4572000" y="2952006"/>
-            <a:ext cx="4248000" cy="2043000"/>
-          </a:xfrm>
-          <a:prstGeom prst="rect">
-            <a:avLst/>
-          </a:prstGeom>
-        </p:spPr>
-      </p:pic>
-      <p:sp>
-        <p:nvSpPr>
-          <p:cNvPr id="10" name="TextBox 9"/>
+      <p:sp>
+        <p:nvSpPr>
+          <p:cNvPr id="7" name="TextBox 6"/>
           <p:cNvSpPr txBox="1"/>
           <p:nvPr/>
         </p:nvSpPr>
         <p:spPr>
           <a:xfrm>
-            <a:off x="202779" y="5341545"/>
-            <a:ext cx="8617221" cy="1200329"/>
+            <a:off x="249535" y="3078179"/>
+            <a:ext cx="8640967" cy="3416320"/>
           </a:xfrm>
           <a:prstGeom prst="rect">
             <a:avLst/>
@@ -7460,26 +7497,91 @@
           <a:lstStyle/>
           <a:p>
             <a:r>
-              <a:rPr lang="en-US" dirty="0" smtClean="0"/>
-              <a:t>Analytical approach means application of any reasonable calculated indicators. For instance, AM/mode ratio.</a:t>
+              <a:rPr lang="en-US" b="1" dirty="0"/>
+              <a:t>Mode </a:t>
+            </a:r>
+            <a:r>
+              <a:rPr lang="en-US" dirty="0"/>
+              <a:t>is the value with the highest frequency rate.</a:t>
             </a:r>
           </a:p>
           <a:p>
             <a:endParaRPr lang="en-US" dirty="0"/>
           </a:p>
           <a:p>
-            <a:r>
-              <a:rPr lang="en-US" dirty="0" smtClean="0"/>
-              <a:t>Outliers themselves could make a separate sample to look into.</a:t>
-            </a:r>
-            <a:endParaRPr lang="ru-RU" dirty="0"/>
+            <a:pPr algn="just"/>
+            <a:r>
+              <a:rPr lang="en-US" b="1" dirty="0"/>
+              <a:t>Median</a:t>
+            </a:r>
+            <a:r>
+              <a:rPr lang="en-US" dirty="0"/>
+              <a:t> is the value splitting the ordered data set in two equal subsamples. </a:t>
+            </a:r>
+          </a:p>
+          <a:p>
+            <a:endParaRPr lang="en-US" dirty="0"/>
+          </a:p>
+          <a:p>
+            <a:r>
+              <a:rPr lang="en-US" dirty="0"/>
+              <a:t>This indicator </a:t>
+            </a:r>
+            <a:r>
+              <a:rPr lang="en-US" i="1" u="sng" dirty="0"/>
+              <a:t>are used to evaluate</a:t>
+            </a:r>
+            <a:r>
+              <a:rPr lang="en-US" dirty="0"/>
+              <a:t> initial homogeneity of the data set -&gt; AMT_ANNUITY and AMT_GOODS_PRICE are the most homogenous.</a:t>
+            </a:r>
+          </a:p>
+          <a:p>
+            <a:endParaRPr lang="en-US" dirty="0"/>
+          </a:p>
+          <a:p>
+            <a:r>
+              <a:rPr lang="en-US" dirty="0"/>
+              <a:t>The </a:t>
+            </a:r>
+            <a:r>
+              <a:rPr lang="en-US" i="1" u="sng" dirty="0"/>
+              <a:t>less</a:t>
+            </a:r>
+            <a:r>
+              <a:rPr lang="en-US" dirty="0"/>
+              <a:t> data set is homogenous -&gt; </a:t>
+            </a:r>
+            <a:r>
+              <a:rPr lang="en-US" i="1" u="sng" dirty="0"/>
+              <a:t>more</a:t>
+            </a:r>
+            <a:r>
+              <a:rPr lang="en-US" dirty="0"/>
+              <a:t>  preprocessing steps have to be taken to compile the homogeneous data set.</a:t>
+            </a:r>
+          </a:p>
+          <a:p>
+            <a:endParaRPr lang="en-US" dirty="0"/>
+          </a:p>
+          <a:p>
+            <a:r>
+              <a:rPr lang="en-US" b="1" dirty="0"/>
+              <a:t>Relationship of AM, Mode and Median:</a:t>
+            </a:r>
+          </a:p>
+          <a:p>
+            <a:r>
+              <a:rPr lang="en-US" dirty="0"/>
+              <a:t>The best data set means AM ~ Mode ~ Median.</a:t>
+            </a:r>
           </a:p>
         </p:txBody>
       </p:sp>
     </p:spTree>
     <p:extLst>
       <p:ext uri="{BB962C8B-B14F-4D97-AF65-F5344CB8AC3E}">
-        <p14:creationId xmlns:p14="http://schemas.microsoft.com/office/powerpoint/2010/main" val="918789839"/>
+        <p14:creationId xmlns:p14="http://schemas.microsoft.com/office/powerpoint/2010/main" val="604695766"/>
       </p:ext>
     </p:extLst>
   </p:cSld>
@@ -7508,6 +7610,45 @@
       </p:grpSpPr>
       <p:sp>
         <p:nvSpPr>
+          <p:cNvPr id="2" name="Заголовок 1"/>
+          <p:cNvSpPr>
+            <a:spLocks noGrp="1"/>
+          </p:cNvSpPr>
+          <p:nvPr>
+            <p:ph type="title"/>
+          </p:nvPr>
+        </p:nvSpPr>
+        <p:spPr>
+          <a:xfrm>
+            <a:off x="628650" y="365126"/>
+            <a:ext cx="7886700" cy="422525"/>
+          </a:xfrm>
+        </p:spPr>
+        <p:txBody>
+          <a:bodyPr vert="horz" lIns="91440" tIns="45720" rIns="91440" bIns="45720" rtlCol="0" anchor="b">
+            <a:noAutofit/>
+          </a:bodyPr>
+          <a:lstStyle/>
+          <a:p>
+            <a:pPr algn="ctr"/>
+            <a:r>
+              <a:rPr lang="en-US" sz="2400" b="1" dirty="0">
+                <a:solidFill>
+                  <a:srgbClr val="00B0F0"/>
+                </a:solidFill>
+              </a:rPr>
+              <a:t>Outliers</a:t>
+            </a:r>
+            <a:endParaRPr lang="ru-RU" sz="2400" b="1" dirty="0">
+              <a:solidFill>
+                <a:srgbClr val="00B0F0"/>
+              </a:solidFill>
+            </a:endParaRPr>
+          </a:p>
+        </p:txBody>
+      </p:sp>
+      <p:sp>
+        <p:nvSpPr>
           <p:cNvPr id="4" name="Номер слайда 3"/>
           <p:cNvSpPr>
             <a:spLocks noGrp="1"/>
@@ -7531,46 +7672,66 @@
       </p:sp>
       <p:sp>
         <p:nvSpPr>
-          <p:cNvPr id="11" name="Заголовок 1"/>
-          <p:cNvSpPr>
-            <a:spLocks noGrp="1"/>
-          </p:cNvSpPr>
-          <p:nvPr>
-            <p:ph type="title"/>
-          </p:nvPr>
-        </p:nvSpPr>
-        <p:spPr>
-          <a:xfrm>
-            <a:off x="628650" y="365126"/>
-            <a:ext cx="7886700" cy="422525"/>
-          </a:xfrm>
-        </p:spPr>
-        <p:txBody>
-          <a:bodyPr vert="horz" lIns="91440" tIns="45720" rIns="91440" bIns="45720" rtlCol="0" anchor="b">
-            <a:noAutofit/>
+          <p:cNvPr id="5" name="TextBox 4"/>
+          <p:cNvSpPr txBox="1"/>
+          <p:nvPr/>
+        </p:nvSpPr>
+        <p:spPr>
+          <a:xfrm>
+            <a:off x="202779" y="787651"/>
+            <a:ext cx="8705831" cy="2308324"/>
+          </a:xfrm>
+          <a:prstGeom prst="rect">
+            <a:avLst/>
+          </a:prstGeom>
+          <a:noFill/>
+        </p:spPr>
+        <p:txBody>
+          <a:bodyPr wrap="square" rtlCol="0">
+            <a:spAutoFit/>
           </a:bodyPr>
           <a:lstStyle/>
           <a:p>
-            <a:pPr algn="ctr"/>
-            <a:r>
-              <a:rPr lang="en-US" sz="2400" b="1" dirty="0" smtClean="0">
-                <a:solidFill>
-                  <a:srgbClr val="00B0F0"/>
-                </a:solidFill>
-              </a:rPr>
-              <a:t>Quantiles</a:t>
-            </a:r>
-            <a:endParaRPr lang="ru-RU" sz="2400" b="1" dirty="0">
-              <a:solidFill>
-                <a:srgbClr val="00B0F0"/>
-              </a:solidFill>
-            </a:endParaRPr>
+            <a:r>
+              <a:rPr lang="en-US" b="1" dirty="0"/>
+              <a:t>Outliers</a:t>
+            </a:r>
+            <a:r>
+              <a:rPr lang="en-US" dirty="0"/>
+              <a:t> are extreme values which are limited in quantity but have a material effect to calculated values.</a:t>
+            </a:r>
+          </a:p>
+          <a:p>
+            <a:endParaRPr lang="en-US" dirty="0"/>
+          </a:p>
+          <a:p>
+            <a:r>
+              <a:rPr lang="en-US" dirty="0"/>
+              <a:t>From practical point of view outliers can be defined in different ways but main approaches are </a:t>
+            </a:r>
+            <a:r>
+              <a:rPr lang="en-US" i="1" u="sng" dirty="0"/>
+              <a:t>expert and analytical</a:t>
+            </a:r>
+            <a:r>
+              <a:rPr lang="en-US" dirty="0"/>
+              <a:t>.</a:t>
+            </a:r>
+          </a:p>
+          <a:p>
+            <a:endParaRPr lang="en-US" dirty="0"/>
+          </a:p>
+          <a:p>
+            <a:r>
+              <a:rPr lang="en-US" dirty="0"/>
+              <a:t>In  a small example we have excluded TOP 12 (expert approach) of 48,745 records -&gt; AM is impacted immaterially.</a:t>
+            </a:r>
           </a:p>
         </p:txBody>
       </p:sp>
       <p:pic>
         <p:nvPicPr>
-          <p:cNvPr id="12" name="Рисунок 11"/>
+          <p:cNvPr id="7" name="Рисунок 6"/>
           <p:cNvPicPr>
             <a:picLocks noChangeAspect="1"/>
           </p:cNvPicPr>
@@ -7584,83 +7745,17 @@
         </p:blipFill>
         <p:spPr>
           <a:xfrm>
-            <a:off x="3673444" y="1224104"/>
-            <a:ext cx="5298542" cy="3060426"/>
+            <a:off x="202779" y="3113137"/>
+            <a:ext cx="4296794" cy="1884399"/>
           </a:xfrm>
           <a:prstGeom prst="rect">
             <a:avLst/>
           </a:prstGeom>
         </p:spPr>
       </p:pic>
-      <p:sp>
-        <p:nvSpPr>
-          <p:cNvPr id="13" name="TextBox 12"/>
-          <p:cNvSpPr txBox="1"/>
-          <p:nvPr/>
-        </p:nvSpPr>
-        <p:spPr>
-          <a:xfrm>
-            <a:off x="421049" y="869133"/>
-            <a:ext cx="3069000" cy="369332"/>
-          </a:xfrm>
-          <a:prstGeom prst="rect">
-            <a:avLst/>
-          </a:prstGeom>
-          <a:noFill/>
-        </p:spPr>
-        <p:txBody>
-          <a:bodyPr wrap="square" rtlCol="0">
-            <a:spAutoFit/>
-          </a:bodyPr>
-          <a:lstStyle/>
-          <a:p>
-            <a:r>
-              <a:rPr lang="en-US" dirty="0" smtClean="0">
-                <a:solidFill>
-                  <a:srgbClr val="92D050"/>
-                </a:solidFill>
-              </a:rPr>
-              <a:t>Statistics</a:t>
-            </a:r>
-          </a:p>
-        </p:txBody>
-      </p:sp>
-      <p:sp>
-        <p:nvSpPr>
-          <p:cNvPr id="14" name="TextBox 13"/>
-          <p:cNvSpPr txBox="1"/>
-          <p:nvPr/>
-        </p:nvSpPr>
-        <p:spPr>
-          <a:xfrm>
-            <a:off x="3672973" y="821211"/>
-            <a:ext cx="3069000" cy="369332"/>
-          </a:xfrm>
-          <a:prstGeom prst="rect">
-            <a:avLst/>
-          </a:prstGeom>
-          <a:noFill/>
-        </p:spPr>
-        <p:txBody>
-          <a:bodyPr wrap="square" rtlCol="0">
-            <a:spAutoFit/>
-          </a:bodyPr>
-          <a:lstStyle/>
-          <a:p>
-            <a:r>
-              <a:rPr lang="en-US" dirty="0" smtClean="0">
-                <a:solidFill>
-                  <a:srgbClr val="92D050"/>
-                </a:solidFill>
-              </a:rPr>
-              <a:t>Probability Distribution</a:t>
-            </a:r>
-          </a:p>
-        </p:txBody>
-      </p:sp>
       <p:pic>
         <p:nvPicPr>
-          <p:cNvPr id="2" name="Рисунок 1"/>
+          <p:cNvPr id="9" name="Рисунок 8"/>
           <p:cNvPicPr>
             <a:picLocks noChangeAspect="1"/>
           </p:cNvPicPr>
@@ -7674,18 +7769,57 @@
         </p:blipFill>
         <p:spPr>
           <a:xfrm>
-            <a:off x="330514" y="1224104"/>
-            <a:ext cx="3069000" cy="4041000"/>
+            <a:off x="4572000" y="2952006"/>
+            <a:ext cx="4248000" cy="2043000"/>
           </a:xfrm>
           <a:prstGeom prst="rect">
             <a:avLst/>
           </a:prstGeom>
         </p:spPr>
       </p:pic>
+      <p:sp>
+        <p:nvSpPr>
+          <p:cNvPr id="10" name="TextBox 9"/>
+          <p:cNvSpPr txBox="1"/>
+          <p:nvPr/>
+        </p:nvSpPr>
+        <p:spPr>
+          <a:xfrm>
+            <a:off x="202779" y="5341545"/>
+            <a:ext cx="8617221" cy="1200329"/>
+          </a:xfrm>
+          <a:prstGeom prst="rect">
+            <a:avLst/>
+          </a:prstGeom>
+          <a:noFill/>
+        </p:spPr>
+        <p:txBody>
+          <a:bodyPr wrap="square" rtlCol="0">
+            <a:spAutoFit/>
+          </a:bodyPr>
+          <a:lstStyle/>
+          <a:p>
+            <a:r>
+              <a:rPr lang="en-US" dirty="0"/>
+              <a:t>Analytical approach means application of any reasonable calculated indicators. For instance, AM/mode ratio.</a:t>
+            </a:r>
+          </a:p>
+          <a:p>
+            <a:endParaRPr lang="en-US" dirty="0"/>
+          </a:p>
+          <a:p>
+            <a:r>
+              <a:rPr lang="en-US" dirty="0"/>
+              <a:t>Outliers themselves could make a separate sample to look into.</a:t>
+            </a:r>
+            <a:endParaRPr lang="ru-RU" dirty="0"/>
+          </a:p>
+        </p:txBody>
+      </p:sp>
     </p:spTree>
     <p:extLst>
       <p:ext uri="{BB962C8B-B14F-4D97-AF65-F5344CB8AC3E}">
-        <p14:creationId xmlns:p14="http://schemas.microsoft.com/office/powerpoint/2010/main" val="436948135"/>
+        <p14:creationId xmlns:p14="http://schemas.microsoft.com/office/powerpoint/2010/main" val="918789839"/>
       </p:ext>
     </p:extLst>
   </p:cSld>
